--- a/Dhiraj_Mhatre_Omega Light.pptx
+++ b/Dhiraj_Mhatre_Omega Light.pptx
@@ -8989,7 +8989,7 @@
           <p:spPr>
             <a:xfrm>
               <a:off x="1870854" y="3703798"/>
-              <a:ext cx="2225543" cy="1477328"/>
+              <a:ext cx="2225543" cy="2308324"/>
             </a:xfrm>
             <a:prstGeom prst="rect">
               <a:avLst/>
@@ -9035,14 +9035,7 @@
                   <a:ea typeface="Open Sans Light" panose="020B0306030504020204" pitchFamily="34" charset="0"/>
                   <a:cs typeface="Open Sans Light" panose="020B0306030504020204" pitchFamily="34" charset="0"/>
                 </a:rPr>
-                <a:t> </a:t>
-              </a:r>
-              <a:r>
-                <a:rPr lang="en-IN" sz="1200" dirty="0" smtClean="0">
-                  <a:ea typeface="Open Sans Light" panose="020B0306030504020204" pitchFamily="34" charset="0"/>
-                  <a:cs typeface="Open Sans Light" panose="020B0306030504020204" pitchFamily="34" charset="0"/>
-                </a:rPr>
-                <a:t>etc.</a:t>
+                <a:t> etc.</a:t>
               </a:r>
             </a:p>
             <a:p>
@@ -9058,7 +9051,44 @@
                   <a:ea typeface="Open Sans Light" panose="020B0306030504020204" pitchFamily="34" charset="0"/>
                   <a:cs typeface="Open Sans Light" panose="020B0306030504020204" pitchFamily="34" charset="0"/>
                 </a:rPr>
-                <a:t>Documentation for KS-API</a:t>
+                <a:t>Documentation for </a:t>
+              </a:r>
+              <a:r>
+                <a:rPr lang="en-US" sz="1200" dirty="0" smtClean="0">
+                  <a:ea typeface="Open Sans Light" panose="020B0306030504020204" pitchFamily="34" charset="0"/>
+                  <a:cs typeface="Open Sans Light" panose="020B0306030504020204" pitchFamily="34" charset="0"/>
+                </a:rPr>
+                <a:t>KS-API</a:t>
+              </a:r>
+            </a:p>
+            <a:p>
+              <a:pPr marL="171450" indent="-171450">
+                <a:lnSpc>
+                  <a:spcPct val="150000"/>
+                </a:lnSpc>
+                <a:buFont typeface="Arial" panose="020B0604020202020204" pitchFamily="34" charset="0"/>
+                <a:buChar char="•"/>
+              </a:pPr>
+              <a:r>
+                <a:rPr lang="en-US" sz="1200" dirty="0">
+                  <a:ea typeface="Open Sans Light" panose="020B0306030504020204" pitchFamily="34" charset="0"/>
+                  <a:cs typeface="Open Sans Light" panose="020B0306030504020204" pitchFamily="34" charset="0"/>
+                </a:rPr>
+                <a:t>Integration of existing APIs in Industry Standard </a:t>
+              </a:r>
+              <a:r>
+                <a:rPr lang="en-US" sz="1200" dirty="0" err="1">
+                  <a:ea typeface="Open Sans Light" panose="020B0306030504020204" pitchFamily="34" charset="0"/>
+                  <a:cs typeface="Open Sans Light" panose="020B0306030504020204" pitchFamily="34" charset="0"/>
+                </a:rPr>
+                <a:t>JSon</a:t>
+              </a:r>
+              <a:r>
+                <a:rPr lang="en-US" sz="1200" dirty="0">
+                  <a:ea typeface="Open Sans Light" panose="020B0306030504020204" pitchFamily="34" charset="0"/>
+                  <a:cs typeface="Open Sans Light" panose="020B0306030504020204" pitchFamily="34" charset="0"/>
+                </a:rPr>
+                <a:t> format </a:t>
               </a:r>
               <a:endParaRPr lang="en-GB" sz="1200" dirty="0">
                 <a:ea typeface="Open Sans Light" panose="020B0306030504020204" pitchFamily="34" charset="0"/>
@@ -9067,242 +9097,6 @@
             </a:p>
           </p:txBody>
         </p:sp>
-        <p:grpSp>
-          <p:nvGrpSpPr>
-            <p:cNvPr id="45" name="Group 44"/>
-            <p:cNvGrpSpPr/>
-            <p:nvPr/>
-          </p:nvGrpSpPr>
-          <p:grpSpPr>
-            <a:xfrm>
-              <a:off x="2296174" y="5476726"/>
-              <a:ext cx="1374903" cy="184666"/>
-              <a:chOff x="2227550" y="5213535"/>
-              <a:chExt cx="1374903" cy="184666"/>
-            </a:xfrm>
-          </p:grpSpPr>
-          <p:sp>
-            <p:nvSpPr>
-              <p:cNvPr id="46" name="Star: 5 Points 45"/>
-              <p:cNvSpPr/>
-              <p:nvPr/>
-            </p:nvSpPr>
-            <p:spPr>
-              <a:xfrm>
-                <a:off x="2227550" y="5213535"/>
-                <a:ext cx="184666" cy="184666"/>
-              </a:xfrm>
-              <a:prstGeom prst="star5">
-                <a:avLst/>
-              </a:prstGeom>
-              <a:ln>
-                <a:noFill/>
-              </a:ln>
-            </p:spPr>
-            <p:style>
-              <a:lnRef idx="2">
-                <a:schemeClr val="accent1">
-                  <a:shade val="50000"/>
-                </a:schemeClr>
-              </a:lnRef>
-              <a:fillRef idx="1">
-                <a:schemeClr val="accent1"/>
-              </a:fillRef>
-              <a:effectRef idx="0">
-                <a:schemeClr val="accent1"/>
-              </a:effectRef>
-              <a:fontRef idx="minor">
-                <a:schemeClr val="lt1"/>
-              </a:fontRef>
-            </p:style>
-            <p:txBody>
-              <a:bodyPr rtlCol="0" anchor="ctr"/>
-              <a:lstStyle/>
-              <a:p>
-                <a:pPr algn="ctr"/>
-                <a:endParaRPr lang="en-GB"/>
-              </a:p>
-            </p:txBody>
-          </p:sp>
-          <p:sp>
-            <p:nvSpPr>
-              <p:cNvPr id="47" name="Star: 5 Points 46"/>
-              <p:cNvSpPr/>
-              <p:nvPr/>
-            </p:nvSpPr>
-            <p:spPr>
-              <a:xfrm>
-                <a:off x="2531429" y="5213535"/>
-                <a:ext cx="184666" cy="184666"/>
-              </a:xfrm>
-              <a:prstGeom prst="star5">
-                <a:avLst/>
-              </a:prstGeom>
-              <a:ln>
-                <a:noFill/>
-              </a:ln>
-            </p:spPr>
-            <p:style>
-              <a:lnRef idx="2">
-                <a:schemeClr val="accent1">
-                  <a:shade val="50000"/>
-                </a:schemeClr>
-              </a:lnRef>
-              <a:fillRef idx="1">
-                <a:schemeClr val="accent1"/>
-              </a:fillRef>
-              <a:effectRef idx="0">
-                <a:schemeClr val="accent1"/>
-              </a:effectRef>
-              <a:fontRef idx="minor">
-                <a:schemeClr val="lt1"/>
-              </a:fontRef>
-            </p:style>
-            <p:txBody>
-              <a:bodyPr rtlCol="0" anchor="ctr"/>
-              <a:lstStyle/>
-              <a:p>
-                <a:pPr algn="ctr"/>
-                <a:endParaRPr lang="en-GB"/>
-              </a:p>
-            </p:txBody>
-          </p:sp>
-          <p:sp>
-            <p:nvSpPr>
-              <p:cNvPr id="48" name="Star: 5 Points 47"/>
-              <p:cNvSpPr/>
-              <p:nvPr/>
-            </p:nvSpPr>
-            <p:spPr>
-              <a:xfrm>
-                <a:off x="2821242" y="5213535"/>
-                <a:ext cx="184666" cy="184666"/>
-              </a:xfrm>
-              <a:prstGeom prst="star5">
-                <a:avLst/>
-              </a:prstGeom>
-              <a:ln>
-                <a:noFill/>
-              </a:ln>
-            </p:spPr>
-            <p:style>
-              <a:lnRef idx="2">
-                <a:schemeClr val="accent1">
-                  <a:shade val="50000"/>
-                </a:schemeClr>
-              </a:lnRef>
-              <a:fillRef idx="1">
-                <a:schemeClr val="accent1"/>
-              </a:fillRef>
-              <a:effectRef idx="0">
-                <a:schemeClr val="accent1"/>
-              </a:effectRef>
-              <a:fontRef idx="minor">
-                <a:schemeClr val="lt1"/>
-              </a:fontRef>
-            </p:style>
-            <p:txBody>
-              <a:bodyPr rtlCol="0" anchor="ctr"/>
-              <a:lstStyle/>
-              <a:p>
-                <a:pPr algn="ctr"/>
-                <a:endParaRPr lang="en-GB"/>
-              </a:p>
-            </p:txBody>
-          </p:sp>
-          <p:sp>
-            <p:nvSpPr>
-              <p:cNvPr id="49" name="Star: 5 Points 48"/>
-              <p:cNvSpPr/>
-              <p:nvPr/>
-            </p:nvSpPr>
-            <p:spPr>
-              <a:xfrm>
-                <a:off x="3113908" y="5213535"/>
-                <a:ext cx="184666" cy="184666"/>
-              </a:xfrm>
-              <a:prstGeom prst="star5">
-                <a:avLst/>
-              </a:prstGeom>
-              <a:ln>
-                <a:noFill/>
-              </a:ln>
-            </p:spPr>
-            <p:style>
-              <a:lnRef idx="2">
-                <a:schemeClr val="accent1">
-                  <a:shade val="50000"/>
-                </a:schemeClr>
-              </a:lnRef>
-              <a:fillRef idx="1">
-                <a:schemeClr val="accent1"/>
-              </a:fillRef>
-              <a:effectRef idx="0">
-                <a:schemeClr val="accent1"/>
-              </a:effectRef>
-              <a:fontRef idx="minor">
-                <a:schemeClr val="lt1"/>
-              </a:fontRef>
-            </p:style>
-            <p:txBody>
-              <a:bodyPr rtlCol="0" anchor="ctr"/>
-              <a:lstStyle/>
-              <a:p>
-                <a:pPr algn="ctr"/>
-                <a:endParaRPr lang="en-GB"/>
-              </a:p>
-            </p:txBody>
-          </p:sp>
-          <p:sp>
-            <p:nvSpPr>
-              <p:cNvPr id="50" name="Star: 5 Points 49"/>
-              <p:cNvSpPr/>
-              <p:nvPr/>
-            </p:nvSpPr>
-            <p:spPr>
-              <a:xfrm>
-                <a:off x="3417787" y="5213535"/>
-                <a:ext cx="184666" cy="184666"/>
-              </a:xfrm>
-              <a:prstGeom prst="star5">
-                <a:avLst/>
-              </a:prstGeom>
-              <a:solidFill>
-                <a:schemeClr val="tx1">
-                  <a:lumMod val="20000"/>
-                  <a:lumOff val="80000"/>
-                </a:schemeClr>
-              </a:solidFill>
-              <a:ln>
-                <a:noFill/>
-              </a:ln>
-            </p:spPr>
-            <p:style>
-              <a:lnRef idx="2">
-                <a:schemeClr val="accent1">
-                  <a:shade val="50000"/>
-                </a:schemeClr>
-              </a:lnRef>
-              <a:fillRef idx="1">
-                <a:schemeClr val="accent1"/>
-              </a:fillRef>
-              <a:effectRef idx="0">
-                <a:schemeClr val="accent1"/>
-              </a:effectRef>
-              <a:fontRef idx="minor">
-                <a:schemeClr val="lt1"/>
-              </a:fontRef>
-            </p:style>
-            <p:txBody>
-              <a:bodyPr rtlCol="0" anchor="ctr"/>
-              <a:lstStyle/>
-              <a:p>
-                <a:pPr algn="ctr"/>
-                <a:endParaRPr lang="en-GB"/>
-              </a:p>
-            </p:txBody>
-          </p:sp>
-        </p:grpSp>
         <p:sp>
           <p:nvSpPr>
             <p:cNvPr id="64" name="TextBox 25"/>
@@ -9342,12 +9136,12 @@
                 <a:t>API </a:t>
               </a:r>
               <a:r>
-                <a:rPr lang="en-GB" sz="1600" b="1" dirty="0" err="1" smtClean="0">
+                <a:rPr lang="en-GB" sz="1600" b="1" dirty="0" smtClean="0">
                   <a:latin typeface="+mj-lt"/>
                   <a:ea typeface="Open Sans" panose="020B0606030504020204" pitchFamily="34" charset="0"/>
                   <a:cs typeface="Open Sans" panose="020B0606030504020204" pitchFamily="34" charset="0"/>
                 </a:rPr>
-                <a:t>Devlopment</a:t>
+                <a:t>Development</a:t>
               </a:r>
               <a:endParaRPr lang="en-GB" sz="1600" b="1" dirty="0">
                 <a:latin typeface="+mj-lt"/>
@@ -9740,8 +9534,8 @@
           </p:nvSpPr>
           <p:spPr>
             <a:xfrm>
-              <a:off x="4983226" y="3703798"/>
-              <a:ext cx="2225543" cy="1754326"/>
+              <a:off x="4983226" y="3922741"/>
+              <a:ext cx="2225543" cy="1200329"/>
             </a:xfrm>
             <a:prstGeom prst="rect">
               <a:avLst/>
@@ -9766,7 +9560,7 @@
                   <a:ea typeface="Open Sans Light" panose="020B0306030504020204" pitchFamily="34" charset="0"/>
                   <a:cs typeface="Open Sans Light" panose="020B0306030504020204" pitchFamily="34" charset="0"/>
                 </a:rPr>
-                <a:t>Provide APIs for refer &amp; Earn projects</a:t>
+                <a:t>Admin Site</a:t>
               </a:r>
             </a:p>
             <a:p>
@@ -9782,8 +9576,28 @@
                   <a:ea typeface="Open Sans Light" panose="020B0306030504020204" pitchFamily="34" charset="0"/>
                   <a:cs typeface="Open Sans Light" panose="020B0306030504020204" pitchFamily="34" charset="0"/>
                 </a:rPr>
-                <a:t>Connects with LMS system to check and update referral data.</a:t>
+                <a:t>KS-API</a:t>
               </a:r>
+            </a:p>
+            <a:p>
+              <a:pPr marL="171450" indent="-171450">
+                <a:lnSpc>
+                  <a:spcPct val="150000"/>
+                </a:lnSpc>
+                <a:buFont typeface="Arial" panose="020B0604020202020204" pitchFamily="34" charset="0"/>
+                <a:buChar char="•"/>
+              </a:pPr>
+              <a:r>
+                <a:rPr lang="en-IN" sz="1200" dirty="0" smtClean="0">
+                  <a:ea typeface="Open Sans Light" panose="020B0306030504020204" pitchFamily="34" charset="0"/>
+                  <a:cs typeface="Open Sans Light" panose="020B0306030504020204" pitchFamily="34" charset="0"/>
+                </a:rPr>
+                <a:t>Trading site</a:t>
+              </a:r>
+              <a:endParaRPr lang="en-IN" sz="1200" dirty="0" smtClean="0">
+                <a:ea typeface="Open Sans Light" panose="020B0306030504020204" pitchFamily="34" charset="0"/>
+                <a:cs typeface="Open Sans Light" panose="020B0306030504020204" pitchFamily="34" charset="0"/>
+              </a:endParaRPr>
             </a:p>
             <a:p>
               <a:pPr marL="171450" indent="-171450">
@@ -9800,193 +9614,6 @@
             </a:p>
           </p:txBody>
         </p:sp>
-        <p:grpSp>
-          <p:nvGrpSpPr>
-            <p:cNvPr id="51" name="Group 50"/>
-            <p:cNvGrpSpPr/>
-            <p:nvPr/>
-          </p:nvGrpSpPr>
-          <p:grpSpPr>
-            <a:xfrm>
-              <a:off x="5408545" y="5476726"/>
-              <a:ext cx="1111150" cy="184666"/>
-              <a:chOff x="2227550" y="5213535"/>
-              <a:chExt cx="1111150" cy="184666"/>
-            </a:xfrm>
-          </p:grpSpPr>
-          <p:sp>
-            <p:nvSpPr>
-              <p:cNvPr id="52" name="Star: 5 Points 51"/>
-              <p:cNvSpPr/>
-              <p:nvPr/>
-            </p:nvSpPr>
-            <p:spPr>
-              <a:xfrm>
-                <a:off x="2227550" y="5213535"/>
-                <a:ext cx="184666" cy="184666"/>
-              </a:xfrm>
-              <a:prstGeom prst="star5">
-                <a:avLst/>
-              </a:prstGeom>
-              <a:ln>
-                <a:noFill/>
-              </a:ln>
-            </p:spPr>
-            <p:style>
-              <a:lnRef idx="2">
-                <a:schemeClr val="accent1">
-                  <a:shade val="50000"/>
-                </a:schemeClr>
-              </a:lnRef>
-              <a:fillRef idx="1">
-                <a:schemeClr val="accent1"/>
-              </a:fillRef>
-              <a:effectRef idx="0">
-                <a:schemeClr val="accent1"/>
-              </a:effectRef>
-              <a:fontRef idx="minor">
-                <a:schemeClr val="lt1"/>
-              </a:fontRef>
-            </p:style>
-            <p:txBody>
-              <a:bodyPr rtlCol="0" anchor="ctr"/>
-              <a:lstStyle/>
-              <a:p>
-                <a:pPr algn="ctr"/>
-                <a:endParaRPr lang="en-GB"/>
-              </a:p>
-            </p:txBody>
-          </p:sp>
-          <p:sp>
-            <p:nvSpPr>
-              <p:cNvPr id="53" name="Star: 5 Points 52"/>
-              <p:cNvSpPr/>
-              <p:nvPr/>
-            </p:nvSpPr>
-            <p:spPr>
-              <a:xfrm>
-                <a:off x="2531429" y="5213535"/>
-                <a:ext cx="184666" cy="184666"/>
-              </a:xfrm>
-              <a:prstGeom prst="star5">
-                <a:avLst/>
-              </a:prstGeom>
-              <a:ln>
-                <a:noFill/>
-              </a:ln>
-            </p:spPr>
-            <p:style>
-              <a:lnRef idx="2">
-                <a:schemeClr val="accent1">
-                  <a:shade val="50000"/>
-                </a:schemeClr>
-              </a:lnRef>
-              <a:fillRef idx="1">
-                <a:schemeClr val="accent1"/>
-              </a:fillRef>
-              <a:effectRef idx="0">
-                <a:schemeClr val="accent1"/>
-              </a:effectRef>
-              <a:fontRef idx="minor">
-                <a:schemeClr val="lt1"/>
-              </a:fontRef>
-            </p:style>
-            <p:txBody>
-              <a:bodyPr rtlCol="0" anchor="ctr"/>
-              <a:lstStyle/>
-              <a:p>
-                <a:pPr algn="ctr"/>
-                <a:endParaRPr lang="en-GB"/>
-              </a:p>
-            </p:txBody>
-          </p:sp>
-          <p:sp>
-            <p:nvSpPr>
-              <p:cNvPr id="54" name="Star: 5 Points 53"/>
-              <p:cNvSpPr/>
-              <p:nvPr/>
-            </p:nvSpPr>
-            <p:spPr>
-              <a:xfrm>
-                <a:off x="2821242" y="5213535"/>
-                <a:ext cx="184666" cy="184666"/>
-              </a:xfrm>
-              <a:prstGeom prst="star5">
-                <a:avLst/>
-              </a:prstGeom>
-              <a:ln>
-                <a:noFill/>
-              </a:ln>
-            </p:spPr>
-            <p:style>
-              <a:lnRef idx="2">
-                <a:schemeClr val="accent1">
-                  <a:shade val="50000"/>
-                </a:schemeClr>
-              </a:lnRef>
-              <a:fillRef idx="1">
-                <a:schemeClr val="accent1"/>
-              </a:fillRef>
-              <a:effectRef idx="0">
-                <a:schemeClr val="accent1"/>
-              </a:effectRef>
-              <a:fontRef idx="minor">
-                <a:schemeClr val="lt1"/>
-              </a:fontRef>
-            </p:style>
-            <p:txBody>
-              <a:bodyPr rtlCol="0" anchor="ctr"/>
-              <a:lstStyle/>
-              <a:p>
-                <a:pPr algn="ctr"/>
-                <a:endParaRPr lang="en-GB"/>
-              </a:p>
-            </p:txBody>
-          </p:sp>
-          <p:sp>
-            <p:nvSpPr>
-              <p:cNvPr id="55" name="Star: 5 Points 54"/>
-              <p:cNvSpPr/>
-              <p:nvPr/>
-            </p:nvSpPr>
-            <p:spPr>
-              <a:xfrm>
-                <a:off x="3154034" y="5213535"/>
-                <a:ext cx="184666" cy="184666"/>
-              </a:xfrm>
-              <a:prstGeom prst="star5">
-                <a:avLst/>
-              </a:prstGeom>
-              <a:ln>
-                <a:noFill/>
-              </a:ln>
-            </p:spPr>
-            <p:style>
-              <a:lnRef idx="2">
-                <a:schemeClr val="accent1">
-                  <a:shade val="50000"/>
-                </a:schemeClr>
-              </a:lnRef>
-              <a:fillRef idx="1">
-                <a:schemeClr val="accent1"/>
-              </a:fillRef>
-              <a:effectRef idx="0">
-                <a:schemeClr val="accent1"/>
-              </a:effectRef>
-              <a:fontRef idx="minor">
-                <a:schemeClr val="lt1"/>
-              </a:fontRef>
-            </p:style>
-            <p:txBody>
-              <a:bodyPr rtlCol="0" anchor="ctr"/>
-              <a:lstStyle/>
-              <a:p>
-                <a:pPr algn="ctr"/>
-                <a:endParaRPr lang="en-GB"/>
-              </a:p>
-            </p:txBody>
-          </p:sp>
-        </p:grpSp>
         <p:sp>
           <p:nvSpPr>
             <p:cNvPr id="65" name="TextBox 25"/>
@@ -9996,7 +9623,7 @@
           <p:spPr>
             <a:xfrm>
               <a:off x="5385709" y="3146597"/>
-              <a:ext cx="1668234" cy="461665"/>
+              <a:ext cx="1668234" cy="830997"/>
             </a:xfrm>
             <a:prstGeom prst="rect">
               <a:avLst/>
@@ -10023,7 +9650,7 @@
                   <a:ea typeface="Open Sans" panose="020B0606030504020204" pitchFamily="34" charset="0"/>
                   <a:cs typeface="Open Sans" panose="020B0606030504020204" pitchFamily="34" charset="0"/>
                 </a:rPr>
-                <a:t>Refer &amp; Earn</a:t>
+                <a:t>Deployment &amp; Maintenance</a:t>
               </a:r>
               <a:endParaRPr lang="en-GB" sz="1600" b="1" dirty="0">
                 <a:latin typeface="+mj-lt"/>
@@ -10034,29 +9661,91 @@
           </p:txBody>
         </p:sp>
       </p:grpSp>
+      <p:sp>
+        <p:nvSpPr>
+          <p:cNvPr id="2" name="Title 1"/>
+          <p:cNvSpPr>
+            <a:spLocks noGrp="1"/>
+          </p:cNvSpPr>
+          <p:nvPr>
+            <p:ph type="ctrTitle"/>
+          </p:nvPr>
+        </p:nvSpPr>
+        <p:spPr/>
+        <p:txBody>
+          <a:bodyPr>
+            <a:noAutofit/>
+          </a:bodyPr>
+          <a:lstStyle/>
+          <a:p>
+            <a:r>
+              <a:rPr lang="en-GB" dirty="0" smtClean="0"/>
+              <a:t>Key Responsibilities</a:t>
+            </a:r>
+            <a:endParaRPr lang="en-GB" dirty="0"/>
+          </a:p>
+        </p:txBody>
+      </p:sp>
+      <p:sp>
+        <p:nvSpPr>
+          <p:cNvPr id="3" name="Subtitle 2"/>
+          <p:cNvSpPr>
+            <a:spLocks noGrp="1"/>
+          </p:cNvSpPr>
+          <p:nvPr>
+            <p:ph type="subTitle" idx="1"/>
+          </p:nvPr>
+        </p:nvSpPr>
+        <p:spPr/>
+        <p:txBody>
+          <a:bodyPr>
+            <a:noAutofit/>
+          </a:bodyPr>
+          <a:lstStyle/>
+          <a:p>
+            <a:pPr>
+              <a:lnSpc>
+                <a:spcPct val="150000"/>
+              </a:lnSpc>
+              <a:spcBef>
+                <a:spcPts val="0"/>
+              </a:spcBef>
+            </a:pPr>
+            <a:r>
+              <a:rPr lang="en-IN" dirty="0" smtClean="0"/>
+              <a:t>Key responsibility to develop and maintain </a:t>
+            </a:r>
+            <a:r>
+              <a:rPr lang="en-IN" dirty="0" smtClean="0"/>
+              <a:t>APIs and Deployment.</a:t>
+            </a:r>
+            <a:endParaRPr lang="en-IN" dirty="0" smtClean="0"/>
+          </a:p>
+        </p:txBody>
+      </p:sp>
       <p:grpSp>
         <p:nvGrpSpPr>
-          <p:cNvPr id="5" name="Group 4"/>
+          <p:cNvPr id="63" name="Group 62"/>
           <p:cNvGrpSpPr/>
           <p:nvPr/>
         </p:nvGrpSpPr>
         <p:grpSpPr>
           <a:xfrm>
-            <a:off x="6239770" y="2290821"/>
-            <a:ext cx="2342147" cy="3891677"/>
-            <a:chOff x="8043649" y="2125803"/>
-            <a:chExt cx="2342147" cy="3891677"/>
+            <a:off x="6095709" y="2290821"/>
+            <a:ext cx="2462465" cy="3891677"/>
+            <a:chOff x="5126232" y="2125803"/>
+            <a:chExt cx="2400452" cy="3891677"/>
           </a:xfrm>
         </p:grpSpPr>
         <p:sp>
           <p:nvSpPr>
-            <p:cNvPr id="32" name="Rectangle 31"/>
+            <p:cNvPr id="67" name="Rectangle 66"/>
             <p:cNvSpPr/>
             <p:nvPr/>
           </p:nvSpPr>
           <p:spPr>
             <a:xfrm>
-              <a:off x="8043649" y="2520301"/>
+              <a:off x="5184537" y="2520301"/>
               <a:ext cx="2342147" cy="3497179"/>
             </a:xfrm>
             <a:prstGeom prst="rect">
@@ -10101,13 +9790,13 @@
         </p:sp>
         <p:sp>
           <p:nvSpPr>
-            <p:cNvPr id="33" name="Oval 32"/>
+            <p:cNvPr id="68" name="Oval 67"/>
             <p:cNvSpPr/>
             <p:nvPr/>
           </p:nvSpPr>
           <p:spPr>
             <a:xfrm>
-              <a:off x="8820224" y="2125803"/>
+              <a:off x="5961112" y="2125803"/>
               <a:ext cx="788996" cy="788996"/>
             </a:xfrm>
             <a:prstGeom prst="ellipse">
@@ -10147,7 +9836,7 @@
         </p:sp>
         <p:sp>
           <p:nvSpPr>
-            <p:cNvPr id="41" name="Freeform 8"/>
+            <p:cNvPr id="69" name="Freeform 8"/>
             <p:cNvSpPr>
               <a:spLocks noEditPoints="1"/>
             </p:cNvSpPr>
@@ -10155,7 +9844,7 @@
           </p:nvSpPr>
           <p:spPr bwMode="auto">
             <a:xfrm>
-              <a:off x="9125361" y="2290821"/>
+              <a:off x="6234166" y="2305775"/>
               <a:ext cx="242887" cy="365125"/>
             </a:xfrm>
             <a:custGeom>
@@ -10644,1015 +10333,13 @@
         </p:sp>
         <p:sp>
           <p:nvSpPr>
-            <p:cNvPr id="44" name="TextBox 43"/>
-            <p:cNvSpPr txBox="1"/>
-            <p:nvPr/>
-          </p:nvSpPr>
-          <p:spPr>
-            <a:xfrm>
-              <a:off x="8132605" y="3963323"/>
-              <a:ext cx="2225543" cy="923330"/>
-            </a:xfrm>
-            <a:prstGeom prst="rect">
-              <a:avLst/>
-            </a:prstGeom>
-            <a:noFill/>
-          </p:spPr>
-          <p:txBody>
-            <a:bodyPr wrap="square" rtlCol="0">
-              <a:spAutoFit/>
-            </a:bodyPr>
-            <a:lstStyle/>
-            <a:p>
-              <a:pPr marL="171450" indent="-171450">
-                <a:lnSpc>
-                  <a:spcPct val="150000"/>
-                </a:lnSpc>
-                <a:buFont typeface="Arial" panose="020B0604020202020204" pitchFamily="34" charset="0"/>
-                <a:buChar char="•"/>
-              </a:pPr>
-              <a:r>
-                <a:rPr lang="en-IN" sz="1200" dirty="0" smtClean="0">
-                  <a:ea typeface="Open Sans Light" panose="020B0306030504020204" pitchFamily="34" charset="0"/>
-                  <a:cs typeface="Open Sans Light" panose="020B0306030504020204" pitchFamily="34" charset="0"/>
-                </a:rPr>
-                <a:t>Integration of OTP facility along with traditional Question/Answer facility .</a:t>
-              </a:r>
-            </a:p>
-          </p:txBody>
-        </p:sp>
-        <p:grpSp>
-          <p:nvGrpSpPr>
-            <p:cNvPr id="57" name="Group 56"/>
-            <p:cNvGrpSpPr/>
-            <p:nvPr/>
-          </p:nvGrpSpPr>
-          <p:grpSpPr>
-            <a:xfrm>
-              <a:off x="8559352" y="5506970"/>
-              <a:ext cx="1374903" cy="184666"/>
-              <a:chOff x="2227550" y="5213535"/>
-              <a:chExt cx="1374903" cy="184666"/>
-            </a:xfrm>
-          </p:grpSpPr>
-          <p:sp>
-            <p:nvSpPr>
-              <p:cNvPr id="58" name="Star: 5 Points 57"/>
-              <p:cNvSpPr/>
-              <p:nvPr/>
-            </p:nvSpPr>
-            <p:spPr>
-              <a:xfrm>
-                <a:off x="2227550" y="5213535"/>
-                <a:ext cx="184666" cy="184666"/>
-              </a:xfrm>
-              <a:prstGeom prst="star5">
-                <a:avLst/>
-              </a:prstGeom>
-              <a:ln>
-                <a:noFill/>
-              </a:ln>
-            </p:spPr>
-            <p:style>
-              <a:lnRef idx="2">
-                <a:schemeClr val="accent1">
-                  <a:shade val="50000"/>
-                </a:schemeClr>
-              </a:lnRef>
-              <a:fillRef idx="1">
-                <a:schemeClr val="accent1"/>
-              </a:fillRef>
-              <a:effectRef idx="0">
-                <a:schemeClr val="accent1"/>
-              </a:effectRef>
-              <a:fontRef idx="minor">
-                <a:schemeClr val="lt1"/>
-              </a:fontRef>
-            </p:style>
-            <p:txBody>
-              <a:bodyPr rtlCol="0" anchor="ctr"/>
-              <a:lstStyle/>
-              <a:p>
-                <a:pPr algn="ctr"/>
-                <a:endParaRPr lang="en-GB"/>
-              </a:p>
-            </p:txBody>
-          </p:sp>
-          <p:sp>
-            <p:nvSpPr>
-              <p:cNvPr id="59" name="Star: 5 Points 58"/>
-              <p:cNvSpPr/>
-              <p:nvPr/>
-            </p:nvSpPr>
-            <p:spPr>
-              <a:xfrm>
-                <a:off x="2531429" y="5213535"/>
-                <a:ext cx="184666" cy="184666"/>
-              </a:xfrm>
-              <a:prstGeom prst="star5">
-                <a:avLst/>
-              </a:prstGeom>
-              <a:ln>
-                <a:noFill/>
-              </a:ln>
-            </p:spPr>
-            <p:style>
-              <a:lnRef idx="2">
-                <a:schemeClr val="accent1">
-                  <a:shade val="50000"/>
-                </a:schemeClr>
-              </a:lnRef>
-              <a:fillRef idx="1">
-                <a:schemeClr val="accent1"/>
-              </a:fillRef>
-              <a:effectRef idx="0">
-                <a:schemeClr val="accent1"/>
-              </a:effectRef>
-              <a:fontRef idx="minor">
-                <a:schemeClr val="lt1"/>
-              </a:fontRef>
-            </p:style>
-            <p:txBody>
-              <a:bodyPr rtlCol="0" anchor="ctr"/>
-              <a:lstStyle/>
-              <a:p>
-                <a:pPr algn="ctr"/>
-                <a:endParaRPr lang="en-GB"/>
-              </a:p>
-            </p:txBody>
-          </p:sp>
-          <p:sp>
-            <p:nvSpPr>
-              <p:cNvPr id="60" name="Star: 5 Points 59"/>
-              <p:cNvSpPr/>
-              <p:nvPr/>
-            </p:nvSpPr>
-            <p:spPr>
-              <a:xfrm>
-                <a:off x="2821242" y="5213535"/>
-                <a:ext cx="184666" cy="184666"/>
-              </a:xfrm>
-              <a:prstGeom prst="star5">
-                <a:avLst/>
-              </a:prstGeom>
-              <a:ln>
-                <a:noFill/>
-              </a:ln>
-            </p:spPr>
-            <p:style>
-              <a:lnRef idx="2">
-                <a:schemeClr val="accent1">
-                  <a:shade val="50000"/>
-                </a:schemeClr>
-              </a:lnRef>
-              <a:fillRef idx="1">
-                <a:schemeClr val="accent1"/>
-              </a:fillRef>
-              <a:effectRef idx="0">
-                <a:schemeClr val="accent1"/>
-              </a:effectRef>
-              <a:fontRef idx="minor">
-                <a:schemeClr val="lt1"/>
-              </a:fontRef>
-            </p:style>
-            <p:txBody>
-              <a:bodyPr rtlCol="0" anchor="ctr"/>
-              <a:lstStyle/>
-              <a:p>
-                <a:pPr algn="ctr"/>
-                <a:endParaRPr lang="en-GB"/>
-              </a:p>
-            </p:txBody>
-          </p:sp>
-          <p:sp>
-            <p:nvSpPr>
-              <p:cNvPr id="61" name="Star: 5 Points 60"/>
-              <p:cNvSpPr/>
-              <p:nvPr/>
-            </p:nvSpPr>
-            <p:spPr>
-              <a:xfrm>
-                <a:off x="3113908" y="5213535"/>
-                <a:ext cx="184666" cy="184666"/>
-              </a:xfrm>
-              <a:prstGeom prst="star5">
-                <a:avLst/>
-              </a:prstGeom>
-              <a:solidFill>
-                <a:schemeClr val="tx1">
-                  <a:lumMod val="20000"/>
-                  <a:lumOff val="80000"/>
-                </a:schemeClr>
-              </a:solidFill>
-              <a:ln>
-                <a:noFill/>
-              </a:ln>
-            </p:spPr>
-            <p:style>
-              <a:lnRef idx="2">
-                <a:schemeClr val="accent1">
-                  <a:shade val="50000"/>
-                </a:schemeClr>
-              </a:lnRef>
-              <a:fillRef idx="1">
-                <a:schemeClr val="accent1"/>
-              </a:fillRef>
-              <a:effectRef idx="0">
-                <a:schemeClr val="accent1"/>
-              </a:effectRef>
-              <a:fontRef idx="minor">
-                <a:schemeClr val="lt1"/>
-              </a:fontRef>
-            </p:style>
-            <p:txBody>
-              <a:bodyPr rtlCol="0" anchor="ctr"/>
-              <a:lstStyle/>
-              <a:p>
-                <a:pPr algn="ctr"/>
-                <a:endParaRPr lang="en-GB" dirty="0"/>
-              </a:p>
-            </p:txBody>
-          </p:sp>
-          <p:sp>
-            <p:nvSpPr>
-              <p:cNvPr id="62" name="Star: 5 Points 61"/>
-              <p:cNvSpPr/>
-              <p:nvPr/>
-            </p:nvSpPr>
-            <p:spPr>
-              <a:xfrm>
-                <a:off x="3417787" y="5213535"/>
-                <a:ext cx="184666" cy="184666"/>
-              </a:xfrm>
-              <a:prstGeom prst="star5">
-                <a:avLst/>
-              </a:prstGeom>
-              <a:solidFill>
-                <a:schemeClr val="tx1">
-                  <a:lumMod val="20000"/>
-                  <a:lumOff val="80000"/>
-                </a:schemeClr>
-              </a:solidFill>
-              <a:ln>
-                <a:noFill/>
-              </a:ln>
-            </p:spPr>
-            <p:style>
-              <a:lnRef idx="2">
-                <a:schemeClr val="accent1">
-                  <a:shade val="50000"/>
-                </a:schemeClr>
-              </a:lnRef>
-              <a:fillRef idx="1">
-                <a:schemeClr val="accent1"/>
-              </a:fillRef>
-              <a:effectRef idx="0">
-                <a:schemeClr val="accent1"/>
-              </a:effectRef>
-              <a:fontRef idx="minor">
-                <a:schemeClr val="lt1"/>
-              </a:fontRef>
-            </p:style>
-            <p:txBody>
-              <a:bodyPr rtlCol="0" anchor="ctr"/>
-              <a:lstStyle/>
-              <a:p>
-                <a:pPr algn="ctr"/>
-                <a:endParaRPr lang="en-GB"/>
-              </a:p>
-            </p:txBody>
-          </p:sp>
-        </p:grpSp>
-        <p:sp>
-          <p:nvSpPr>
-            <p:cNvPr id="66" name="TextBox 25"/>
-            <p:cNvSpPr txBox="1"/>
-            <p:nvPr/>
-          </p:nvSpPr>
-          <p:spPr>
-            <a:xfrm>
-              <a:off x="8043726" y="3149514"/>
-              <a:ext cx="2340988" cy="830997"/>
-            </a:xfrm>
-            <a:prstGeom prst="rect">
-              <a:avLst/>
-            </a:prstGeom>
-            <a:noFill/>
-            <a:ln cap="flat">
-              <a:noFill/>
-            </a:ln>
-          </p:spPr>
-          <p:txBody>
-            <a:bodyPr vert="horz" wrap="square" lIns="91440" tIns="45720" rIns="91440" bIns="45720" anchor="t" anchorCtr="0" compatLnSpc="1">
-              <a:spAutoFit/>
-            </a:bodyPr>
-            <a:lstStyle/>
-            <a:p>
-              <a:pPr algn="ctr">
-                <a:lnSpc>
-                  <a:spcPct val="150000"/>
-                </a:lnSpc>
-              </a:pPr>
-              <a:r>
-                <a:rPr lang="en-GB" sz="1600" b="1" dirty="0" smtClean="0">
-                  <a:latin typeface="+mj-lt"/>
-                  <a:ea typeface="Open Sans" panose="020B0606030504020204" pitchFamily="34" charset="0"/>
-                  <a:cs typeface="Open Sans" panose="020B0606030504020204" pitchFamily="34" charset="0"/>
-                </a:rPr>
-                <a:t>Forgot Password Changes</a:t>
-              </a:r>
-              <a:endParaRPr lang="en-GB" sz="1600" b="1" dirty="0">
-                <a:latin typeface="+mj-lt"/>
-                <a:ea typeface="Open Sans" panose="020B0606030504020204" pitchFamily="34" charset="0"/>
-                <a:cs typeface="Open Sans" panose="020B0606030504020204" pitchFamily="34" charset="0"/>
-              </a:endParaRPr>
-            </a:p>
-          </p:txBody>
-        </p:sp>
-      </p:grpSp>
-      <p:sp>
-        <p:nvSpPr>
-          <p:cNvPr id="2" name="Title 1"/>
-          <p:cNvSpPr>
-            <a:spLocks noGrp="1"/>
-          </p:cNvSpPr>
-          <p:nvPr>
-            <p:ph type="ctrTitle"/>
-          </p:nvPr>
-        </p:nvSpPr>
-        <p:spPr/>
-        <p:txBody>
-          <a:bodyPr>
-            <a:noAutofit/>
-          </a:bodyPr>
-          <a:lstStyle/>
-          <a:p>
-            <a:r>
-              <a:rPr lang="en-GB" dirty="0" smtClean="0"/>
-              <a:t>Key Responsibilities</a:t>
-            </a:r>
-            <a:endParaRPr lang="en-GB" dirty="0"/>
-          </a:p>
-        </p:txBody>
-      </p:sp>
-      <p:sp>
-        <p:nvSpPr>
-          <p:cNvPr id="3" name="Subtitle 2"/>
-          <p:cNvSpPr>
-            <a:spLocks noGrp="1"/>
-          </p:cNvSpPr>
-          <p:nvPr>
-            <p:ph type="subTitle" idx="1"/>
-          </p:nvPr>
-        </p:nvSpPr>
-        <p:spPr/>
-        <p:txBody>
-          <a:bodyPr>
-            <a:noAutofit/>
-          </a:bodyPr>
-          <a:lstStyle/>
-          <a:p>
-            <a:pPr>
-              <a:lnSpc>
-                <a:spcPct val="150000"/>
-              </a:lnSpc>
-              <a:spcBef>
-                <a:spcPts val="0"/>
-              </a:spcBef>
-            </a:pPr>
-            <a:r>
-              <a:rPr lang="en-IN" dirty="0" smtClean="0"/>
-              <a:t>Key responsibility to </a:t>
-            </a:r>
-            <a:r>
-              <a:rPr lang="en-IN" dirty="0" smtClean="0"/>
-              <a:t>develop</a:t>
-            </a:r>
-            <a:r>
-              <a:rPr lang="en-IN" dirty="0" smtClean="0"/>
-              <a:t> and maintain APIs.</a:t>
-            </a:r>
-            <a:endParaRPr lang="en-IN" dirty="0" smtClean="0"/>
-          </a:p>
-        </p:txBody>
-      </p:sp>
-      <p:grpSp>
-        <p:nvGrpSpPr>
-          <p:cNvPr id="63" name="Group 62"/>
-          <p:cNvGrpSpPr/>
-          <p:nvPr/>
-        </p:nvGrpSpPr>
-        <p:grpSpPr>
-          <a:xfrm>
-            <a:off x="9069972" y="2290821"/>
-            <a:ext cx="2342147" cy="3891677"/>
-            <a:chOff x="8043649" y="2125803"/>
-            <a:chExt cx="2342147" cy="3891677"/>
-          </a:xfrm>
-        </p:grpSpPr>
-        <p:sp>
-          <p:nvSpPr>
-            <p:cNvPr id="67" name="Rectangle 66"/>
-            <p:cNvSpPr/>
-            <p:nvPr/>
-          </p:nvSpPr>
-          <p:spPr>
-            <a:xfrm>
-              <a:off x="8043649" y="2520301"/>
-              <a:ext cx="2342147" cy="3497179"/>
-            </a:xfrm>
-            <a:prstGeom prst="rect">
-              <a:avLst/>
-            </a:prstGeom>
-            <a:solidFill>
-              <a:schemeClr val="bg1"/>
-            </a:solidFill>
-            <a:ln>
-              <a:solidFill>
-                <a:schemeClr val="tx1">
-                  <a:lumMod val="20000"/>
-                  <a:lumOff val="80000"/>
-                </a:schemeClr>
-              </a:solidFill>
-            </a:ln>
-          </p:spPr>
-          <p:style>
-            <a:lnRef idx="2">
-              <a:schemeClr val="accent1">
-                <a:shade val="50000"/>
-              </a:schemeClr>
-            </a:lnRef>
-            <a:fillRef idx="1">
-              <a:schemeClr val="accent1"/>
-            </a:fillRef>
-            <a:effectRef idx="0">
-              <a:schemeClr val="accent1"/>
-            </a:effectRef>
-            <a:fontRef idx="minor">
-              <a:schemeClr val="lt1"/>
-            </a:fontRef>
-          </p:style>
-          <p:txBody>
-            <a:bodyPr rtlCol="0" anchor="ctr"/>
-            <a:lstStyle/>
-            <a:p>
-              <a:pPr algn="ctr"/>
-              <a:endParaRPr lang="en-GB" dirty="0"/>
-            </a:p>
-          </p:txBody>
-        </p:sp>
-        <p:sp>
-          <p:nvSpPr>
-            <p:cNvPr id="68" name="Oval 67"/>
-            <p:cNvSpPr/>
-            <p:nvPr/>
-          </p:nvSpPr>
-          <p:spPr>
-            <a:xfrm>
-              <a:off x="8820224" y="2125803"/>
-              <a:ext cx="788996" cy="788996"/>
-            </a:xfrm>
-            <a:prstGeom prst="ellipse">
-              <a:avLst/>
-            </a:prstGeom>
-            <a:solidFill>
-              <a:schemeClr val="accent6"/>
-            </a:solidFill>
-            <a:ln>
-              <a:noFill/>
-            </a:ln>
-          </p:spPr>
-          <p:style>
-            <a:lnRef idx="2">
-              <a:schemeClr val="accent1">
-                <a:shade val="50000"/>
-              </a:schemeClr>
-            </a:lnRef>
-            <a:fillRef idx="1">
-              <a:schemeClr val="accent1"/>
-            </a:fillRef>
-            <a:effectRef idx="0">
-              <a:schemeClr val="accent1"/>
-            </a:effectRef>
-            <a:fontRef idx="minor">
-              <a:schemeClr val="lt1"/>
-            </a:fontRef>
-          </p:style>
-          <p:txBody>
-            <a:bodyPr rtlCol="0" anchor="ctr"/>
-            <a:lstStyle/>
-            <a:p>
-              <a:pPr algn="ctr"/>
-              <a:endParaRPr lang="en-GB" dirty="0"/>
-            </a:p>
-          </p:txBody>
-        </p:sp>
-        <p:sp>
-          <p:nvSpPr>
-            <p:cNvPr id="69" name="Freeform 8"/>
-            <p:cNvSpPr>
-              <a:spLocks noEditPoints="1"/>
-            </p:cNvSpPr>
-            <p:nvPr/>
-          </p:nvSpPr>
-          <p:spPr bwMode="auto">
-            <a:xfrm>
-              <a:off x="9125361" y="2290821"/>
-              <a:ext cx="242887" cy="365125"/>
-            </a:xfrm>
-            <a:custGeom>
-              <a:avLst/>
-              <a:gdLst>
-                <a:gd name="T0" fmla="*/ 78 w 89"/>
-                <a:gd name="T1" fmla="*/ 0 h 132"/>
-                <a:gd name="T2" fmla="*/ 48 w 89"/>
-                <a:gd name="T3" fmla="*/ 0 h 132"/>
-                <a:gd name="T4" fmla="*/ 37 w 89"/>
-                <a:gd name="T5" fmla="*/ 11 h 132"/>
-                <a:gd name="T6" fmla="*/ 37 w 89"/>
-                <a:gd name="T7" fmla="*/ 27 h 132"/>
-                <a:gd name="T8" fmla="*/ 12 w 89"/>
-                <a:gd name="T9" fmla="*/ 27 h 132"/>
-                <a:gd name="T10" fmla="*/ 0 w 89"/>
-                <a:gd name="T11" fmla="*/ 39 h 132"/>
-                <a:gd name="T12" fmla="*/ 0 w 89"/>
-                <a:gd name="T13" fmla="*/ 120 h 132"/>
-                <a:gd name="T14" fmla="*/ 12 w 89"/>
-                <a:gd name="T15" fmla="*/ 132 h 132"/>
-                <a:gd name="T16" fmla="*/ 54 w 89"/>
-                <a:gd name="T17" fmla="*/ 132 h 132"/>
-                <a:gd name="T18" fmla="*/ 67 w 89"/>
-                <a:gd name="T19" fmla="*/ 120 h 132"/>
-                <a:gd name="T20" fmla="*/ 67 w 89"/>
-                <a:gd name="T21" fmla="*/ 45 h 132"/>
-                <a:gd name="T22" fmla="*/ 69 w 89"/>
-                <a:gd name="T23" fmla="*/ 43 h 132"/>
-                <a:gd name="T24" fmla="*/ 78 w 89"/>
-                <a:gd name="T25" fmla="*/ 43 h 132"/>
-                <a:gd name="T26" fmla="*/ 89 w 89"/>
-                <a:gd name="T27" fmla="*/ 32 h 132"/>
-                <a:gd name="T28" fmla="*/ 89 w 89"/>
-                <a:gd name="T29" fmla="*/ 11 h 132"/>
-                <a:gd name="T30" fmla="*/ 78 w 89"/>
-                <a:gd name="T31" fmla="*/ 0 h 132"/>
-                <a:gd name="T32" fmla="*/ 33 w 89"/>
-                <a:gd name="T33" fmla="*/ 125 h 132"/>
-                <a:gd name="T34" fmla="*/ 27 w 89"/>
-                <a:gd name="T35" fmla="*/ 119 h 132"/>
-                <a:gd name="T36" fmla="*/ 33 w 89"/>
-                <a:gd name="T37" fmla="*/ 112 h 132"/>
-                <a:gd name="T38" fmla="*/ 40 w 89"/>
-                <a:gd name="T39" fmla="*/ 119 h 132"/>
-                <a:gd name="T40" fmla="*/ 33 w 89"/>
-                <a:gd name="T41" fmla="*/ 125 h 132"/>
-                <a:gd name="T42" fmla="*/ 8 w 89"/>
-                <a:gd name="T43" fmla="*/ 107 h 132"/>
-                <a:gd name="T44" fmla="*/ 8 w 89"/>
-                <a:gd name="T45" fmla="*/ 37 h 132"/>
-                <a:gd name="T46" fmla="*/ 39 w 89"/>
-                <a:gd name="T47" fmla="*/ 37 h 132"/>
-                <a:gd name="T48" fmla="*/ 48 w 89"/>
-                <a:gd name="T49" fmla="*/ 43 h 132"/>
-                <a:gd name="T50" fmla="*/ 53 w 89"/>
-                <a:gd name="T51" fmla="*/ 43 h 132"/>
-                <a:gd name="T52" fmla="*/ 48 w 89"/>
-                <a:gd name="T53" fmla="*/ 52 h 132"/>
-                <a:gd name="T54" fmla="*/ 45 w 89"/>
-                <a:gd name="T55" fmla="*/ 55 h 132"/>
-                <a:gd name="T56" fmla="*/ 50 w 89"/>
-                <a:gd name="T57" fmla="*/ 55 h 132"/>
-                <a:gd name="T58" fmla="*/ 59 w 89"/>
-                <a:gd name="T59" fmla="*/ 52 h 132"/>
-                <a:gd name="T60" fmla="*/ 59 w 89"/>
-                <a:gd name="T61" fmla="*/ 107 h 132"/>
-                <a:gd name="T62" fmla="*/ 8 w 89"/>
-                <a:gd name="T63" fmla="*/ 107 h 132"/>
-                <a:gd name="T64" fmla="*/ 85 w 89"/>
-                <a:gd name="T65" fmla="*/ 32 h 132"/>
-                <a:gd name="T66" fmla="*/ 78 w 89"/>
-                <a:gd name="T67" fmla="*/ 39 h 132"/>
-                <a:gd name="T68" fmla="*/ 67 w 89"/>
-                <a:gd name="T69" fmla="*/ 39 h 132"/>
-                <a:gd name="T70" fmla="*/ 66 w 89"/>
-                <a:gd name="T71" fmla="*/ 40 h 132"/>
-                <a:gd name="T72" fmla="*/ 54 w 89"/>
-                <a:gd name="T73" fmla="*/ 50 h 132"/>
-                <a:gd name="T74" fmla="*/ 57 w 89"/>
-                <a:gd name="T75" fmla="*/ 41 h 132"/>
-                <a:gd name="T76" fmla="*/ 57 w 89"/>
-                <a:gd name="T77" fmla="*/ 39 h 132"/>
-                <a:gd name="T78" fmla="*/ 48 w 89"/>
-                <a:gd name="T79" fmla="*/ 39 h 132"/>
-                <a:gd name="T80" fmla="*/ 41 w 89"/>
-                <a:gd name="T81" fmla="*/ 32 h 132"/>
-                <a:gd name="T82" fmla="*/ 41 w 89"/>
-                <a:gd name="T83" fmla="*/ 11 h 132"/>
-                <a:gd name="T84" fmla="*/ 48 w 89"/>
-                <a:gd name="T85" fmla="*/ 4 h 132"/>
-                <a:gd name="T86" fmla="*/ 78 w 89"/>
-                <a:gd name="T87" fmla="*/ 4 h 132"/>
-                <a:gd name="T88" fmla="*/ 85 w 89"/>
-                <a:gd name="T89" fmla="*/ 11 h 132"/>
-                <a:gd name="T90" fmla="*/ 85 w 89"/>
-                <a:gd name="T91" fmla="*/ 32 h 132"/>
-              </a:gdLst>
-              <a:ahLst/>
-              <a:cxnLst>
-                <a:cxn ang="0">
-                  <a:pos x="T0" y="T1"/>
-                </a:cxn>
-                <a:cxn ang="0">
-                  <a:pos x="T2" y="T3"/>
-                </a:cxn>
-                <a:cxn ang="0">
-                  <a:pos x="T4" y="T5"/>
-                </a:cxn>
-                <a:cxn ang="0">
-                  <a:pos x="T6" y="T7"/>
-                </a:cxn>
-                <a:cxn ang="0">
-                  <a:pos x="T8" y="T9"/>
-                </a:cxn>
-                <a:cxn ang="0">
-                  <a:pos x="T10" y="T11"/>
-                </a:cxn>
-                <a:cxn ang="0">
-                  <a:pos x="T12" y="T13"/>
-                </a:cxn>
-                <a:cxn ang="0">
-                  <a:pos x="T14" y="T15"/>
-                </a:cxn>
-                <a:cxn ang="0">
-                  <a:pos x="T16" y="T17"/>
-                </a:cxn>
-                <a:cxn ang="0">
-                  <a:pos x="T18" y="T19"/>
-                </a:cxn>
-                <a:cxn ang="0">
-                  <a:pos x="T20" y="T21"/>
-                </a:cxn>
-                <a:cxn ang="0">
-                  <a:pos x="T22" y="T23"/>
-                </a:cxn>
-                <a:cxn ang="0">
-                  <a:pos x="T24" y="T25"/>
-                </a:cxn>
-                <a:cxn ang="0">
-                  <a:pos x="T26" y="T27"/>
-                </a:cxn>
-                <a:cxn ang="0">
-                  <a:pos x="T28" y="T29"/>
-                </a:cxn>
-                <a:cxn ang="0">
-                  <a:pos x="T30" y="T31"/>
-                </a:cxn>
-                <a:cxn ang="0">
-                  <a:pos x="T32" y="T33"/>
-                </a:cxn>
-                <a:cxn ang="0">
-                  <a:pos x="T34" y="T35"/>
-                </a:cxn>
-                <a:cxn ang="0">
-                  <a:pos x="T36" y="T37"/>
-                </a:cxn>
-                <a:cxn ang="0">
-                  <a:pos x="T38" y="T39"/>
-                </a:cxn>
-                <a:cxn ang="0">
-                  <a:pos x="T40" y="T41"/>
-                </a:cxn>
-                <a:cxn ang="0">
-                  <a:pos x="T42" y="T43"/>
-                </a:cxn>
-                <a:cxn ang="0">
-                  <a:pos x="T44" y="T45"/>
-                </a:cxn>
-                <a:cxn ang="0">
-                  <a:pos x="T46" y="T47"/>
-                </a:cxn>
-                <a:cxn ang="0">
-                  <a:pos x="T48" y="T49"/>
-                </a:cxn>
-                <a:cxn ang="0">
-                  <a:pos x="T50" y="T51"/>
-                </a:cxn>
-                <a:cxn ang="0">
-                  <a:pos x="T52" y="T53"/>
-                </a:cxn>
-                <a:cxn ang="0">
-                  <a:pos x="T54" y="T55"/>
-                </a:cxn>
-                <a:cxn ang="0">
-                  <a:pos x="T56" y="T57"/>
-                </a:cxn>
-                <a:cxn ang="0">
-                  <a:pos x="T58" y="T59"/>
-                </a:cxn>
-                <a:cxn ang="0">
-                  <a:pos x="T60" y="T61"/>
-                </a:cxn>
-                <a:cxn ang="0">
-                  <a:pos x="T62" y="T63"/>
-                </a:cxn>
-                <a:cxn ang="0">
-                  <a:pos x="T64" y="T65"/>
-                </a:cxn>
-                <a:cxn ang="0">
-                  <a:pos x="T66" y="T67"/>
-                </a:cxn>
-                <a:cxn ang="0">
-                  <a:pos x="T68" y="T69"/>
-                </a:cxn>
-                <a:cxn ang="0">
-                  <a:pos x="T70" y="T71"/>
-                </a:cxn>
-                <a:cxn ang="0">
-                  <a:pos x="T72" y="T73"/>
-                </a:cxn>
-                <a:cxn ang="0">
-                  <a:pos x="T74" y="T75"/>
-                </a:cxn>
-                <a:cxn ang="0">
-                  <a:pos x="T76" y="T77"/>
-                </a:cxn>
-                <a:cxn ang="0">
-                  <a:pos x="T78" y="T79"/>
-                </a:cxn>
-                <a:cxn ang="0">
-                  <a:pos x="T80" y="T81"/>
-                </a:cxn>
-                <a:cxn ang="0">
-                  <a:pos x="T82" y="T83"/>
-                </a:cxn>
-                <a:cxn ang="0">
-                  <a:pos x="T84" y="T85"/>
-                </a:cxn>
-                <a:cxn ang="0">
-                  <a:pos x="T86" y="T87"/>
-                </a:cxn>
-                <a:cxn ang="0">
-                  <a:pos x="T88" y="T89"/>
-                </a:cxn>
-                <a:cxn ang="0">
-                  <a:pos x="T90" y="T91"/>
-                </a:cxn>
-              </a:cxnLst>
-              <a:rect l="0" t="0" r="r" b="b"/>
-              <a:pathLst>
-                <a:path w="89" h="132">
-                  <a:moveTo>
-                    <a:pt x="78" y="0"/>
-                  </a:moveTo>
-                  <a:cubicBezTo>
-                    <a:pt x="48" y="0"/>
-                    <a:pt x="48" y="0"/>
-                    <a:pt x="48" y="0"/>
-                  </a:cubicBezTo>
-                  <a:cubicBezTo>
-                    <a:pt x="42" y="0"/>
-                    <a:pt x="37" y="5"/>
-                    <a:pt x="37" y="11"/>
-                  </a:cubicBezTo>
-                  <a:cubicBezTo>
-                    <a:pt x="37" y="27"/>
-                    <a:pt x="37" y="27"/>
-                    <a:pt x="37" y="27"/>
-                  </a:cubicBezTo>
-                  <a:cubicBezTo>
-                    <a:pt x="12" y="27"/>
-                    <a:pt x="12" y="27"/>
-                    <a:pt x="12" y="27"/>
-                  </a:cubicBezTo>
-                  <a:cubicBezTo>
-                    <a:pt x="5" y="27"/>
-                    <a:pt x="0" y="32"/>
-                    <a:pt x="0" y="39"/>
-                  </a:cubicBezTo>
-                  <a:cubicBezTo>
-                    <a:pt x="0" y="120"/>
-                    <a:pt x="0" y="120"/>
-                    <a:pt x="0" y="120"/>
-                  </a:cubicBezTo>
-                  <a:cubicBezTo>
-                    <a:pt x="0" y="127"/>
-                    <a:pt x="5" y="132"/>
-                    <a:pt x="12" y="132"/>
-                  </a:cubicBezTo>
-                  <a:cubicBezTo>
-                    <a:pt x="54" y="132"/>
-                    <a:pt x="54" y="132"/>
-                    <a:pt x="54" y="132"/>
-                  </a:cubicBezTo>
-                  <a:cubicBezTo>
-                    <a:pt x="61" y="132"/>
-                    <a:pt x="67" y="127"/>
-                    <a:pt x="67" y="120"/>
-                  </a:cubicBezTo>
-                  <a:cubicBezTo>
-                    <a:pt x="67" y="45"/>
-                    <a:pt x="67" y="45"/>
-                    <a:pt x="67" y="45"/>
-                  </a:cubicBezTo>
-                  <a:cubicBezTo>
-                    <a:pt x="68" y="44"/>
-                    <a:pt x="68" y="43"/>
-                    <a:pt x="69" y="43"/>
-                  </a:cubicBezTo>
-                  <a:cubicBezTo>
-                    <a:pt x="78" y="43"/>
-                    <a:pt x="78" y="43"/>
-                    <a:pt x="78" y="43"/>
-                  </a:cubicBezTo>
-                  <a:cubicBezTo>
-                    <a:pt x="84" y="43"/>
-                    <a:pt x="89" y="38"/>
-                    <a:pt x="89" y="32"/>
-                  </a:cubicBezTo>
-                  <a:cubicBezTo>
-                    <a:pt x="89" y="11"/>
-                    <a:pt x="89" y="11"/>
-                    <a:pt x="89" y="11"/>
-                  </a:cubicBezTo>
-                  <a:cubicBezTo>
-                    <a:pt x="89" y="5"/>
-                    <a:pt x="84" y="0"/>
-                    <a:pt x="78" y="0"/>
-                  </a:cubicBezTo>
-                  <a:close/>
-                  <a:moveTo>
-                    <a:pt x="33" y="125"/>
-                  </a:moveTo>
-                  <a:cubicBezTo>
-                    <a:pt x="30" y="125"/>
-                    <a:pt x="27" y="122"/>
-                    <a:pt x="27" y="119"/>
-                  </a:cubicBezTo>
-                  <a:cubicBezTo>
-                    <a:pt x="27" y="115"/>
-                    <a:pt x="30" y="112"/>
-                    <a:pt x="33" y="112"/>
-                  </a:cubicBezTo>
-                  <a:cubicBezTo>
-                    <a:pt x="37" y="112"/>
-                    <a:pt x="40" y="115"/>
-                    <a:pt x="40" y="119"/>
-                  </a:cubicBezTo>
-                  <a:cubicBezTo>
-                    <a:pt x="40" y="122"/>
-                    <a:pt x="37" y="125"/>
-                    <a:pt x="33" y="125"/>
-                  </a:cubicBezTo>
-                  <a:close/>
-                  <a:moveTo>
-                    <a:pt x="8" y="107"/>
-                  </a:moveTo>
-                  <a:cubicBezTo>
-                    <a:pt x="8" y="37"/>
-                    <a:pt x="8" y="37"/>
-                    <a:pt x="8" y="37"/>
-                  </a:cubicBezTo>
-                  <a:cubicBezTo>
-                    <a:pt x="39" y="37"/>
-                    <a:pt x="39" y="37"/>
-                    <a:pt x="39" y="37"/>
-                  </a:cubicBezTo>
-                  <a:cubicBezTo>
-                    <a:pt x="40" y="40"/>
-                    <a:pt x="44" y="43"/>
-                    <a:pt x="48" y="43"/>
-                  </a:cubicBezTo>
-                  <a:cubicBezTo>
-                    <a:pt x="53" y="43"/>
-                    <a:pt x="53" y="43"/>
-                    <a:pt x="53" y="43"/>
-                  </a:cubicBezTo>
-                  <a:cubicBezTo>
-                    <a:pt x="52" y="46"/>
-                    <a:pt x="49" y="51"/>
-                    <a:pt x="48" y="52"/>
-                  </a:cubicBezTo>
-                  <a:cubicBezTo>
-                    <a:pt x="45" y="55"/>
-                    <a:pt x="45" y="55"/>
-                    <a:pt x="45" y="55"/>
-                  </a:cubicBezTo>
-                  <a:cubicBezTo>
-                    <a:pt x="50" y="55"/>
-                    <a:pt x="50" y="55"/>
-                    <a:pt x="50" y="55"/>
-                  </a:cubicBezTo>
-                  <a:cubicBezTo>
-                    <a:pt x="53" y="55"/>
-                    <a:pt x="56" y="54"/>
-                    <a:pt x="59" y="52"/>
-                  </a:cubicBezTo>
-                  <a:cubicBezTo>
-                    <a:pt x="59" y="107"/>
-                    <a:pt x="59" y="107"/>
-                    <a:pt x="59" y="107"/>
-                  </a:cubicBezTo>
-                  <a:lnTo>
-                    <a:pt x="8" y="107"/>
-                  </a:lnTo>
-                  <a:close/>
-                  <a:moveTo>
-                    <a:pt x="85" y="32"/>
-                  </a:moveTo>
-                  <a:cubicBezTo>
-                    <a:pt x="85" y="36"/>
-                    <a:pt x="82" y="39"/>
-                    <a:pt x="78" y="39"/>
-                  </a:cubicBezTo>
-                  <a:cubicBezTo>
-                    <a:pt x="67" y="39"/>
-                    <a:pt x="67" y="39"/>
-                    <a:pt x="67" y="39"/>
-                  </a:cubicBezTo>
-                  <a:cubicBezTo>
-                    <a:pt x="66" y="40"/>
-                    <a:pt x="66" y="40"/>
-                    <a:pt x="66" y="40"/>
-                  </a:cubicBezTo>
-                  <a:cubicBezTo>
-                    <a:pt x="64" y="43"/>
-                    <a:pt x="59" y="48"/>
-                    <a:pt x="54" y="50"/>
-                  </a:cubicBezTo>
-                  <a:cubicBezTo>
-                    <a:pt x="56" y="47"/>
-                    <a:pt x="57" y="44"/>
-                    <a:pt x="57" y="41"/>
-                  </a:cubicBezTo>
-                  <a:cubicBezTo>
-                    <a:pt x="57" y="39"/>
-                    <a:pt x="57" y="39"/>
-                    <a:pt x="57" y="39"/>
-                  </a:cubicBezTo>
-                  <a:cubicBezTo>
-                    <a:pt x="48" y="39"/>
-                    <a:pt x="48" y="39"/>
-                    <a:pt x="48" y="39"/>
-                  </a:cubicBezTo>
-                  <a:cubicBezTo>
-                    <a:pt x="44" y="39"/>
-                    <a:pt x="41" y="36"/>
-                    <a:pt x="41" y="32"/>
-                  </a:cubicBezTo>
-                  <a:cubicBezTo>
-                    <a:pt x="41" y="11"/>
-                    <a:pt x="41" y="11"/>
-                    <a:pt x="41" y="11"/>
-                  </a:cubicBezTo>
-                  <a:cubicBezTo>
-                    <a:pt x="41" y="7"/>
-                    <a:pt x="44" y="4"/>
-                    <a:pt x="48" y="4"/>
-                  </a:cubicBezTo>
-                  <a:cubicBezTo>
-                    <a:pt x="78" y="4"/>
-                    <a:pt x="78" y="4"/>
-                    <a:pt x="78" y="4"/>
-                  </a:cubicBezTo>
-                  <a:cubicBezTo>
-                    <a:pt x="82" y="4"/>
-                    <a:pt x="85" y="7"/>
-                    <a:pt x="85" y="11"/>
-                  </a:cubicBezTo>
-                  <a:lnTo>
-                    <a:pt x="85" y="32"/>
-                  </a:lnTo>
-                  <a:close/>
-                </a:path>
-              </a:pathLst>
-            </a:custGeom>
-            <a:solidFill>
-              <a:schemeClr val="bg2"/>
-            </a:solidFill>
-            <a:ln>
-              <a:noFill/>
-            </a:ln>
-          </p:spPr>
-          <p:txBody>
-            <a:bodyPr vert="horz" wrap="square" lIns="91440" tIns="45720" rIns="91440" bIns="45720" numCol="1" anchor="t" anchorCtr="0" compatLnSpc="1">
-              <a:prstTxWarp prst="textNoShape">
-                <a:avLst/>
-              </a:prstTxWarp>
-            </a:bodyPr>
-            <a:lstStyle/>
-            <a:p>
-              <a:endParaRPr lang="en-GB" dirty="0"/>
-            </a:p>
-          </p:txBody>
-        </p:sp>
-        <p:sp>
-          <p:nvSpPr>
             <p:cNvPr id="70" name="TextBox 69"/>
             <p:cNvSpPr txBox="1"/>
             <p:nvPr/>
           </p:nvSpPr>
           <p:spPr>
             <a:xfrm>
-              <a:off x="8132801" y="3796123"/>
+              <a:off x="5273689" y="3796123"/>
               <a:ext cx="2225543" cy="2031325"/>
             </a:xfrm>
             <a:prstGeom prst="rect">
@@ -11696,157 +10383,9 @@
                 </a:rPr>
                 <a:t>This helps support team to resolve Shared Memory related issues quickly.</a:t>
               </a:r>
-              <a:endParaRPr lang="en-IN" sz="1200" dirty="0" smtClean="0">
-                <a:ea typeface="Open Sans Light" panose="020B0306030504020204" pitchFamily="34" charset="0"/>
-                <a:cs typeface="Open Sans Light" panose="020B0306030504020204" pitchFamily="34" charset="0"/>
-              </a:endParaRPr>
             </a:p>
           </p:txBody>
         </p:sp>
-        <p:grpSp>
-          <p:nvGrpSpPr>
-            <p:cNvPr id="71" name="Group 70"/>
-            <p:cNvGrpSpPr/>
-            <p:nvPr/>
-          </p:nvGrpSpPr>
-          <p:grpSpPr>
-            <a:xfrm>
-              <a:off x="8531669" y="5783968"/>
-              <a:ext cx="791237" cy="184666"/>
-              <a:chOff x="2199867" y="5490533"/>
-              <a:chExt cx="791237" cy="184666"/>
-            </a:xfrm>
-          </p:grpSpPr>
-          <p:sp>
-            <p:nvSpPr>
-              <p:cNvPr id="73" name="Star: 5 Points 57"/>
-              <p:cNvSpPr/>
-              <p:nvPr/>
-            </p:nvSpPr>
-            <p:spPr>
-              <a:xfrm>
-                <a:off x="2199867" y="5490533"/>
-                <a:ext cx="184666" cy="184666"/>
-              </a:xfrm>
-              <a:prstGeom prst="star5">
-                <a:avLst/>
-              </a:prstGeom>
-              <a:ln>
-                <a:noFill/>
-              </a:ln>
-            </p:spPr>
-            <p:style>
-              <a:lnRef idx="2">
-                <a:schemeClr val="accent1">
-                  <a:shade val="50000"/>
-                </a:schemeClr>
-              </a:lnRef>
-              <a:fillRef idx="1">
-                <a:schemeClr val="accent1"/>
-              </a:fillRef>
-              <a:effectRef idx="0">
-                <a:schemeClr val="accent1"/>
-              </a:effectRef>
-              <a:fontRef idx="minor">
-                <a:schemeClr val="lt1"/>
-              </a:fontRef>
-            </p:style>
-            <p:txBody>
-              <a:bodyPr rtlCol="0" anchor="ctr"/>
-              <a:lstStyle/>
-              <a:p>
-                <a:pPr algn="ctr"/>
-                <a:endParaRPr lang="en-GB"/>
-              </a:p>
-            </p:txBody>
-          </p:sp>
-          <p:sp>
-            <p:nvSpPr>
-              <p:cNvPr id="74" name="Star: 5 Points 58"/>
-              <p:cNvSpPr/>
-              <p:nvPr/>
-            </p:nvSpPr>
-            <p:spPr>
-              <a:xfrm>
-                <a:off x="2503746" y="5490533"/>
-                <a:ext cx="184666" cy="184666"/>
-              </a:xfrm>
-              <a:prstGeom prst="star5">
-                <a:avLst/>
-              </a:prstGeom>
-              <a:ln>
-                <a:noFill/>
-              </a:ln>
-            </p:spPr>
-            <p:style>
-              <a:lnRef idx="2">
-                <a:schemeClr val="accent1">
-                  <a:shade val="50000"/>
-                </a:schemeClr>
-              </a:lnRef>
-              <a:fillRef idx="1">
-                <a:schemeClr val="accent1"/>
-              </a:fillRef>
-              <a:effectRef idx="0">
-                <a:schemeClr val="accent1"/>
-              </a:effectRef>
-              <a:fontRef idx="minor">
-                <a:schemeClr val="lt1"/>
-              </a:fontRef>
-            </p:style>
-            <p:txBody>
-              <a:bodyPr rtlCol="0" anchor="ctr"/>
-              <a:lstStyle/>
-              <a:p>
-                <a:pPr algn="ctr"/>
-                <a:endParaRPr lang="en-GB"/>
-              </a:p>
-            </p:txBody>
-          </p:sp>
-          <p:sp>
-            <p:nvSpPr>
-              <p:cNvPr id="75" name="Star: 5 Points 59"/>
-              <p:cNvSpPr/>
-              <p:nvPr/>
-            </p:nvSpPr>
-            <p:spPr>
-              <a:xfrm>
-                <a:off x="2806438" y="5490533"/>
-                <a:ext cx="184666" cy="184666"/>
-              </a:xfrm>
-              <a:prstGeom prst="star5">
-                <a:avLst/>
-              </a:prstGeom>
-              <a:ln>
-                <a:noFill/>
-              </a:ln>
-            </p:spPr>
-            <p:style>
-              <a:lnRef idx="2">
-                <a:schemeClr val="accent1">
-                  <a:shade val="50000"/>
-                </a:schemeClr>
-              </a:lnRef>
-              <a:fillRef idx="1">
-                <a:schemeClr val="accent1"/>
-              </a:fillRef>
-              <a:effectRef idx="0">
-                <a:schemeClr val="accent1"/>
-              </a:effectRef>
-              <a:fontRef idx="minor">
-                <a:schemeClr val="lt1"/>
-              </a:fontRef>
-            </p:style>
-            <p:txBody>
-              <a:bodyPr rtlCol="0" anchor="ctr"/>
-              <a:lstStyle/>
-              <a:p>
-                <a:pPr algn="ctr"/>
-                <a:endParaRPr lang="en-GB"/>
-              </a:p>
-            </p:txBody>
-          </p:sp>
-        </p:grpSp>
         <p:sp>
           <p:nvSpPr>
             <p:cNvPr id="72" name="TextBox 25"/>
@@ -11855,7 +10394,7 @@
           </p:nvSpPr>
           <p:spPr>
             <a:xfrm>
-              <a:off x="8111943" y="2922756"/>
+              <a:off x="5126232" y="2965394"/>
               <a:ext cx="2203177" cy="830997"/>
             </a:xfrm>
             <a:prstGeom prst="rect">
@@ -11894,184 +10433,6 @@
           </p:txBody>
         </p:sp>
       </p:grpSp>
-      <p:sp>
-        <p:nvSpPr>
-          <p:cNvPr id="80" name="Star: 5 Points 59"/>
-          <p:cNvSpPr/>
-          <p:nvPr/>
-        </p:nvSpPr>
-        <p:spPr>
-          <a:xfrm>
-            <a:off x="10696008" y="5948986"/>
-            <a:ext cx="184666" cy="184666"/>
-          </a:xfrm>
-          <a:prstGeom prst="star5">
-            <a:avLst/>
-          </a:prstGeom>
-          <a:ln>
-            <a:noFill/>
-          </a:ln>
-        </p:spPr>
-        <p:style>
-          <a:lnRef idx="2">
-            <a:schemeClr val="accent1">
-              <a:shade val="50000"/>
-            </a:schemeClr>
-          </a:lnRef>
-          <a:fillRef idx="1">
-            <a:schemeClr val="accent1"/>
-          </a:fillRef>
-          <a:effectRef idx="0">
-            <a:schemeClr val="accent1"/>
-          </a:effectRef>
-          <a:fontRef idx="minor">
-            <a:schemeClr val="lt1"/>
-          </a:fontRef>
-        </p:style>
-        <p:txBody>
-          <a:bodyPr rtlCol="0" anchor="ctr"/>
-          <a:lstStyle/>
-          <a:p>
-            <a:pPr algn="ctr"/>
-            <a:endParaRPr lang="en-GB"/>
-          </a:p>
-        </p:txBody>
-      </p:sp>
-      <p:sp>
-        <p:nvSpPr>
-          <p:cNvPr id="81" name="Star: 5 Points 59"/>
-          <p:cNvSpPr/>
-          <p:nvPr/>
-        </p:nvSpPr>
-        <p:spPr>
-          <a:xfrm>
-            <a:off x="10440500" y="5943915"/>
-            <a:ext cx="184666" cy="184666"/>
-          </a:xfrm>
-          <a:prstGeom prst="star5">
-            <a:avLst/>
-          </a:prstGeom>
-          <a:ln>
-            <a:noFill/>
-          </a:ln>
-        </p:spPr>
-        <p:style>
-          <a:lnRef idx="2">
-            <a:schemeClr val="accent1">
-              <a:shade val="50000"/>
-            </a:schemeClr>
-          </a:lnRef>
-          <a:fillRef idx="1">
-            <a:schemeClr val="accent1"/>
-          </a:fillRef>
-          <a:effectRef idx="0">
-            <a:schemeClr val="accent1"/>
-          </a:effectRef>
-          <a:fontRef idx="minor">
-            <a:schemeClr val="lt1"/>
-          </a:fontRef>
-        </p:style>
-        <p:txBody>
-          <a:bodyPr rtlCol="0" anchor="ctr"/>
-          <a:lstStyle/>
-          <a:p>
-            <a:pPr algn="ctr"/>
-            <a:endParaRPr lang="en-GB"/>
-          </a:p>
-        </p:txBody>
-      </p:sp>
-      <p:sp>
-        <p:nvSpPr>
-          <p:cNvPr id="82" name="Star: 5 Points 59"/>
-          <p:cNvSpPr/>
-          <p:nvPr/>
-        </p:nvSpPr>
-        <p:spPr>
-          <a:xfrm>
-            <a:off x="7655557" y="5680814"/>
-            <a:ext cx="184666" cy="184666"/>
-          </a:xfrm>
-          <a:prstGeom prst="star5">
-            <a:avLst/>
-          </a:prstGeom>
-          <a:ln>
-            <a:noFill/>
-          </a:ln>
-        </p:spPr>
-        <p:style>
-          <a:lnRef idx="2">
-            <a:schemeClr val="accent1">
-              <a:shade val="50000"/>
-            </a:schemeClr>
-          </a:lnRef>
-          <a:fillRef idx="1">
-            <a:schemeClr val="accent1"/>
-          </a:fillRef>
-          <a:effectRef idx="0">
-            <a:schemeClr val="accent1"/>
-          </a:effectRef>
-          <a:fontRef idx="minor">
-            <a:schemeClr val="lt1"/>
-          </a:fontRef>
-        </p:style>
-        <p:txBody>
-          <a:bodyPr rtlCol="0" anchor="ctr"/>
-          <a:lstStyle/>
-          <a:p>
-            <a:pPr algn="ctr"/>
-            <a:endParaRPr lang="en-GB"/>
-          </a:p>
-        </p:txBody>
-      </p:sp>
-      <p:sp>
-        <p:nvSpPr>
-          <p:cNvPr id="83" name="Star: 5 Points 49"/>
-          <p:cNvSpPr/>
-          <p:nvPr/>
-        </p:nvSpPr>
-        <p:spPr>
-          <a:xfrm>
-            <a:off x="5165743" y="5642542"/>
-            <a:ext cx="184666" cy="184666"/>
-          </a:xfrm>
-          <a:prstGeom prst="star5">
-            <a:avLst/>
-          </a:prstGeom>
-          <a:solidFill>
-            <a:schemeClr val="tx1">
-              <a:lumMod val="20000"/>
-              <a:lumOff val="80000"/>
-            </a:schemeClr>
-          </a:solidFill>
-          <a:ln>
-            <a:noFill/>
-          </a:ln>
-        </p:spPr>
-        <p:style>
-          <a:lnRef idx="2">
-            <a:schemeClr val="accent1">
-              <a:shade val="50000"/>
-            </a:schemeClr>
-          </a:lnRef>
-          <a:fillRef idx="1">
-            <a:schemeClr val="accent1"/>
-          </a:fillRef>
-          <a:effectRef idx="0">
-            <a:schemeClr val="accent1"/>
-          </a:effectRef>
-          <a:fontRef idx="minor">
-            <a:schemeClr val="lt1"/>
-          </a:fontRef>
-        </p:style>
-        <p:txBody>
-          <a:bodyPr rtlCol="0" anchor="ctr"/>
-          <a:lstStyle/>
-          <a:p>
-            <a:pPr algn="ctr"/>
-            <a:endParaRPr lang="en-GB"/>
-          </a:p>
-        </p:txBody>
-      </p:sp>
     </p:spTree>
     <p:extLst>
       <p:ext uri="{BB962C8B-B14F-4D97-AF65-F5344CB8AC3E}">
@@ -12094,8 +10455,8 @@
       </p:transition>
     </mc:Fallback>
   </mc:AlternateContent>
-  <mc:AlternateContent xmlns:mc="http://schemas.openxmlformats.org/markup-compatibility/2006" xmlns:p14="http://schemas.microsoft.com/office/powerpoint/2010/main">
-    <mc:Choice Requires="p14">
+  <mc:AlternateContent xmlns:mc="http://schemas.openxmlformats.org/markup-compatibility/2006">
+    <mc:Choice xmlns:p14="http://schemas.microsoft.com/office/powerpoint/2010/main" Requires="p14">
       <p:timing>
         <p:tnLst>
           <p:par>
@@ -12375,7 +10736,7 @@
                                               </p:stCondLst>
                                             </p:cTn>
                                             <p:tgtEl>
-                                              <p:spTgt spid="5"/>
+                                              <p:spTgt spid="63"/>
                                             </p:tgtEl>
                                             <p:attrNameLst>
                                               <p:attrName>style.visibility</p:attrName>
@@ -12388,79 +10749,6 @@
                                         <p:anim calcmode="lin" valueType="num" p14:bounceEnd="50000">
                                           <p:cBhvr additive="base">
                                             <p:cTn id="23" dur="1000" fill="hold"/>
-                                            <p:tgtEl>
-                                              <p:spTgt spid="5"/>
-                                            </p:tgtEl>
-                                            <p:attrNameLst>
-                                              <p:attrName>ppt_x</p:attrName>
-                                            </p:attrNameLst>
-                                          </p:cBhvr>
-                                          <p:tavLst>
-                                            <p:tav tm="0">
-                                              <p:val>
-                                                <p:strVal val="#ppt_x"/>
-                                              </p:val>
-                                            </p:tav>
-                                            <p:tav tm="100000">
-                                              <p:val>
-                                                <p:strVal val="#ppt_x"/>
-                                              </p:val>
-                                            </p:tav>
-                                          </p:tavLst>
-                                        </p:anim>
-                                        <p:anim calcmode="lin" valueType="num" p14:bounceEnd="50000">
-                                          <p:cBhvr additive="base">
-                                            <p:cTn id="24" dur="1000" fill="hold"/>
-                                            <p:tgtEl>
-                                              <p:spTgt spid="5"/>
-                                            </p:tgtEl>
-                                            <p:attrNameLst>
-                                              <p:attrName>ppt_y</p:attrName>
-                                            </p:attrNameLst>
-                                          </p:cBhvr>
-                                          <p:tavLst>
-                                            <p:tav tm="0">
-                                              <p:val>
-                                                <p:strVal val="1+#ppt_h/2"/>
-                                              </p:val>
-                                            </p:tav>
-                                            <p:tav tm="100000">
-                                              <p:val>
-                                                <p:strVal val="#ppt_y"/>
-                                              </p:val>
-                                            </p:tav>
-                                          </p:tavLst>
-                                        </p:anim>
-                                      </p:childTnLst>
-                                    </p:cTn>
-                                  </p:par>
-                                  <p:par>
-                                    <p:cTn id="25" presetID="2" presetClass="entr" presetSubtype="4" fill="hold" nodeType="withEffect" p14:presetBounceEnd="50000">
-                                      <p:stCondLst>
-                                        <p:cond delay="500"/>
-                                      </p:stCondLst>
-                                      <p:childTnLst>
-                                        <p:set>
-                                          <p:cBhvr>
-                                            <p:cTn id="26" dur="1" fill="hold">
-                                              <p:stCondLst>
-                                                <p:cond delay="0"/>
-                                              </p:stCondLst>
-                                            </p:cTn>
-                                            <p:tgtEl>
-                                              <p:spTgt spid="63"/>
-                                            </p:tgtEl>
-                                            <p:attrNameLst>
-                                              <p:attrName>style.visibility</p:attrName>
-                                            </p:attrNameLst>
-                                          </p:cBhvr>
-                                          <p:to>
-                                            <p:strVal val="visible"/>
-                                          </p:to>
-                                        </p:set>
-                                        <p:anim calcmode="lin" valueType="num" p14:bounceEnd="50000">
-                                          <p:cBhvr additive="base">
-                                            <p:cTn id="27" dur="1000" fill="hold"/>
                                             <p:tgtEl>
                                               <p:spTgt spid="63"/>
                                             </p:tgtEl>
@@ -12483,7 +10771,7 @@
                                         </p:anim>
                                         <p:anim calcmode="lin" valueType="num" p14:bounceEnd="50000">
                                           <p:cBhvr additive="base">
-                                            <p:cTn id="28" dur="1000" fill="hold"/>
+                                            <p:cTn id="24" dur="1000" fill="hold"/>
                                             <p:tgtEl>
                                               <p:spTgt spid="63"/>
                                             </p:tgtEl>
@@ -12540,7 +10828,7 @@
         </p:bldLst>
       </p:timing>
     </mc:Choice>
-    <mc:Fallback xmlns="">
+    <mc:Fallback>
       <p:timing>
         <p:tnLst>
           <p:par>
@@ -12820,7 +11108,7 @@
                                               </p:stCondLst>
                                             </p:cTn>
                                             <p:tgtEl>
-                                              <p:spTgt spid="5"/>
+                                              <p:spTgt spid="63"/>
                                             </p:tgtEl>
                                             <p:attrNameLst>
                                               <p:attrName>style.visibility</p:attrName>
@@ -12833,79 +11121,6 @@
                                         <p:anim calcmode="lin" valueType="num">
                                           <p:cBhvr additive="base">
                                             <p:cTn id="23" dur="1000" fill="hold"/>
-                                            <p:tgtEl>
-                                              <p:spTgt spid="5"/>
-                                            </p:tgtEl>
-                                            <p:attrNameLst>
-                                              <p:attrName>ppt_x</p:attrName>
-                                            </p:attrNameLst>
-                                          </p:cBhvr>
-                                          <p:tavLst>
-                                            <p:tav tm="0">
-                                              <p:val>
-                                                <p:strVal val="#ppt_x"/>
-                                              </p:val>
-                                            </p:tav>
-                                            <p:tav tm="100000">
-                                              <p:val>
-                                                <p:strVal val="#ppt_x"/>
-                                              </p:val>
-                                            </p:tav>
-                                          </p:tavLst>
-                                        </p:anim>
-                                        <p:anim calcmode="lin" valueType="num">
-                                          <p:cBhvr additive="base">
-                                            <p:cTn id="24" dur="1000" fill="hold"/>
-                                            <p:tgtEl>
-                                              <p:spTgt spid="5"/>
-                                            </p:tgtEl>
-                                            <p:attrNameLst>
-                                              <p:attrName>ppt_y</p:attrName>
-                                            </p:attrNameLst>
-                                          </p:cBhvr>
-                                          <p:tavLst>
-                                            <p:tav tm="0">
-                                              <p:val>
-                                                <p:strVal val="1+#ppt_h/2"/>
-                                              </p:val>
-                                            </p:tav>
-                                            <p:tav tm="100000">
-                                              <p:val>
-                                                <p:strVal val="#ppt_y"/>
-                                              </p:val>
-                                            </p:tav>
-                                          </p:tavLst>
-                                        </p:anim>
-                                      </p:childTnLst>
-                                    </p:cTn>
-                                  </p:par>
-                                  <p:par>
-                                    <p:cTn id="25" presetID="2" presetClass="entr" presetSubtype="4" fill="hold" nodeType="withEffect">
-                                      <p:stCondLst>
-                                        <p:cond delay="500"/>
-                                      </p:stCondLst>
-                                      <p:childTnLst>
-                                        <p:set>
-                                          <p:cBhvr>
-                                            <p:cTn id="26" dur="1" fill="hold">
-                                              <p:stCondLst>
-                                                <p:cond delay="0"/>
-                                              </p:stCondLst>
-                                            </p:cTn>
-                                            <p:tgtEl>
-                                              <p:spTgt spid="63"/>
-                                            </p:tgtEl>
-                                            <p:attrNameLst>
-                                              <p:attrName>style.visibility</p:attrName>
-                                            </p:attrNameLst>
-                                          </p:cBhvr>
-                                          <p:to>
-                                            <p:strVal val="visible"/>
-                                          </p:to>
-                                        </p:set>
-                                        <p:anim calcmode="lin" valueType="num">
-                                          <p:cBhvr additive="base">
-                                            <p:cTn id="27" dur="1000" fill="hold"/>
                                             <p:tgtEl>
                                               <p:spTgt spid="63"/>
                                             </p:tgtEl>
@@ -12928,7 +11143,7 @@
                                         </p:anim>
                                         <p:anim calcmode="lin" valueType="num">
                                           <p:cBhvr additive="base">
-                                            <p:cTn id="28" dur="1000" fill="hold"/>
+                                            <p:cTn id="24" dur="1000" fill="hold"/>
                                             <p:tgtEl>
                                               <p:spTgt spid="63"/>
                                             </p:tgtEl>
@@ -19052,7 +17267,7 @@
         </p:nvGrpSpPr>
         <p:grpSpPr>
           <a:xfrm>
-            <a:off x="9443351" y="2021446"/>
+            <a:off x="9443351" y="2039838"/>
             <a:ext cx="486439" cy="486439"/>
             <a:chOff x="5907088" y="3236913"/>
             <a:chExt cx="384176" cy="384176"/>
@@ -20856,8 +19071,8 @@
         </p:nvGrpSpPr>
         <p:grpSpPr>
           <a:xfrm>
-            <a:off x="914975" y="2834843"/>
-            <a:ext cx="190092" cy="190093"/>
+            <a:off x="900975" y="2575128"/>
+            <a:ext cx="208182" cy="222456"/>
             <a:chOff x="5907088" y="3236913"/>
             <a:chExt cx="384176" cy="384176"/>
           </a:xfrm>
@@ -26719,7 +24934,7 @@
         <p:spPr>
           <a:xfrm>
             <a:off x="1394517" y="2643573"/>
-            <a:ext cx="2502452" cy="1200329"/>
+            <a:ext cx="2502452" cy="1477328"/>
           </a:xfrm>
           <a:prstGeom prst="rect">
             <a:avLst/>
@@ -26731,10 +24946,12 @@
           </a:bodyPr>
           <a:lstStyle/>
           <a:p>
-            <a:pPr>
+            <a:pPr marL="171450" indent="-171450">
               <a:lnSpc>
                 <a:spcPct val="150000"/>
               </a:lnSpc>
+              <a:buFont typeface="Arial" panose="020B0604020202020204" pitchFamily="34" charset="0"/>
+              <a:buChar char="•"/>
             </a:pPr>
             <a:r>
               <a:rPr lang="en-US" sz="1200" dirty="0">
@@ -26755,21 +24972,20 @@
                 <a:ea typeface="Open Sans Light" panose="020B0306030504020204" pitchFamily="34" charset="0"/>
                 <a:cs typeface="Open Sans Light" panose="020B0306030504020204" pitchFamily="34" charset="0"/>
               </a:rPr>
-              <a:t> </a:t>
+              <a:t> format.</a:t>
             </a:r>
-            <a:r>
-              <a:rPr lang="en-US" sz="1200" dirty="0">
-                <a:ea typeface="Open Sans Light" panose="020B0306030504020204" pitchFamily="34" charset="0"/>
-                <a:cs typeface="Open Sans Light" panose="020B0306030504020204" pitchFamily="34" charset="0"/>
-              </a:rPr>
-              <a:t>format</a:t>
-            </a:r>
+            <a:endParaRPr lang="en-US" sz="1200" dirty="0">
+              <a:ea typeface="Open Sans Light" panose="020B0306030504020204" pitchFamily="34" charset="0"/>
+              <a:cs typeface="Open Sans Light" panose="020B0306030504020204" pitchFamily="34" charset="0"/>
+            </a:endParaRPr>
           </a:p>
           <a:p>
-            <a:pPr>
+            <a:pPr marL="171450" indent="-171450">
               <a:lnSpc>
                 <a:spcPct val="150000"/>
               </a:lnSpc>
+              <a:buFont typeface="Arial" panose="020B0604020202020204" pitchFamily="34" charset="0"/>
+              <a:buChar char="•"/>
             </a:pPr>
             <a:r>
               <a:rPr lang="en-US" sz="1200" dirty="0" smtClean="0">
@@ -26780,10 +24996,12 @@
             </a:r>
           </a:p>
           <a:p>
-            <a:pPr>
+            <a:pPr marL="171450" indent="-171450">
               <a:lnSpc>
                 <a:spcPct val="150000"/>
               </a:lnSpc>
+              <a:buFont typeface="Arial" panose="020B0604020202020204" pitchFamily="34" charset="0"/>
+              <a:buChar char="•"/>
             </a:pPr>
             <a:endParaRPr lang="en-US" sz="1200" dirty="0">
               <a:ea typeface="Open Sans Light" panose="020B0306030504020204" pitchFamily="34" charset="0"/>
@@ -26849,10 +25067,12 @@
           </a:bodyPr>
           <a:lstStyle/>
           <a:p>
-            <a:pPr>
+            <a:pPr marL="171450" indent="-171450">
               <a:lnSpc>
                 <a:spcPct val="150000"/>
               </a:lnSpc>
+              <a:buFont typeface="Arial" panose="020B0604020202020204" pitchFamily="34" charset="0"/>
+              <a:buChar char="•"/>
             </a:pPr>
             <a:r>
               <a:rPr lang="en-IN" sz="1200" dirty="0" smtClean="0">
@@ -26904,6 +25124,3046 @@
           </a:p>
         </p:txBody>
       </p:sp>
+      <p:sp>
+        <p:nvSpPr>
+          <p:cNvPr id="79" name="Freeform 78"/>
+          <p:cNvSpPr>
+            <a:spLocks/>
+          </p:cNvSpPr>
+          <p:nvPr/>
+        </p:nvSpPr>
+        <p:spPr bwMode="auto">
+          <a:xfrm>
+            <a:off x="832103" y="5354477"/>
+            <a:ext cx="432813" cy="429671"/>
+          </a:xfrm>
+          <a:custGeom>
+            <a:avLst/>
+            <a:gdLst>
+              <a:gd name="T0" fmla="*/ 85 w 320"/>
+              <a:gd name="T1" fmla="*/ 278 h 319"/>
+              <a:gd name="T2" fmla="*/ 278 w 320"/>
+              <a:gd name="T3" fmla="*/ 235 h 319"/>
+              <a:gd name="T4" fmla="*/ 236 w 320"/>
+              <a:gd name="T5" fmla="*/ 41 h 319"/>
+              <a:gd name="T6" fmla="*/ 42 w 320"/>
+              <a:gd name="T7" fmla="*/ 84 h 319"/>
+              <a:gd name="T8" fmla="*/ 85 w 320"/>
+              <a:gd name="T9" fmla="*/ 278 h 319"/>
+            </a:gdLst>
+            <a:ahLst/>
+            <a:cxnLst>
+              <a:cxn ang="0">
+                <a:pos x="T0" y="T1"/>
+              </a:cxn>
+              <a:cxn ang="0">
+                <a:pos x="T2" y="T3"/>
+              </a:cxn>
+              <a:cxn ang="0">
+                <a:pos x="T4" y="T5"/>
+              </a:cxn>
+              <a:cxn ang="0">
+                <a:pos x="T6" y="T7"/>
+              </a:cxn>
+              <a:cxn ang="0">
+                <a:pos x="T8" y="T9"/>
+              </a:cxn>
+            </a:cxnLst>
+            <a:rect l="0" t="0" r="r" b="b"/>
+            <a:pathLst>
+              <a:path w="320" h="319">
+                <a:moveTo>
+                  <a:pt x="85" y="278"/>
+                </a:moveTo>
+                <a:cubicBezTo>
+                  <a:pt x="150" y="319"/>
+                  <a:pt x="237" y="300"/>
+                  <a:pt x="278" y="235"/>
+                </a:cubicBezTo>
+                <a:cubicBezTo>
+                  <a:pt x="320" y="170"/>
+                  <a:pt x="301" y="83"/>
+                  <a:pt x="236" y="41"/>
+                </a:cubicBezTo>
+                <a:cubicBezTo>
+                  <a:pt x="170" y="0"/>
+                  <a:pt x="84" y="19"/>
+                  <a:pt x="42" y="84"/>
+                </a:cubicBezTo>
+                <a:cubicBezTo>
+                  <a:pt x="0" y="149"/>
+                  <a:pt x="19" y="236"/>
+                  <a:pt x="85" y="278"/>
+                </a:cubicBezTo>
+                <a:close/>
+              </a:path>
+            </a:pathLst>
+          </a:custGeom>
+          <a:solidFill>
+            <a:schemeClr val="accent3"/>
+          </a:solidFill>
+          <a:ln>
+            <a:noFill/>
+          </a:ln>
+        </p:spPr>
+        <p:txBody>
+          <a:bodyPr vert="horz" wrap="square" lIns="91440" tIns="45720" rIns="91440" bIns="45720" numCol="1" anchor="t" anchorCtr="0" compatLnSpc="1">
+            <a:prstTxWarp prst="textNoShape">
+              <a:avLst/>
+            </a:prstTxWarp>
+          </a:bodyPr>
+          <a:lstStyle>
+            <a:defPPr>
+              <a:defRPr lang="en-US"/>
+            </a:defPPr>
+            <a:lvl1pPr marL="0" algn="l" defTabSz="914400" rtl="0" eaLnBrk="1" latinLnBrk="0" hangingPunct="1">
+              <a:defRPr sz="1800" kern="1200">
+                <a:solidFill>
+                  <a:schemeClr val="tx1"/>
+                </a:solidFill>
+                <a:latin typeface="+mn-lt"/>
+                <a:ea typeface="+mn-ea"/>
+                <a:cs typeface="+mn-cs"/>
+              </a:defRPr>
+            </a:lvl1pPr>
+            <a:lvl2pPr marL="457200" algn="l" defTabSz="914400" rtl="0" eaLnBrk="1" latinLnBrk="0" hangingPunct="1">
+              <a:defRPr sz="1800" kern="1200">
+                <a:solidFill>
+                  <a:schemeClr val="tx1"/>
+                </a:solidFill>
+                <a:latin typeface="+mn-lt"/>
+                <a:ea typeface="+mn-ea"/>
+                <a:cs typeface="+mn-cs"/>
+              </a:defRPr>
+            </a:lvl2pPr>
+            <a:lvl3pPr marL="914400" algn="l" defTabSz="914400" rtl="0" eaLnBrk="1" latinLnBrk="0" hangingPunct="1">
+              <a:defRPr sz="1800" kern="1200">
+                <a:solidFill>
+                  <a:schemeClr val="tx1"/>
+                </a:solidFill>
+                <a:latin typeface="+mn-lt"/>
+                <a:ea typeface="+mn-ea"/>
+                <a:cs typeface="+mn-cs"/>
+              </a:defRPr>
+            </a:lvl3pPr>
+            <a:lvl4pPr marL="1371600" algn="l" defTabSz="914400" rtl="0" eaLnBrk="1" latinLnBrk="0" hangingPunct="1">
+              <a:defRPr sz="1800" kern="1200">
+                <a:solidFill>
+                  <a:schemeClr val="tx1"/>
+                </a:solidFill>
+                <a:latin typeface="+mn-lt"/>
+                <a:ea typeface="+mn-ea"/>
+                <a:cs typeface="+mn-cs"/>
+              </a:defRPr>
+            </a:lvl4pPr>
+            <a:lvl5pPr marL="1828800" algn="l" defTabSz="914400" rtl="0" eaLnBrk="1" latinLnBrk="0" hangingPunct="1">
+              <a:defRPr sz="1800" kern="1200">
+                <a:solidFill>
+                  <a:schemeClr val="tx1"/>
+                </a:solidFill>
+                <a:latin typeface="+mn-lt"/>
+                <a:ea typeface="+mn-ea"/>
+                <a:cs typeface="+mn-cs"/>
+              </a:defRPr>
+            </a:lvl5pPr>
+            <a:lvl6pPr marL="2286000" algn="l" defTabSz="914400" rtl="0" eaLnBrk="1" latinLnBrk="0" hangingPunct="1">
+              <a:defRPr sz="1800" kern="1200">
+                <a:solidFill>
+                  <a:schemeClr val="tx1"/>
+                </a:solidFill>
+                <a:latin typeface="+mn-lt"/>
+                <a:ea typeface="+mn-ea"/>
+                <a:cs typeface="+mn-cs"/>
+              </a:defRPr>
+            </a:lvl6pPr>
+            <a:lvl7pPr marL="2743200" algn="l" defTabSz="914400" rtl="0" eaLnBrk="1" latinLnBrk="0" hangingPunct="1">
+              <a:defRPr sz="1800" kern="1200">
+                <a:solidFill>
+                  <a:schemeClr val="tx1"/>
+                </a:solidFill>
+                <a:latin typeface="+mn-lt"/>
+                <a:ea typeface="+mn-ea"/>
+                <a:cs typeface="+mn-cs"/>
+              </a:defRPr>
+            </a:lvl7pPr>
+            <a:lvl8pPr marL="3200400" algn="l" defTabSz="914400" rtl="0" eaLnBrk="1" latinLnBrk="0" hangingPunct="1">
+              <a:defRPr sz="1800" kern="1200">
+                <a:solidFill>
+                  <a:schemeClr val="tx1"/>
+                </a:solidFill>
+                <a:latin typeface="+mn-lt"/>
+                <a:ea typeface="+mn-ea"/>
+                <a:cs typeface="+mn-cs"/>
+              </a:defRPr>
+            </a:lvl8pPr>
+            <a:lvl9pPr marL="3657600" algn="l" defTabSz="914400" rtl="0" eaLnBrk="1" latinLnBrk="0" hangingPunct="1">
+              <a:defRPr sz="1800" kern="1200">
+                <a:solidFill>
+                  <a:schemeClr val="tx1"/>
+                </a:solidFill>
+                <a:latin typeface="+mn-lt"/>
+                <a:ea typeface="+mn-ea"/>
+                <a:cs typeface="+mn-cs"/>
+              </a:defRPr>
+            </a:lvl9pPr>
+          </a:lstStyle>
+          <a:p>
+            <a:endParaRPr lang="en-GB"/>
+          </a:p>
+        </p:txBody>
+      </p:sp>
+      <p:grpSp>
+        <p:nvGrpSpPr>
+          <p:cNvPr id="80" name="Group 79"/>
+          <p:cNvGrpSpPr/>
+          <p:nvPr/>
+        </p:nvGrpSpPr>
+        <p:grpSpPr>
+          <a:xfrm>
+            <a:off x="964374" y="5506390"/>
+            <a:ext cx="142961" cy="151603"/>
+            <a:chOff x="8320088" y="1933575"/>
+            <a:chExt cx="288925" cy="306388"/>
+          </a:xfrm>
+          <a:solidFill>
+            <a:schemeClr val="bg2"/>
+          </a:solidFill>
+        </p:grpSpPr>
+        <p:sp>
+          <p:nvSpPr>
+            <p:cNvPr id="82" name="Oval 81"/>
+            <p:cNvSpPr>
+              <a:spLocks noChangeArrowheads="1"/>
+            </p:cNvSpPr>
+            <p:nvPr/>
+          </p:nvSpPr>
+          <p:spPr bwMode="auto">
+            <a:xfrm>
+              <a:off x="8450263" y="2122488"/>
+              <a:ext cx="66675" cy="68263"/>
+            </a:xfrm>
+            <a:prstGeom prst="ellipse">
+              <a:avLst/>
+            </a:prstGeom>
+            <a:grpFill/>
+            <a:ln>
+              <a:noFill/>
+            </a:ln>
+            <a:extLst>
+              <a:ext uri="{91240B29-F687-4F45-9708-019B960494DF}">
+                <a14:hiddenLine xmlns:a14="http://schemas.microsoft.com/office/drawing/2010/main" w="9525">
+                  <a:solidFill>
+                    <a:srgbClr val="000000"/>
+                  </a:solidFill>
+                  <a:round/>
+                  <a:headEnd/>
+                  <a:tailEnd/>
+                </a14:hiddenLine>
+              </a:ext>
+            </a:extLst>
+          </p:spPr>
+          <p:txBody>
+            <a:bodyPr vert="horz" wrap="square" lIns="91440" tIns="45720" rIns="91440" bIns="45720" numCol="1" anchor="t" anchorCtr="0" compatLnSpc="1">
+              <a:prstTxWarp prst="textNoShape">
+                <a:avLst/>
+              </a:prstTxWarp>
+            </a:bodyPr>
+            <a:lstStyle>
+              <a:defPPr>
+                <a:defRPr lang="en-US"/>
+              </a:defPPr>
+              <a:lvl1pPr marL="0" algn="l" defTabSz="914400" rtl="0" eaLnBrk="1" latinLnBrk="0" hangingPunct="1">
+                <a:defRPr sz="1800" kern="1200">
+                  <a:solidFill>
+                    <a:schemeClr val="tx1"/>
+                  </a:solidFill>
+                  <a:latin typeface="+mn-lt"/>
+                  <a:ea typeface="+mn-ea"/>
+                  <a:cs typeface="+mn-cs"/>
+                </a:defRPr>
+              </a:lvl1pPr>
+              <a:lvl2pPr marL="457200" algn="l" defTabSz="914400" rtl="0" eaLnBrk="1" latinLnBrk="0" hangingPunct="1">
+                <a:defRPr sz="1800" kern="1200">
+                  <a:solidFill>
+                    <a:schemeClr val="tx1"/>
+                  </a:solidFill>
+                  <a:latin typeface="+mn-lt"/>
+                  <a:ea typeface="+mn-ea"/>
+                  <a:cs typeface="+mn-cs"/>
+                </a:defRPr>
+              </a:lvl2pPr>
+              <a:lvl3pPr marL="914400" algn="l" defTabSz="914400" rtl="0" eaLnBrk="1" latinLnBrk="0" hangingPunct="1">
+                <a:defRPr sz="1800" kern="1200">
+                  <a:solidFill>
+                    <a:schemeClr val="tx1"/>
+                  </a:solidFill>
+                  <a:latin typeface="+mn-lt"/>
+                  <a:ea typeface="+mn-ea"/>
+                  <a:cs typeface="+mn-cs"/>
+                </a:defRPr>
+              </a:lvl3pPr>
+              <a:lvl4pPr marL="1371600" algn="l" defTabSz="914400" rtl="0" eaLnBrk="1" latinLnBrk="0" hangingPunct="1">
+                <a:defRPr sz="1800" kern="1200">
+                  <a:solidFill>
+                    <a:schemeClr val="tx1"/>
+                  </a:solidFill>
+                  <a:latin typeface="+mn-lt"/>
+                  <a:ea typeface="+mn-ea"/>
+                  <a:cs typeface="+mn-cs"/>
+                </a:defRPr>
+              </a:lvl4pPr>
+              <a:lvl5pPr marL="1828800" algn="l" defTabSz="914400" rtl="0" eaLnBrk="1" latinLnBrk="0" hangingPunct="1">
+                <a:defRPr sz="1800" kern="1200">
+                  <a:solidFill>
+                    <a:schemeClr val="tx1"/>
+                  </a:solidFill>
+                  <a:latin typeface="+mn-lt"/>
+                  <a:ea typeface="+mn-ea"/>
+                  <a:cs typeface="+mn-cs"/>
+                </a:defRPr>
+              </a:lvl5pPr>
+              <a:lvl6pPr marL="2286000" algn="l" defTabSz="914400" rtl="0" eaLnBrk="1" latinLnBrk="0" hangingPunct="1">
+                <a:defRPr sz="1800" kern="1200">
+                  <a:solidFill>
+                    <a:schemeClr val="tx1"/>
+                  </a:solidFill>
+                  <a:latin typeface="+mn-lt"/>
+                  <a:ea typeface="+mn-ea"/>
+                  <a:cs typeface="+mn-cs"/>
+                </a:defRPr>
+              </a:lvl6pPr>
+              <a:lvl7pPr marL="2743200" algn="l" defTabSz="914400" rtl="0" eaLnBrk="1" latinLnBrk="0" hangingPunct="1">
+                <a:defRPr sz="1800" kern="1200">
+                  <a:solidFill>
+                    <a:schemeClr val="tx1"/>
+                  </a:solidFill>
+                  <a:latin typeface="+mn-lt"/>
+                  <a:ea typeface="+mn-ea"/>
+                  <a:cs typeface="+mn-cs"/>
+                </a:defRPr>
+              </a:lvl7pPr>
+              <a:lvl8pPr marL="3200400" algn="l" defTabSz="914400" rtl="0" eaLnBrk="1" latinLnBrk="0" hangingPunct="1">
+                <a:defRPr sz="1800" kern="1200">
+                  <a:solidFill>
+                    <a:schemeClr val="tx1"/>
+                  </a:solidFill>
+                  <a:latin typeface="+mn-lt"/>
+                  <a:ea typeface="+mn-ea"/>
+                  <a:cs typeface="+mn-cs"/>
+                </a:defRPr>
+              </a:lvl8pPr>
+              <a:lvl9pPr marL="3657600" algn="l" defTabSz="914400" rtl="0" eaLnBrk="1" latinLnBrk="0" hangingPunct="1">
+                <a:defRPr sz="1800" kern="1200">
+                  <a:solidFill>
+                    <a:schemeClr val="tx1"/>
+                  </a:solidFill>
+                  <a:latin typeface="+mn-lt"/>
+                  <a:ea typeface="+mn-ea"/>
+                  <a:cs typeface="+mn-cs"/>
+                </a:defRPr>
+              </a:lvl9pPr>
+            </a:lstStyle>
+            <a:p>
+              <a:endParaRPr lang="en-GB"/>
+            </a:p>
+          </p:txBody>
+        </p:sp>
+        <p:sp>
+          <p:nvSpPr>
+            <p:cNvPr id="83" name="Freeform 82"/>
+            <p:cNvSpPr>
+              <a:spLocks/>
+            </p:cNvSpPr>
+            <p:nvPr/>
+          </p:nvSpPr>
+          <p:spPr bwMode="auto">
+            <a:xfrm>
+              <a:off x="8320088" y="2012950"/>
+              <a:ext cx="288925" cy="227013"/>
+            </a:xfrm>
+            <a:custGeom>
+              <a:avLst/>
+              <a:gdLst>
+                <a:gd name="T0" fmla="*/ 106 w 106"/>
+                <a:gd name="T1" fmla="*/ 26 h 83"/>
+                <a:gd name="T2" fmla="*/ 97 w 106"/>
+                <a:gd name="T3" fmla="*/ 13 h 83"/>
+                <a:gd name="T4" fmla="*/ 90 w 106"/>
+                <a:gd name="T5" fmla="*/ 16 h 83"/>
+                <a:gd name="T6" fmla="*/ 83 w 106"/>
+                <a:gd name="T7" fmla="*/ 13 h 83"/>
+                <a:gd name="T8" fmla="*/ 74 w 106"/>
+                <a:gd name="T9" fmla="*/ 26 h 83"/>
+                <a:gd name="T10" fmla="*/ 86 w 106"/>
+                <a:gd name="T11" fmla="*/ 26 h 83"/>
+                <a:gd name="T12" fmla="*/ 90 w 106"/>
+                <a:gd name="T13" fmla="*/ 42 h 83"/>
+                <a:gd name="T14" fmla="*/ 77 w 106"/>
+                <a:gd name="T15" fmla="*/ 67 h 83"/>
+                <a:gd name="T16" fmla="*/ 71 w 106"/>
+                <a:gd name="T17" fmla="*/ 63 h 83"/>
+                <a:gd name="T18" fmla="*/ 60 w 106"/>
+                <a:gd name="T19" fmla="*/ 68 h 83"/>
+                <a:gd name="T20" fmla="*/ 49 w 106"/>
+                <a:gd name="T21" fmla="*/ 63 h 83"/>
+                <a:gd name="T22" fmla="*/ 43 w 106"/>
+                <a:gd name="T23" fmla="*/ 67 h 83"/>
+                <a:gd name="T24" fmla="*/ 30 w 106"/>
+                <a:gd name="T25" fmla="*/ 41 h 83"/>
+                <a:gd name="T26" fmla="*/ 34 w 106"/>
+                <a:gd name="T27" fmla="*/ 26 h 83"/>
+                <a:gd name="T28" fmla="*/ 64 w 106"/>
+                <a:gd name="T29" fmla="*/ 26 h 83"/>
+                <a:gd name="T30" fmla="*/ 47 w 106"/>
+                <a:gd name="T31" fmla="*/ 0 h 83"/>
+                <a:gd name="T32" fmla="*/ 32 w 106"/>
+                <a:gd name="T33" fmla="*/ 6 h 83"/>
+                <a:gd name="T34" fmla="*/ 18 w 106"/>
+                <a:gd name="T35" fmla="*/ 0 h 83"/>
+                <a:gd name="T36" fmla="*/ 0 w 106"/>
+                <a:gd name="T37" fmla="*/ 26 h 83"/>
+                <a:gd name="T38" fmla="*/ 25 w 106"/>
+                <a:gd name="T39" fmla="*/ 26 h 83"/>
+                <a:gd name="T40" fmla="*/ 22 w 106"/>
+                <a:gd name="T41" fmla="*/ 41 h 83"/>
+                <a:gd name="T42" fmla="*/ 38 w 106"/>
+                <a:gd name="T43" fmla="*/ 74 h 83"/>
+                <a:gd name="T44" fmla="*/ 35 w 106"/>
+                <a:gd name="T45" fmla="*/ 83 h 83"/>
+                <a:gd name="T46" fmla="*/ 85 w 106"/>
+                <a:gd name="T47" fmla="*/ 83 h 83"/>
+                <a:gd name="T48" fmla="*/ 82 w 106"/>
+                <a:gd name="T49" fmla="*/ 74 h 83"/>
+                <a:gd name="T50" fmla="*/ 98 w 106"/>
+                <a:gd name="T51" fmla="*/ 42 h 83"/>
+                <a:gd name="T52" fmla="*/ 95 w 106"/>
+                <a:gd name="T53" fmla="*/ 26 h 83"/>
+                <a:gd name="T54" fmla="*/ 106 w 106"/>
+                <a:gd name="T55" fmla="*/ 26 h 83"/>
+              </a:gdLst>
+              <a:ahLst/>
+              <a:cxnLst>
+                <a:cxn ang="0">
+                  <a:pos x="T0" y="T1"/>
+                </a:cxn>
+                <a:cxn ang="0">
+                  <a:pos x="T2" y="T3"/>
+                </a:cxn>
+                <a:cxn ang="0">
+                  <a:pos x="T4" y="T5"/>
+                </a:cxn>
+                <a:cxn ang="0">
+                  <a:pos x="T6" y="T7"/>
+                </a:cxn>
+                <a:cxn ang="0">
+                  <a:pos x="T8" y="T9"/>
+                </a:cxn>
+                <a:cxn ang="0">
+                  <a:pos x="T10" y="T11"/>
+                </a:cxn>
+                <a:cxn ang="0">
+                  <a:pos x="T12" y="T13"/>
+                </a:cxn>
+                <a:cxn ang="0">
+                  <a:pos x="T14" y="T15"/>
+                </a:cxn>
+                <a:cxn ang="0">
+                  <a:pos x="T16" y="T17"/>
+                </a:cxn>
+                <a:cxn ang="0">
+                  <a:pos x="T18" y="T19"/>
+                </a:cxn>
+                <a:cxn ang="0">
+                  <a:pos x="T20" y="T21"/>
+                </a:cxn>
+                <a:cxn ang="0">
+                  <a:pos x="T22" y="T23"/>
+                </a:cxn>
+                <a:cxn ang="0">
+                  <a:pos x="T24" y="T25"/>
+                </a:cxn>
+                <a:cxn ang="0">
+                  <a:pos x="T26" y="T27"/>
+                </a:cxn>
+                <a:cxn ang="0">
+                  <a:pos x="T28" y="T29"/>
+                </a:cxn>
+                <a:cxn ang="0">
+                  <a:pos x="T30" y="T31"/>
+                </a:cxn>
+                <a:cxn ang="0">
+                  <a:pos x="T32" y="T33"/>
+                </a:cxn>
+                <a:cxn ang="0">
+                  <a:pos x="T34" y="T35"/>
+                </a:cxn>
+                <a:cxn ang="0">
+                  <a:pos x="T36" y="T37"/>
+                </a:cxn>
+                <a:cxn ang="0">
+                  <a:pos x="T38" y="T39"/>
+                </a:cxn>
+                <a:cxn ang="0">
+                  <a:pos x="T40" y="T41"/>
+                </a:cxn>
+                <a:cxn ang="0">
+                  <a:pos x="T42" y="T43"/>
+                </a:cxn>
+                <a:cxn ang="0">
+                  <a:pos x="T44" y="T45"/>
+                </a:cxn>
+                <a:cxn ang="0">
+                  <a:pos x="T46" y="T47"/>
+                </a:cxn>
+                <a:cxn ang="0">
+                  <a:pos x="T48" y="T49"/>
+                </a:cxn>
+                <a:cxn ang="0">
+                  <a:pos x="T50" y="T51"/>
+                </a:cxn>
+                <a:cxn ang="0">
+                  <a:pos x="T52" y="T53"/>
+                </a:cxn>
+                <a:cxn ang="0">
+                  <a:pos x="T54" y="T55"/>
+                </a:cxn>
+              </a:cxnLst>
+              <a:rect l="0" t="0" r="r" b="b"/>
+              <a:pathLst>
+                <a:path w="106" h="83">
+                  <a:moveTo>
+                    <a:pt x="106" y="26"/>
+                  </a:moveTo>
+                  <a:cubicBezTo>
+                    <a:pt x="106" y="21"/>
+                    <a:pt x="102" y="16"/>
+                    <a:pt x="97" y="13"/>
+                  </a:cubicBezTo>
+                  <a:cubicBezTo>
+                    <a:pt x="95" y="15"/>
+                    <a:pt x="93" y="16"/>
+                    <a:pt x="90" y="16"/>
+                  </a:cubicBezTo>
+                  <a:cubicBezTo>
+                    <a:pt x="87" y="16"/>
+                    <a:pt x="84" y="15"/>
+                    <a:pt x="83" y="13"/>
+                  </a:cubicBezTo>
+                  <a:cubicBezTo>
+                    <a:pt x="78" y="16"/>
+                    <a:pt x="74" y="21"/>
+                    <a:pt x="74" y="26"/>
+                  </a:cubicBezTo>
+                  <a:cubicBezTo>
+                    <a:pt x="86" y="26"/>
+                    <a:pt x="86" y="26"/>
+                    <a:pt x="86" y="26"/>
+                  </a:cubicBezTo>
+                  <a:cubicBezTo>
+                    <a:pt x="88" y="31"/>
+                    <a:pt x="90" y="36"/>
+                    <a:pt x="90" y="42"/>
+                  </a:cubicBezTo>
+                  <a:cubicBezTo>
+                    <a:pt x="90" y="52"/>
+                    <a:pt x="85" y="61"/>
+                    <a:pt x="77" y="67"/>
+                  </a:cubicBezTo>
+                  <a:cubicBezTo>
+                    <a:pt x="76" y="65"/>
+                    <a:pt x="73" y="64"/>
+                    <a:pt x="71" y="63"/>
+                  </a:cubicBezTo>
+                  <a:cubicBezTo>
+                    <a:pt x="68" y="66"/>
+                    <a:pt x="65" y="68"/>
+                    <a:pt x="60" y="68"/>
+                  </a:cubicBezTo>
+                  <a:cubicBezTo>
+                    <a:pt x="56" y="68"/>
+                    <a:pt x="52" y="66"/>
+                    <a:pt x="49" y="63"/>
+                  </a:cubicBezTo>
+                  <a:cubicBezTo>
+                    <a:pt x="47" y="64"/>
+                    <a:pt x="45" y="65"/>
+                    <a:pt x="43" y="67"/>
+                  </a:cubicBezTo>
+                  <a:cubicBezTo>
+                    <a:pt x="35" y="61"/>
+                    <a:pt x="30" y="52"/>
+                    <a:pt x="30" y="41"/>
+                  </a:cubicBezTo>
+                  <a:cubicBezTo>
+                    <a:pt x="30" y="36"/>
+                    <a:pt x="31" y="31"/>
+                    <a:pt x="34" y="26"/>
+                  </a:cubicBezTo>
+                  <a:cubicBezTo>
+                    <a:pt x="64" y="26"/>
+                    <a:pt x="64" y="26"/>
+                    <a:pt x="64" y="26"/>
+                  </a:cubicBezTo>
+                  <a:cubicBezTo>
+                    <a:pt x="63" y="15"/>
+                    <a:pt x="56" y="5"/>
+                    <a:pt x="47" y="0"/>
+                  </a:cubicBezTo>
+                  <a:cubicBezTo>
+                    <a:pt x="43" y="4"/>
+                    <a:pt x="38" y="6"/>
+                    <a:pt x="32" y="6"/>
+                  </a:cubicBezTo>
+                  <a:cubicBezTo>
+                    <a:pt x="27" y="6"/>
+                    <a:pt x="22" y="4"/>
+                    <a:pt x="18" y="0"/>
+                  </a:cubicBezTo>
+                  <a:cubicBezTo>
+                    <a:pt x="8" y="5"/>
+                    <a:pt x="1" y="15"/>
+                    <a:pt x="0" y="26"/>
+                  </a:cubicBezTo>
+                  <a:cubicBezTo>
+                    <a:pt x="25" y="26"/>
+                    <a:pt x="25" y="26"/>
+                    <a:pt x="25" y="26"/>
+                  </a:cubicBezTo>
+                  <a:cubicBezTo>
+                    <a:pt x="23" y="31"/>
+                    <a:pt x="22" y="36"/>
+                    <a:pt x="22" y="41"/>
+                  </a:cubicBezTo>
+                  <a:cubicBezTo>
+                    <a:pt x="22" y="55"/>
+                    <a:pt x="28" y="67"/>
+                    <a:pt x="38" y="74"/>
+                  </a:cubicBezTo>
+                  <a:cubicBezTo>
+                    <a:pt x="37" y="77"/>
+                    <a:pt x="36" y="80"/>
+                    <a:pt x="35" y="83"/>
+                  </a:cubicBezTo>
+                  <a:cubicBezTo>
+                    <a:pt x="85" y="83"/>
+                    <a:pt x="85" y="83"/>
+                    <a:pt x="85" y="83"/>
+                  </a:cubicBezTo>
+                  <a:cubicBezTo>
+                    <a:pt x="85" y="80"/>
+                    <a:pt x="84" y="77"/>
+                    <a:pt x="82" y="74"/>
+                  </a:cubicBezTo>
+                  <a:cubicBezTo>
+                    <a:pt x="92" y="67"/>
+                    <a:pt x="98" y="55"/>
+                    <a:pt x="98" y="42"/>
+                  </a:cubicBezTo>
+                  <a:cubicBezTo>
+                    <a:pt x="98" y="36"/>
+                    <a:pt x="97" y="31"/>
+                    <a:pt x="95" y="26"/>
+                  </a:cubicBezTo>
+                  <a:lnTo>
+                    <a:pt x="106" y="26"/>
+                  </a:lnTo>
+                  <a:close/>
+                </a:path>
+              </a:pathLst>
+            </a:custGeom>
+            <a:grpFill/>
+            <a:ln>
+              <a:noFill/>
+            </a:ln>
+            <a:extLst>
+              <a:ext uri="{91240B29-F687-4F45-9708-019B960494DF}">
+                <a14:hiddenLine xmlns:a14="http://schemas.microsoft.com/office/drawing/2010/main" w="9525">
+                  <a:solidFill>
+                    <a:srgbClr val="000000"/>
+                  </a:solidFill>
+                  <a:round/>
+                  <a:headEnd/>
+                  <a:tailEnd/>
+                </a14:hiddenLine>
+              </a:ext>
+            </a:extLst>
+          </p:spPr>
+          <p:txBody>
+            <a:bodyPr vert="horz" wrap="square" lIns="91440" tIns="45720" rIns="91440" bIns="45720" numCol="1" anchor="t" anchorCtr="0" compatLnSpc="1">
+              <a:prstTxWarp prst="textNoShape">
+                <a:avLst/>
+              </a:prstTxWarp>
+            </a:bodyPr>
+            <a:lstStyle>
+              <a:defPPr>
+                <a:defRPr lang="en-US"/>
+              </a:defPPr>
+              <a:lvl1pPr marL="0" algn="l" defTabSz="914400" rtl="0" eaLnBrk="1" latinLnBrk="0" hangingPunct="1">
+                <a:defRPr sz="1800" kern="1200">
+                  <a:solidFill>
+                    <a:schemeClr val="tx1"/>
+                  </a:solidFill>
+                  <a:latin typeface="+mn-lt"/>
+                  <a:ea typeface="+mn-ea"/>
+                  <a:cs typeface="+mn-cs"/>
+                </a:defRPr>
+              </a:lvl1pPr>
+              <a:lvl2pPr marL="457200" algn="l" defTabSz="914400" rtl="0" eaLnBrk="1" latinLnBrk="0" hangingPunct="1">
+                <a:defRPr sz="1800" kern="1200">
+                  <a:solidFill>
+                    <a:schemeClr val="tx1"/>
+                  </a:solidFill>
+                  <a:latin typeface="+mn-lt"/>
+                  <a:ea typeface="+mn-ea"/>
+                  <a:cs typeface="+mn-cs"/>
+                </a:defRPr>
+              </a:lvl2pPr>
+              <a:lvl3pPr marL="914400" algn="l" defTabSz="914400" rtl="0" eaLnBrk="1" latinLnBrk="0" hangingPunct="1">
+                <a:defRPr sz="1800" kern="1200">
+                  <a:solidFill>
+                    <a:schemeClr val="tx1"/>
+                  </a:solidFill>
+                  <a:latin typeface="+mn-lt"/>
+                  <a:ea typeface="+mn-ea"/>
+                  <a:cs typeface="+mn-cs"/>
+                </a:defRPr>
+              </a:lvl3pPr>
+              <a:lvl4pPr marL="1371600" algn="l" defTabSz="914400" rtl="0" eaLnBrk="1" latinLnBrk="0" hangingPunct="1">
+                <a:defRPr sz="1800" kern="1200">
+                  <a:solidFill>
+                    <a:schemeClr val="tx1"/>
+                  </a:solidFill>
+                  <a:latin typeface="+mn-lt"/>
+                  <a:ea typeface="+mn-ea"/>
+                  <a:cs typeface="+mn-cs"/>
+                </a:defRPr>
+              </a:lvl4pPr>
+              <a:lvl5pPr marL="1828800" algn="l" defTabSz="914400" rtl="0" eaLnBrk="1" latinLnBrk="0" hangingPunct="1">
+                <a:defRPr sz="1800" kern="1200">
+                  <a:solidFill>
+                    <a:schemeClr val="tx1"/>
+                  </a:solidFill>
+                  <a:latin typeface="+mn-lt"/>
+                  <a:ea typeface="+mn-ea"/>
+                  <a:cs typeface="+mn-cs"/>
+                </a:defRPr>
+              </a:lvl5pPr>
+              <a:lvl6pPr marL="2286000" algn="l" defTabSz="914400" rtl="0" eaLnBrk="1" latinLnBrk="0" hangingPunct="1">
+                <a:defRPr sz="1800" kern="1200">
+                  <a:solidFill>
+                    <a:schemeClr val="tx1"/>
+                  </a:solidFill>
+                  <a:latin typeface="+mn-lt"/>
+                  <a:ea typeface="+mn-ea"/>
+                  <a:cs typeface="+mn-cs"/>
+                </a:defRPr>
+              </a:lvl6pPr>
+              <a:lvl7pPr marL="2743200" algn="l" defTabSz="914400" rtl="0" eaLnBrk="1" latinLnBrk="0" hangingPunct="1">
+                <a:defRPr sz="1800" kern="1200">
+                  <a:solidFill>
+                    <a:schemeClr val="tx1"/>
+                  </a:solidFill>
+                  <a:latin typeface="+mn-lt"/>
+                  <a:ea typeface="+mn-ea"/>
+                  <a:cs typeface="+mn-cs"/>
+                </a:defRPr>
+              </a:lvl7pPr>
+              <a:lvl8pPr marL="3200400" algn="l" defTabSz="914400" rtl="0" eaLnBrk="1" latinLnBrk="0" hangingPunct="1">
+                <a:defRPr sz="1800" kern="1200">
+                  <a:solidFill>
+                    <a:schemeClr val="tx1"/>
+                  </a:solidFill>
+                  <a:latin typeface="+mn-lt"/>
+                  <a:ea typeface="+mn-ea"/>
+                  <a:cs typeface="+mn-cs"/>
+                </a:defRPr>
+              </a:lvl8pPr>
+              <a:lvl9pPr marL="3657600" algn="l" defTabSz="914400" rtl="0" eaLnBrk="1" latinLnBrk="0" hangingPunct="1">
+                <a:defRPr sz="1800" kern="1200">
+                  <a:solidFill>
+                    <a:schemeClr val="tx1"/>
+                  </a:solidFill>
+                  <a:latin typeface="+mn-lt"/>
+                  <a:ea typeface="+mn-ea"/>
+                  <a:cs typeface="+mn-cs"/>
+                </a:defRPr>
+              </a:lvl9pPr>
+            </a:lstStyle>
+            <a:p>
+              <a:endParaRPr lang="en-GB"/>
+            </a:p>
+          </p:txBody>
+        </p:sp>
+        <p:sp>
+          <p:nvSpPr>
+            <p:cNvPr id="84" name="Oval 83"/>
+            <p:cNvSpPr>
+              <a:spLocks noChangeArrowheads="1"/>
+            </p:cNvSpPr>
+            <p:nvPr/>
+          </p:nvSpPr>
+          <p:spPr bwMode="auto">
+            <a:xfrm>
+              <a:off x="8543925" y="2008188"/>
+              <a:ext cx="42863" cy="42863"/>
+            </a:xfrm>
+            <a:prstGeom prst="ellipse">
+              <a:avLst/>
+            </a:prstGeom>
+            <a:grpFill/>
+            <a:ln>
+              <a:noFill/>
+            </a:ln>
+            <a:extLst>
+              <a:ext uri="{91240B29-F687-4F45-9708-019B960494DF}">
+                <a14:hiddenLine xmlns:a14="http://schemas.microsoft.com/office/drawing/2010/main" w="9525">
+                  <a:solidFill>
+                    <a:srgbClr val="000000"/>
+                  </a:solidFill>
+                  <a:round/>
+                  <a:headEnd/>
+                  <a:tailEnd/>
+                </a14:hiddenLine>
+              </a:ext>
+            </a:extLst>
+          </p:spPr>
+          <p:txBody>
+            <a:bodyPr vert="horz" wrap="square" lIns="91440" tIns="45720" rIns="91440" bIns="45720" numCol="1" anchor="t" anchorCtr="0" compatLnSpc="1">
+              <a:prstTxWarp prst="textNoShape">
+                <a:avLst/>
+              </a:prstTxWarp>
+            </a:bodyPr>
+            <a:lstStyle>
+              <a:defPPr>
+                <a:defRPr lang="en-US"/>
+              </a:defPPr>
+              <a:lvl1pPr marL="0" algn="l" defTabSz="914400" rtl="0" eaLnBrk="1" latinLnBrk="0" hangingPunct="1">
+                <a:defRPr sz="1800" kern="1200">
+                  <a:solidFill>
+                    <a:schemeClr val="tx1"/>
+                  </a:solidFill>
+                  <a:latin typeface="+mn-lt"/>
+                  <a:ea typeface="+mn-ea"/>
+                  <a:cs typeface="+mn-cs"/>
+                </a:defRPr>
+              </a:lvl1pPr>
+              <a:lvl2pPr marL="457200" algn="l" defTabSz="914400" rtl="0" eaLnBrk="1" latinLnBrk="0" hangingPunct="1">
+                <a:defRPr sz="1800" kern="1200">
+                  <a:solidFill>
+                    <a:schemeClr val="tx1"/>
+                  </a:solidFill>
+                  <a:latin typeface="+mn-lt"/>
+                  <a:ea typeface="+mn-ea"/>
+                  <a:cs typeface="+mn-cs"/>
+                </a:defRPr>
+              </a:lvl2pPr>
+              <a:lvl3pPr marL="914400" algn="l" defTabSz="914400" rtl="0" eaLnBrk="1" latinLnBrk="0" hangingPunct="1">
+                <a:defRPr sz="1800" kern="1200">
+                  <a:solidFill>
+                    <a:schemeClr val="tx1"/>
+                  </a:solidFill>
+                  <a:latin typeface="+mn-lt"/>
+                  <a:ea typeface="+mn-ea"/>
+                  <a:cs typeface="+mn-cs"/>
+                </a:defRPr>
+              </a:lvl3pPr>
+              <a:lvl4pPr marL="1371600" algn="l" defTabSz="914400" rtl="0" eaLnBrk="1" latinLnBrk="0" hangingPunct="1">
+                <a:defRPr sz="1800" kern="1200">
+                  <a:solidFill>
+                    <a:schemeClr val="tx1"/>
+                  </a:solidFill>
+                  <a:latin typeface="+mn-lt"/>
+                  <a:ea typeface="+mn-ea"/>
+                  <a:cs typeface="+mn-cs"/>
+                </a:defRPr>
+              </a:lvl4pPr>
+              <a:lvl5pPr marL="1828800" algn="l" defTabSz="914400" rtl="0" eaLnBrk="1" latinLnBrk="0" hangingPunct="1">
+                <a:defRPr sz="1800" kern="1200">
+                  <a:solidFill>
+                    <a:schemeClr val="tx1"/>
+                  </a:solidFill>
+                  <a:latin typeface="+mn-lt"/>
+                  <a:ea typeface="+mn-ea"/>
+                  <a:cs typeface="+mn-cs"/>
+                </a:defRPr>
+              </a:lvl5pPr>
+              <a:lvl6pPr marL="2286000" algn="l" defTabSz="914400" rtl="0" eaLnBrk="1" latinLnBrk="0" hangingPunct="1">
+                <a:defRPr sz="1800" kern="1200">
+                  <a:solidFill>
+                    <a:schemeClr val="tx1"/>
+                  </a:solidFill>
+                  <a:latin typeface="+mn-lt"/>
+                  <a:ea typeface="+mn-ea"/>
+                  <a:cs typeface="+mn-cs"/>
+                </a:defRPr>
+              </a:lvl6pPr>
+              <a:lvl7pPr marL="2743200" algn="l" defTabSz="914400" rtl="0" eaLnBrk="1" latinLnBrk="0" hangingPunct="1">
+                <a:defRPr sz="1800" kern="1200">
+                  <a:solidFill>
+                    <a:schemeClr val="tx1"/>
+                  </a:solidFill>
+                  <a:latin typeface="+mn-lt"/>
+                  <a:ea typeface="+mn-ea"/>
+                  <a:cs typeface="+mn-cs"/>
+                </a:defRPr>
+              </a:lvl7pPr>
+              <a:lvl8pPr marL="3200400" algn="l" defTabSz="914400" rtl="0" eaLnBrk="1" latinLnBrk="0" hangingPunct="1">
+                <a:defRPr sz="1800" kern="1200">
+                  <a:solidFill>
+                    <a:schemeClr val="tx1"/>
+                  </a:solidFill>
+                  <a:latin typeface="+mn-lt"/>
+                  <a:ea typeface="+mn-ea"/>
+                  <a:cs typeface="+mn-cs"/>
+                </a:defRPr>
+              </a:lvl8pPr>
+              <a:lvl9pPr marL="3657600" algn="l" defTabSz="914400" rtl="0" eaLnBrk="1" latinLnBrk="0" hangingPunct="1">
+                <a:defRPr sz="1800" kern="1200">
+                  <a:solidFill>
+                    <a:schemeClr val="tx1"/>
+                  </a:solidFill>
+                  <a:latin typeface="+mn-lt"/>
+                  <a:ea typeface="+mn-ea"/>
+                  <a:cs typeface="+mn-cs"/>
+                </a:defRPr>
+              </a:lvl9pPr>
+            </a:lstStyle>
+            <a:p>
+              <a:endParaRPr lang="en-GB"/>
+            </a:p>
+          </p:txBody>
+        </p:sp>
+        <p:sp>
+          <p:nvSpPr>
+            <p:cNvPr id="85" name="Oval 84"/>
+            <p:cNvSpPr>
+              <a:spLocks noChangeArrowheads="1"/>
+            </p:cNvSpPr>
+            <p:nvPr/>
+          </p:nvSpPr>
+          <p:spPr bwMode="auto">
+            <a:xfrm>
+              <a:off x="8366125" y="1933575"/>
+              <a:ext cx="84138" cy="85725"/>
+            </a:xfrm>
+            <a:prstGeom prst="ellipse">
+              <a:avLst/>
+            </a:prstGeom>
+            <a:grpFill/>
+            <a:ln>
+              <a:noFill/>
+            </a:ln>
+            <a:extLst>
+              <a:ext uri="{91240B29-F687-4F45-9708-019B960494DF}">
+                <a14:hiddenLine xmlns:a14="http://schemas.microsoft.com/office/drawing/2010/main" w="9525">
+                  <a:solidFill>
+                    <a:srgbClr val="000000"/>
+                  </a:solidFill>
+                  <a:round/>
+                  <a:headEnd/>
+                  <a:tailEnd/>
+                </a14:hiddenLine>
+              </a:ext>
+            </a:extLst>
+          </p:spPr>
+          <p:txBody>
+            <a:bodyPr vert="horz" wrap="square" lIns="91440" tIns="45720" rIns="91440" bIns="45720" numCol="1" anchor="t" anchorCtr="0" compatLnSpc="1">
+              <a:prstTxWarp prst="textNoShape">
+                <a:avLst/>
+              </a:prstTxWarp>
+            </a:bodyPr>
+            <a:lstStyle>
+              <a:defPPr>
+                <a:defRPr lang="en-US"/>
+              </a:defPPr>
+              <a:lvl1pPr marL="0" algn="l" defTabSz="914400" rtl="0" eaLnBrk="1" latinLnBrk="0" hangingPunct="1">
+                <a:defRPr sz="1800" kern="1200">
+                  <a:solidFill>
+                    <a:schemeClr val="tx1"/>
+                  </a:solidFill>
+                  <a:latin typeface="+mn-lt"/>
+                  <a:ea typeface="+mn-ea"/>
+                  <a:cs typeface="+mn-cs"/>
+                </a:defRPr>
+              </a:lvl1pPr>
+              <a:lvl2pPr marL="457200" algn="l" defTabSz="914400" rtl="0" eaLnBrk="1" latinLnBrk="0" hangingPunct="1">
+                <a:defRPr sz="1800" kern="1200">
+                  <a:solidFill>
+                    <a:schemeClr val="tx1"/>
+                  </a:solidFill>
+                  <a:latin typeface="+mn-lt"/>
+                  <a:ea typeface="+mn-ea"/>
+                  <a:cs typeface="+mn-cs"/>
+                </a:defRPr>
+              </a:lvl2pPr>
+              <a:lvl3pPr marL="914400" algn="l" defTabSz="914400" rtl="0" eaLnBrk="1" latinLnBrk="0" hangingPunct="1">
+                <a:defRPr sz="1800" kern="1200">
+                  <a:solidFill>
+                    <a:schemeClr val="tx1"/>
+                  </a:solidFill>
+                  <a:latin typeface="+mn-lt"/>
+                  <a:ea typeface="+mn-ea"/>
+                  <a:cs typeface="+mn-cs"/>
+                </a:defRPr>
+              </a:lvl3pPr>
+              <a:lvl4pPr marL="1371600" algn="l" defTabSz="914400" rtl="0" eaLnBrk="1" latinLnBrk="0" hangingPunct="1">
+                <a:defRPr sz="1800" kern="1200">
+                  <a:solidFill>
+                    <a:schemeClr val="tx1"/>
+                  </a:solidFill>
+                  <a:latin typeface="+mn-lt"/>
+                  <a:ea typeface="+mn-ea"/>
+                  <a:cs typeface="+mn-cs"/>
+                </a:defRPr>
+              </a:lvl4pPr>
+              <a:lvl5pPr marL="1828800" algn="l" defTabSz="914400" rtl="0" eaLnBrk="1" latinLnBrk="0" hangingPunct="1">
+                <a:defRPr sz="1800" kern="1200">
+                  <a:solidFill>
+                    <a:schemeClr val="tx1"/>
+                  </a:solidFill>
+                  <a:latin typeface="+mn-lt"/>
+                  <a:ea typeface="+mn-ea"/>
+                  <a:cs typeface="+mn-cs"/>
+                </a:defRPr>
+              </a:lvl5pPr>
+              <a:lvl6pPr marL="2286000" algn="l" defTabSz="914400" rtl="0" eaLnBrk="1" latinLnBrk="0" hangingPunct="1">
+                <a:defRPr sz="1800" kern="1200">
+                  <a:solidFill>
+                    <a:schemeClr val="tx1"/>
+                  </a:solidFill>
+                  <a:latin typeface="+mn-lt"/>
+                  <a:ea typeface="+mn-ea"/>
+                  <a:cs typeface="+mn-cs"/>
+                </a:defRPr>
+              </a:lvl6pPr>
+              <a:lvl7pPr marL="2743200" algn="l" defTabSz="914400" rtl="0" eaLnBrk="1" latinLnBrk="0" hangingPunct="1">
+                <a:defRPr sz="1800" kern="1200">
+                  <a:solidFill>
+                    <a:schemeClr val="tx1"/>
+                  </a:solidFill>
+                  <a:latin typeface="+mn-lt"/>
+                  <a:ea typeface="+mn-ea"/>
+                  <a:cs typeface="+mn-cs"/>
+                </a:defRPr>
+              </a:lvl7pPr>
+              <a:lvl8pPr marL="3200400" algn="l" defTabSz="914400" rtl="0" eaLnBrk="1" latinLnBrk="0" hangingPunct="1">
+                <a:defRPr sz="1800" kern="1200">
+                  <a:solidFill>
+                    <a:schemeClr val="tx1"/>
+                  </a:solidFill>
+                  <a:latin typeface="+mn-lt"/>
+                  <a:ea typeface="+mn-ea"/>
+                  <a:cs typeface="+mn-cs"/>
+                </a:defRPr>
+              </a:lvl8pPr>
+              <a:lvl9pPr marL="3657600" algn="l" defTabSz="914400" rtl="0" eaLnBrk="1" latinLnBrk="0" hangingPunct="1">
+                <a:defRPr sz="1800" kern="1200">
+                  <a:solidFill>
+                    <a:schemeClr val="tx1"/>
+                  </a:solidFill>
+                  <a:latin typeface="+mn-lt"/>
+                  <a:ea typeface="+mn-ea"/>
+                  <a:cs typeface="+mn-cs"/>
+                </a:defRPr>
+              </a:lvl9pPr>
+            </a:lstStyle>
+            <a:p>
+              <a:endParaRPr lang="en-GB"/>
+            </a:p>
+          </p:txBody>
+        </p:sp>
+      </p:grpSp>
+      <p:sp>
+        <p:nvSpPr>
+          <p:cNvPr id="81" name="Rectangle 80"/>
+          <p:cNvSpPr/>
+          <p:nvPr/>
+        </p:nvSpPr>
+        <p:spPr>
+          <a:xfrm>
+            <a:off x="1472550" y="5696102"/>
+            <a:ext cx="2346385" cy="646331"/>
+          </a:xfrm>
+          <a:prstGeom prst="rect">
+            <a:avLst/>
+          </a:prstGeom>
+        </p:spPr>
+        <p:txBody>
+          <a:bodyPr wrap="square">
+            <a:spAutoFit/>
+          </a:bodyPr>
+          <a:lstStyle>
+            <a:defPPr>
+              <a:defRPr lang="en-US"/>
+            </a:defPPr>
+            <a:lvl1pPr marL="0" algn="l" defTabSz="914400" rtl="0" eaLnBrk="1" latinLnBrk="0" hangingPunct="1">
+              <a:defRPr sz="1800" kern="1200">
+                <a:solidFill>
+                  <a:schemeClr val="tx1"/>
+                </a:solidFill>
+                <a:latin typeface="+mn-lt"/>
+                <a:ea typeface="+mn-ea"/>
+                <a:cs typeface="+mn-cs"/>
+              </a:defRPr>
+            </a:lvl1pPr>
+            <a:lvl2pPr marL="457200" algn="l" defTabSz="914400" rtl="0" eaLnBrk="1" latinLnBrk="0" hangingPunct="1">
+              <a:defRPr sz="1800" kern="1200">
+                <a:solidFill>
+                  <a:schemeClr val="tx1"/>
+                </a:solidFill>
+                <a:latin typeface="+mn-lt"/>
+                <a:ea typeface="+mn-ea"/>
+                <a:cs typeface="+mn-cs"/>
+              </a:defRPr>
+            </a:lvl2pPr>
+            <a:lvl3pPr marL="914400" algn="l" defTabSz="914400" rtl="0" eaLnBrk="1" latinLnBrk="0" hangingPunct="1">
+              <a:defRPr sz="1800" kern="1200">
+                <a:solidFill>
+                  <a:schemeClr val="tx1"/>
+                </a:solidFill>
+                <a:latin typeface="+mn-lt"/>
+                <a:ea typeface="+mn-ea"/>
+                <a:cs typeface="+mn-cs"/>
+              </a:defRPr>
+            </a:lvl3pPr>
+            <a:lvl4pPr marL="1371600" algn="l" defTabSz="914400" rtl="0" eaLnBrk="1" latinLnBrk="0" hangingPunct="1">
+              <a:defRPr sz="1800" kern="1200">
+                <a:solidFill>
+                  <a:schemeClr val="tx1"/>
+                </a:solidFill>
+                <a:latin typeface="+mn-lt"/>
+                <a:ea typeface="+mn-ea"/>
+                <a:cs typeface="+mn-cs"/>
+              </a:defRPr>
+            </a:lvl4pPr>
+            <a:lvl5pPr marL="1828800" algn="l" defTabSz="914400" rtl="0" eaLnBrk="1" latinLnBrk="0" hangingPunct="1">
+              <a:defRPr sz="1800" kern="1200">
+                <a:solidFill>
+                  <a:schemeClr val="tx1"/>
+                </a:solidFill>
+                <a:latin typeface="+mn-lt"/>
+                <a:ea typeface="+mn-ea"/>
+                <a:cs typeface="+mn-cs"/>
+              </a:defRPr>
+            </a:lvl5pPr>
+            <a:lvl6pPr marL="2286000" algn="l" defTabSz="914400" rtl="0" eaLnBrk="1" latinLnBrk="0" hangingPunct="1">
+              <a:defRPr sz="1800" kern="1200">
+                <a:solidFill>
+                  <a:schemeClr val="tx1"/>
+                </a:solidFill>
+                <a:latin typeface="+mn-lt"/>
+                <a:ea typeface="+mn-ea"/>
+                <a:cs typeface="+mn-cs"/>
+              </a:defRPr>
+            </a:lvl6pPr>
+            <a:lvl7pPr marL="2743200" algn="l" defTabSz="914400" rtl="0" eaLnBrk="1" latinLnBrk="0" hangingPunct="1">
+              <a:defRPr sz="1800" kern="1200">
+                <a:solidFill>
+                  <a:schemeClr val="tx1"/>
+                </a:solidFill>
+                <a:latin typeface="+mn-lt"/>
+                <a:ea typeface="+mn-ea"/>
+                <a:cs typeface="+mn-cs"/>
+              </a:defRPr>
+            </a:lvl7pPr>
+            <a:lvl8pPr marL="3200400" algn="l" defTabSz="914400" rtl="0" eaLnBrk="1" latinLnBrk="0" hangingPunct="1">
+              <a:defRPr sz="1800" kern="1200">
+                <a:solidFill>
+                  <a:schemeClr val="tx1"/>
+                </a:solidFill>
+                <a:latin typeface="+mn-lt"/>
+                <a:ea typeface="+mn-ea"/>
+                <a:cs typeface="+mn-cs"/>
+              </a:defRPr>
+            </a:lvl8pPr>
+            <a:lvl9pPr marL="3657600" algn="l" defTabSz="914400" rtl="0" eaLnBrk="1" latinLnBrk="0" hangingPunct="1">
+              <a:defRPr sz="1800" kern="1200">
+                <a:solidFill>
+                  <a:schemeClr val="tx1"/>
+                </a:solidFill>
+                <a:latin typeface="+mn-lt"/>
+                <a:ea typeface="+mn-ea"/>
+                <a:cs typeface="+mn-cs"/>
+              </a:defRPr>
+            </a:lvl9pPr>
+          </a:lstStyle>
+          <a:p>
+            <a:pPr marL="171450" indent="-171450">
+              <a:lnSpc>
+                <a:spcPct val="150000"/>
+              </a:lnSpc>
+              <a:buFont typeface="Arial" panose="020B0604020202020204" pitchFamily="34" charset="0"/>
+              <a:buChar char="•"/>
+            </a:pPr>
+            <a:r>
+              <a:rPr lang="en-IN" sz="1200" dirty="0" smtClean="0">
+                <a:ea typeface="Open Sans Light" panose="020B0306030504020204" pitchFamily="34" charset="0"/>
+                <a:cs typeface="Open Sans Light" panose="020B0306030504020204" pitchFamily="34" charset="0"/>
+              </a:rPr>
+              <a:t>Implementation of DR in APIs.</a:t>
+            </a:r>
+            <a:endParaRPr lang="en-GB" sz="1200" dirty="0">
+              <a:ea typeface="Open Sans Light" panose="020B0306030504020204" pitchFamily="34" charset="0"/>
+              <a:cs typeface="Open Sans Light" panose="020B0306030504020204" pitchFamily="34" charset="0"/>
+            </a:endParaRPr>
+          </a:p>
+        </p:txBody>
+      </p:sp>
+      <p:sp>
+        <p:nvSpPr>
+          <p:cNvPr id="86" name="TextBox 185"/>
+          <p:cNvSpPr txBox="1"/>
+          <p:nvPr/>
+        </p:nvSpPr>
+        <p:spPr>
+          <a:xfrm>
+            <a:off x="1464442" y="5357548"/>
+            <a:ext cx="2619125" cy="338554"/>
+          </a:xfrm>
+          <a:prstGeom prst="rect">
+            <a:avLst/>
+          </a:prstGeom>
+          <a:noFill/>
+        </p:spPr>
+        <p:txBody>
+          <a:bodyPr wrap="square" rtlCol="0">
+            <a:spAutoFit/>
+          </a:bodyPr>
+          <a:lstStyle>
+            <a:defPPr>
+              <a:defRPr lang="en-US"/>
+            </a:defPPr>
+            <a:lvl1pPr marL="0" algn="l" defTabSz="914400" rtl="0" eaLnBrk="1" latinLnBrk="0" hangingPunct="1">
+              <a:defRPr sz="1800" kern="1200">
+                <a:solidFill>
+                  <a:schemeClr val="tx1"/>
+                </a:solidFill>
+                <a:latin typeface="+mn-lt"/>
+                <a:ea typeface="+mn-ea"/>
+                <a:cs typeface="+mn-cs"/>
+              </a:defRPr>
+            </a:lvl1pPr>
+            <a:lvl2pPr marL="457200" algn="l" defTabSz="914400" rtl="0" eaLnBrk="1" latinLnBrk="0" hangingPunct="1">
+              <a:defRPr sz="1800" kern="1200">
+                <a:solidFill>
+                  <a:schemeClr val="tx1"/>
+                </a:solidFill>
+                <a:latin typeface="+mn-lt"/>
+                <a:ea typeface="+mn-ea"/>
+                <a:cs typeface="+mn-cs"/>
+              </a:defRPr>
+            </a:lvl2pPr>
+            <a:lvl3pPr marL="914400" algn="l" defTabSz="914400" rtl="0" eaLnBrk="1" latinLnBrk="0" hangingPunct="1">
+              <a:defRPr sz="1800" kern="1200">
+                <a:solidFill>
+                  <a:schemeClr val="tx1"/>
+                </a:solidFill>
+                <a:latin typeface="+mn-lt"/>
+                <a:ea typeface="+mn-ea"/>
+                <a:cs typeface="+mn-cs"/>
+              </a:defRPr>
+            </a:lvl3pPr>
+            <a:lvl4pPr marL="1371600" algn="l" defTabSz="914400" rtl="0" eaLnBrk="1" latinLnBrk="0" hangingPunct="1">
+              <a:defRPr sz="1800" kern="1200">
+                <a:solidFill>
+                  <a:schemeClr val="tx1"/>
+                </a:solidFill>
+                <a:latin typeface="+mn-lt"/>
+                <a:ea typeface="+mn-ea"/>
+                <a:cs typeface="+mn-cs"/>
+              </a:defRPr>
+            </a:lvl4pPr>
+            <a:lvl5pPr marL="1828800" algn="l" defTabSz="914400" rtl="0" eaLnBrk="1" latinLnBrk="0" hangingPunct="1">
+              <a:defRPr sz="1800" kern="1200">
+                <a:solidFill>
+                  <a:schemeClr val="tx1"/>
+                </a:solidFill>
+                <a:latin typeface="+mn-lt"/>
+                <a:ea typeface="+mn-ea"/>
+                <a:cs typeface="+mn-cs"/>
+              </a:defRPr>
+            </a:lvl5pPr>
+            <a:lvl6pPr marL="2286000" algn="l" defTabSz="914400" rtl="0" eaLnBrk="1" latinLnBrk="0" hangingPunct="1">
+              <a:defRPr sz="1800" kern="1200">
+                <a:solidFill>
+                  <a:schemeClr val="tx1"/>
+                </a:solidFill>
+                <a:latin typeface="+mn-lt"/>
+                <a:ea typeface="+mn-ea"/>
+                <a:cs typeface="+mn-cs"/>
+              </a:defRPr>
+            </a:lvl6pPr>
+            <a:lvl7pPr marL="2743200" algn="l" defTabSz="914400" rtl="0" eaLnBrk="1" latinLnBrk="0" hangingPunct="1">
+              <a:defRPr sz="1800" kern="1200">
+                <a:solidFill>
+                  <a:schemeClr val="tx1"/>
+                </a:solidFill>
+                <a:latin typeface="+mn-lt"/>
+                <a:ea typeface="+mn-ea"/>
+                <a:cs typeface="+mn-cs"/>
+              </a:defRPr>
+            </a:lvl7pPr>
+            <a:lvl8pPr marL="3200400" algn="l" defTabSz="914400" rtl="0" eaLnBrk="1" latinLnBrk="0" hangingPunct="1">
+              <a:defRPr sz="1800" kern="1200">
+                <a:solidFill>
+                  <a:schemeClr val="tx1"/>
+                </a:solidFill>
+                <a:latin typeface="+mn-lt"/>
+                <a:ea typeface="+mn-ea"/>
+                <a:cs typeface="+mn-cs"/>
+              </a:defRPr>
+            </a:lvl8pPr>
+            <a:lvl9pPr marL="3657600" algn="l" defTabSz="914400" rtl="0" eaLnBrk="1" latinLnBrk="0" hangingPunct="1">
+              <a:defRPr sz="1800" kern="1200">
+                <a:solidFill>
+                  <a:schemeClr val="tx1"/>
+                </a:solidFill>
+                <a:latin typeface="+mn-lt"/>
+                <a:ea typeface="+mn-ea"/>
+                <a:cs typeface="+mn-cs"/>
+              </a:defRPr>
+            </a:lvl9pPr>
+          </a:lstStyle>
+          <a:p>
+            <a:r>
+              <a:rPr lang="en-GB" sz="1600" b="1" dirty="0" smtClean="0">
+                <a:latin typeface="+mj-lt"/>
+                <a:ea typeface="Roboto" pitchFamily="2" charset="0"/>
+              </a:rPr>
+              <a:t>DR Implementation </a:t>
+            </a:r>
+            <a:endParaRPr lang="en-GB" sz="1600" b="1" dirty="0">
+              <a:latin typeface="+mj-lt"/>
+              <a:ea typeface="Roboto" pitchFamily="2" charset="0"/>
+            </a:endParaRPr>
+          </a:p>
+        </p:txBody>
+      </p:sp>
+      <p:grpSp>
+        <p:nvGrpSpPr>
+          <p:cNvPr id="180" name="Group 179"/>
+          <p:cNvGrpSpPr/>
+          <p:nvPr/>
+        </p:nvGrpSpPr>
+        <p:grpSpPr>
+          <a:xfrm>
+            <a:off x="5181967" y="2734228"/>
+            <a:ext cx="230387" cy="259288"/>
+            <a:chOff x="5907088" y="3236913"/>
+            <a:chExt cx="384176" cy="384176"/>
+          </a:xfrm>
+          <a:solidFill>
+            <a:schemeClr val="bg2"/>
+          </a:solidFill>
+        </p:grpSpPr>
+        <p:sp>
+          <p:nvSpPr>
+            <p:cNvPr id="185" name="Freeform 50"/>
+            <p:cNvSpPr>
+              <a:spLocks noEditPoints="1"/>
+            </p:cNvSpPr>
+            <p:nvPr/>
+          </p:nvSpPr>
+          <p:spPr bwMode="auto">
+            <a:xfrm>
+              <a:off x="6003926" y="3330576"/>
+              <a:ext cx="187325" cy="290513"/>
+            </a:xfrm>
+            <a:custGeom>
+              <a:avLst/>
+              <a:gdLst>
+                <a:gd name="T0" fmla="*/ 61 w 67"/>
+                <a:gd name="T1" fmla="*/ 15 h 105"/>
+                <a:gd name="T2" fmla="*/ 34 w 67"/>
+                <a:gd name="T3" fmla="*/ 0 h 105"/>
+                <a:gd name="T4" fmla="*/ 7 w 67"/>
+                <a:gd name="T5" fmla="*/ 15 h 105"/>
+                <a:gd name="T6" fmla="*/ 1 w 67"/>
+                <a:gd name="T7" fmla="*/ 40 h 105"/>
+                <a:gd name="T8" fmla="*/ 11 w 67"/>
+                <a:gd name="T9" fmla="*/ 61 h 105"/>
+                <a:gd name="T10" fmla="*/ 11 w 67"/>
+                <a:gd name="T11" fmla="*/ 61 h 105"/>
+                <a:gd name="T12" fmla="*/ 16 w 67"/>
+                <a:gd name="T13" fmla="*/ 78 h 105"/>
+                <a:gd name="T14" fmla="*/ 19 w 67"/>
+                <a:gd name="T15" fmla="*/ 101 h 105"/>
+                <a:gd name="T16" fmla="*/ 21 w 67"/>
+                <a:gd name="T17" fmla="*/ 102 h 105"/>
+                <a:gd name="T18" fmla="*/ 33 w 67"/>
+                <a:gd name="T19" fmla="*/ 105 h 105"/>
+                <a:gd name="T20" fmla="*/ 47 w 67"/>
+                <a:gd name="T21" fmla="*/ 102 h 105"/>
+                <a:gd name="T22" fmla="*/ 51 w 67"/>
+                <a:gd name="T23" fmla="*/ 93 h 105"/>
+                <a:gd name="T24" fmla="*/ 53 w 67"/>
+                <a:gd name="T25" fmla="*/ 71 h 105"/>
+                <a:gd name="T26" fmla="*/ 57 w 67"/>
+                <a:gd name="T27" fmla="*/ 61 h 105"/>
+                <a:gd name="T28" fmla="*/ 63 w 67"/>
+                <a:gd name="T29" fmla="*/ 51 h 105"/>
+                <a:gd name="T30" fmla="*/ 66 w 67"/>
+                <a:gd name="T31" fmla="*/ 29 h 105"/>
+                <a:gd name="T32" fmla="*/ 23 w 67"/>
+                <a:gd name="T33" fmla="*/ 30 h 105"/>
+                <a:gd name="T34" fmla="*/ 22 w 67"/>
+                <a:gd name="T35" fmla="*/ 30 h 105"/>
+                <a:gd name="T36" fmla="*/ 26 w 67"/>
+                <a:gd name="T37" fmla="*/ 29 h 105"/>
+                <a:gd name="T38" fmla="*/ 29 w 67"/>
+                <a:gd name="T39" fmla="*/ 28 h 105"/>
+                <a:gd name="T40" fmla="*/ 33 w 67"/>
+                <a:gd name="T41" fmla="*/ 29 h 105"/>
+                <a:gd name="T42" fmla="*/ 34 w 67"/>
+                <a:gd name="T43" fmla="*/ 27 h 105"/>
+                <a:gd name="T44" fmla="*/ 36 w 67"/>
+                <a:gd name="T45" fmla="*/ 31 h 105"/>
+                <a:gd name="T46" fmla="*/ 37 w 67"/>
+                <a:gd name="T47" fmla="*/ 31 h 105"/>
+                <a:gd name="T48" fmla="*/ 42 w 67"/>
+                <a:gd name="T49" fmla="*/ 28 h 105"/>
+                <a:gd name="T50" fmla="*/ 33 w 67"/>
+                <a:gd name="T51" fmla="*/ 56 h 105"/>
+                <a:gd name="T52" fmla="*/ 25 w 67"/>
+                <a:gd name="T53" fmla="*/ 29 h 105"/>
+                <a:gd name="T54" fmla="*/ 37 w 67"/>
+                <a:gd name="T55" fmla="*/ 27 h 105"/>
+                <a:gd name="T56" fmla="*/ 38 w 67"/>
+                <a:gd name="T57" fmla="*/ 28 h 105"/>
+                <a:gd name="T58" fmla="*/ 46 w 67"/>
+                <a:gd name="T59" fmla="*/ 66 h 105"/>
+                <a:gd name="T60" fmla="*/ 45 w 67"/>
+                <a:gd name="T61" fmla="*/ 71 h 105"/>
+                <a:gd name="T62" fmla="*/ 44 w 67"/>
+                <a:gd name="T63" fmla="*/ 75 h 105"/>
+                <a:gd name="T64" fmla="*/ 37 w 67"/>
+                <a:gd name="T65" fmla="*/ 77 h 105"/>
+                <a:gd name="T66" fmla="*/ 36 w 67"/>
+                <a:gd name="T67" fmla="*/ 58 h 105"/>
+                <a:gd name="T68" fmla="*/ 45 w 67"/>
+                <a:gd name="T69" fmla="*/ 29 h 105"/>
+                <a:gd name="T70" fmla="*/ 41 w 67"/>
+                <a:gd name="T71" fmla="*/ 26 h 105"/>
+                <a:gd name="T72" fmla="*/ 36 w 67"/>
+                <a:gd name="T73" fmla="*/ 26 h 105"/>
+                <a:gd name="T74" fmla="*/ 30 w 67"/>
+                <a:gd name="T75" fmla="*/ 26 h 105"/>
+                <a:gd name="T76" fmla="*/ 25 w 67"/>
+                <a:gd name="T77" fmla="*/ 27 h 105"/>
+                <a:gd name="T78" fmla="*/ 20 w 67"/>
+                <a:gd name="T79" fmla="*/ 30 h 105"/>
+                <a:gd name="T80" fmla="*/ 31 w 67"/>
+                <a:gd name="T81" fmla="*/ 58 h 105"/>
+                <a:gd name="T82" fmla="*/ 31 w 67"/>
+                <a:gd name="T83" fmla="*/ 77 h 105"/>
+                <a:gd name="T84" fmla="*/ 24 w 67"/>
+                <a:gd name="T85" fmla="*/ 76 h 105"/>
+                <a:gd name="T86" fmla="*/ 22 w 67"/>
+                <a:gd name="T87" fmla="*/ 71 h 105"/>
+                <a:gd name="T88" fmla="*/ 22 w 67"/>
+                <a:gd name="T89" fmla="*/ 71 h 105"/>
+                <a:gd name="T90" fmla="*/ 17 w 67"/>
+                <a:gd name="T91" fmla="*/ 57 h 105"/>
+                <a:gd name="T92" fmla="*/ 9 w 67"/>
+                <a:gd name="T93" fmla="*/ 30 h 105"/>
+                <a:gd name="T94" fmla="*/ 9 w 67"/>
+                <a:gd name="T95" fmla="*/ 30 h 105"/>
+                <a:gd name="T96" fmla="*/ 34 w 67"/>
+                <a:gd name="T97" fmla="*/ 8 h 105"/>
+                <a:gd name="T98" fmla="*/ 34 w 67"/>
+                <a:gd name="T99" fmla="*/ 8 h 105"/>
+                <a:gd name="T100" fmla="*/ 34 w 67"/>
+                <a:gd name="T101" fmla="*/ 8 h 105"/>
+                <a:gd name="T102" fmla="*/ 59 w 67"/>
+                <a:gd name="T103" fmla="*/ 30 h 105"/>
+                <a:gd name="T104" fmla="*/ 51 w 67"/>
+                <a:gd name="T105" fmla="*/ 57 h 105"/>
+              </a:gdLst>
+              <a:ahLst/>
+              <a:cxnLst>
+                <a:cxn ang="0">
+                  <a:pos x="T0" y="T1"/>
+                </a:cxn>
+                <a:cxn ang="0">
+                  <a:pos x="T2" y="T3"/>
+                </a:cxn>
+                <a:cxn ang="0">
+                  <a:pos x="T4" y="T5"/>
+                </a:cxn>
+                <a:cxn ang="0">
+                  <a:pos x="T6" y="T7"/>
+                </a:cxn>
+                <a:cxn ang="0">
+                  <a:pos x="T8" y="T9"/>
+                </a:cxn>
+                <a:cxn ang="0">
+                  <a:pos x="T10" y="T11"/>
+                </a:cxn>
+                <a:cxn ang="0">
+                  <a:pos x="T12" y="T13"/>
+                </a:cxn>
+                <a:cxn ang="0">
+                  <a:pos x="T14" y="T15"/>
+                </a:cxn>
+                <a:cxn ang="0">
+                  <a:pos x="T16" y="T17"/>
+                </a:cxn>
+                <a:cxn ang="0">
+                  <a:pos x="T18" y="T19"/>
+                </a:cxn>
+                <a:cxn ang="0">
+                  <a:pos x="T20" y="T21"/>
+                </a:cxn>
+                <a:cxn ang="0">
+                  <a:pos x="T22" y="T23"/>
+                </a:cxn>
+                <a:cxn ang="0">
+                  <a:pos x="T24" y="T25"/>
+                </a:cxn>
+                <a:cxn ang="0">
+                  <a:pos x="T26" y="T27"/>
+                </a:cxn>
+                <a:cxn ang="0">
+                  <a:pos x="T28" y="T29"/>
+                </a:cxn>
+                <a:cxn ang="0">
+                  <a:pos x="T30" y="T31"/>
+                </a:cxn>
+                <a:cxn ang="0">
+                  <a:pos x="T32" y="T33"/>
+                </a:cxn>
+                <a:cxn ang="0">
+                  <a:pos x="T34" y="T35"/>
+                </a:cxn>
+                <a:cxn ang="0">
+                  <a:pos x="T36" y="T37"/>
+                </a:cxn>
+                <a:cxn ang="0">
+                  <a:pos x="T38" y="T39"/>
+                </a:cxn>
+                <a:cxn ang="0">
+                  <a:pos x="T40" y="T41"/>
+                </a:cxn>
+                <a:cxn ang="0">
+                  <a:pos x="T42" y="T43"/>
+                </a:cxn>
+                <a:cxn ang="0">
+                  <a:pos x="T44" y="T45"/>
+                </a:cxn>
+                <a:cxn ang="0">
+                  <a:pos x="T46" y="T47"/>
+                </a:cxn>
+                <a:cxn ang="0">
+                  <a:pos x="T48" y="T49"/>
+                </a:cxn>
+                <a:cxn ang="0">
+                  <a:pos x="T50" y="T51"/>
+                </a:cxn>
+                <a:cxn ang="0">
+                  <a:pos x="T52" y="T53"/>
+                </a:cxn>
+                <a:cxn ang="0">
+                  <a:pos x="T54" y="T55"/>
+                </a:cxn>
+                <a:cxn ang="0">
+                  <a:pos x="T56" y="T57"/>
+                </a:cxn>
+                <a:cxn ang="0">
+                  <a:pos x="T58" y="T59"/>
+                </a:cxn>
+                <a:cxn ang="0">
+                  <a:pos x="T60" y="T61"/>
+                </a:cxn>
+                <a:cxn ang="0">
+                  <a:pos x="T62" y="T63"/>
+                </a:cxn>
+                <a:cxn ang="0">
+                  <a:pos x="T64" y="T65"/>
+                </a:cxn>
+                <a:cxn ang="0">
+                  <a:pos x="T66" y="T67"/>
+                </a:cxn>
+                <a:cxn ang="0">
+                  <a:pos x="T68" y="T69"/>
+                </a:cxn>
+                <a:cxn ang="0">
+                  <a:pos x="T70" y="T71"/>
+                </a:cxn>
+                <a:cxn ang="0">
+                  <a:pos x="T72" y="T73"/>
+                </a:cxn>
+                <a:cxn ang="0">
+                  <a:pos x="T74" y="T75"/>
+                </a:cxn>
+                <a:cxn ang="0">
+                  <a:pos x="T76" y="T77"/>
+                </a:cxn>
+                <a:cxn ang="0">
+                  <a:pos x="T78" y="T79"/>
+                </a:cxn>
+                <a:cxn ang="0">
+                  <a:pos x="T80" y="T81"/>
+                </a:cxn>
+                <a:cxn ang="0">
+                  <a:pos x="T82" y="T83"/>
+                </a:cxn>
+                <a:cxn ang="0">
+                  <a:pos x="T84" y="T85"/>
+                </a:cxn>
+                <a:cxn ang="0">
+                  <a:pos x="T86" y="T87"/>
+                </a:cxn>
+                <a:cxn ang="0">
+                  <a:pos x="T88" y="T89"/>
+                </a:cxn>
+                <a:cxn ang="0">
+                  <a:pos x="T90" y="T91"/>
+                </a:cxn>
+                <a:cxn ang="0">
+                  <a:pos x="T92" y="T93"/>
+                </a:cxn>
+                <a:cxn ang="0">
+                  <a:pos x="T94" y="T95"/>
+                </a:cxn>
+                <a:cxn ang="0">
+                  <a:pos x="T96" y="T97"/>
+                </a:cxn>
+                <a:cxn ang="0">
+                  <a:pos x="T98" y="T99"/>
+                </a:cxn>
+                <a:cxn ang="0">
+                  <a:pos x="T100" y="T101"/>
+                </a:cxn>
+                <a:cxn ang="0">
+                  <a:pos x="T102" y="T103"/>
+                </a:cxn>
+                <a:cxn ang="0">
+                  <a:pos x="T104" y="T105"/>
+                </a:cxn>
+              </a:cxnLst>
+              <a:rect l="0" t="0" r="r" b="b"/>
+              <a:pathLst>
+                <a:path w="67" h="105">
+                  <a:moveTo>
+                    <a:pt x="66" y="29"/>
+                  </a:moveTo>
+                  <a:cubicBezTo>
+                    <a:pt x="66" y="28"/>
+                    <a:pt x="65" y="21"/>
+                    <a:pt x="61" y="15"/>
+                  </a:cubicBezTo>
+                  <a:cubicBezTo>
+                    <a:pt x="57" y="8"/>
+                    <a:pt x="48" y="0"/>
+                    <a:pt x="34" y="0"/>
+                  </a:cubicBezTo>
+                  <a:cubicBezTo>
+                    <a:pt x="34" y="0"/>
+                    <a:pt x="34" y="0"/>
+                    <a:pt x="34" y="0"/>
+                  </a:cubicBezTo>
+                  <a:cubicBezTo>
+                    <a:pt x="34" y="0"/>
+                    <a:pt x="34" y="0"/>
+                    <a:pt x="34" y="0"/>
+                  </a:cubicBezTo>
+                  <a:cubicBezTo>
+                    <a:pt x="19" y="0"/>
+                    <a:pt x="11" y="8"/>
+                    <a:pt x="7" y="15"/>
+                  </a:cubicBezTo>
+                  <a:cubicBezTo>
+                    <a:pt x="2" y="21"/>
+                    <a:pt x="1" y="28"/>
+                    <a:pt x="1" y="29"/>
+                  </a:cubicBezTo>
+                  <a:cubicBezTo>
+                    <a:pt x="0" y="32"/>
+                    <a:pt x="1" y="36"/>
+                    <a:pt x="1" y="40"/>
+                  </a:cubicBezTo>
+                  <a:cubicBezTo>
+                    <a:pt x="2" y="43"/>
+                    <a:pt x="3" y="47"/>
+                    <a:pt x="5" y="51"/>
+                  </a:cubicBezTo>
+                  <a:cubicBezTo>
+                    <a:pt x="8" y="57"/>
+                    <a:pt x="11" y="61"/>
+                    <a:pt x="11" y="61"/>
+                  </a:cubicBezTo>
+                  <a:cubicBezTo>
+                    <a:pt x="11" y="61"/>
+                    <a:pt x="11" y="61"/>
+                    <a:pt x="11" y="61"/>
+                  </a:cubicBezTo>
+                  <a:cubicBezTo>
+                    <a:pt x="11" y="61"/>
+                    <a:pt x="11" y="61"/>
+                    <a:pt x="11" y="61"/>
+                  </a:cubicBezTo>
+                  <a:cubicBezTo>
+                    <a:pt x="13" y="64"/>
+                    <a:pt x="14" y="69"/>
+                    <a:pt x="14" y="71"/>
+                  </a:cubicBezTo>
+                  <a:cubicBezTo>
+                    <a:pt x="14" y="74"/>
+                    <a:pt x="15" y="77"/>
+                    <a:pt x="16" y="78"/>
+                  </a:cubicBezTo>
+                  <a:cubicBezTo>
+                    <a:pt x="16" y="84"/>
+                    <a:pt x="16" y="90"/>
+                    <a:pt x="17" y="94"/>
+                  </a:cubicBezTo>
+                  <a:cubicBezTo>
+                    <a:pt x="17" y="97"/>
+                    <a:pt x="18" y="99"/>
+                    <a:pt x="19" y="101"/>
+                  </a:cubicBezTo>
+                  <a:cubicBezTo>
+                    <a:pt x="20" y="102"/>
+                    <a:pt x="20" y="102"/>
+                    <a:pt x="20" y="102"/>
+                  </a:cubicBezTo>
+                  <a:cubicBezTo>
+                    <a:pt x="21" y="102"/>
+                    <a:pt x="21" y="102"/>
+                    <a:pt x="21" y="102"/>
+                  </a:cubicBezTo>
+                  <a:cubicBezTo>
+                    <a:pt x="23" y="103"/>
+                    <a:pt x="27" y="105"/>
+                    <a:pt x="33" y="105"/>
+                  </a:cubicBezTo>
+                  <a:cubicBezTo>
+                    <a:pt x="33" y="105"/>
+                    <a:pt x="33" y="105"/>
+                    <a:pt x="33" y="105"/>
+                  </a:cubicBezTo>
+                  <a:cubicBezTo>
+                    <a:pt x="37" y="105"/>
+                    <a:pt x="42" y="104"/>
+                    <a:pt x="46" y="103"/>
+                  </a:cubicBezTo>
+                  <a:cubicBezTo>
+                    <a:pt x="47" y="102"/>
+                    <a:pt x="47" y="102"/>
+                    <a:pt x="47" y="102"/>
+                  </a:cubicBezTo>
+                  <a:cubicBezTo>
+                    <a:pt x="48" y="101"/>
+                    <a:pt x="48" y="101"/>
+                    <a:pt x="48" y="101"/>
+                  </a:cubicBezTo>
+                  <a:cubicBezTo>
+                    <a:pt x="49" y="99"/>
+                    <a:pt x="50" y="97"/>
+                    <a:pt x="51" y="93"/>
+                  </a:cubicBezTo>
+                  <a:cubicBezTo>
+                    <a:pt x="51" y="89"/>
+                    <a:pt x="52" y="84"/>
+                    <a:pt x="51" y="78"/>
+                  </a:cubicBezTo>
+                  <a:cubicBezTo>
+                    <a:pt x="52" y="77"/>
+                    <a:pt x="53" y="74"/>
+                    <a:pt x="53" y="71"/>
+                  </a:cubicBezTo>
+                  <a:cubicBezTo>
+                    <a:pt x="53" y="69"/>
+                    <a:pt x="54" y="64"/>
+                    <a:pt x="57" y="61"/>
+                  </a:cubicBezTo>
+                  <a:cubicBezTo>
+                    <a:pt x="57" y="61"/>
+                    <a:pt x="57" y="61"/>
+                    <a:pt x="57" y="61"/>
+                  </a:cubicBezTo>
+                  <a:cubicBezTo>
+                    <a:pt x="57" y="61"/>
+                    <a:pt x="57" y="61"/>
+                    <a:pt x="57" y="61"/>
+                  </a:cubicBezTo>
+                  <a:cubicBezTo>
+                    <a:pt x="57" y="61"/>
+                    <a:pt x="60" y="57"/>
+                    <a:pt x="63" y="51"/>
+                  </a:cubicBezTo>
+                  <a:cubicBezTo>
+                    <a:pt x="64" y="47"/>
+                    <a:pt x="65" y="44"/>
+                    <a:pt x="66" y="40"/>
+                  </a:cubicBezTo>
+                  <a:cubicBezTo>
+                    <a:pt x="67" y="36"/>
+                    <a:pt x="67" y="32"/>
+                    <a:pt x="66" y="29"/>
+                  </a:cubicBezTo>
+                  <a:close/>
+                  <a:moveTo>
+                    <a:pt x="22" y="30"/>
+                  </a:moveTo>
+                  <a:cubicBezTo>
+                    <a:pt x="23" y="30"/>
+                    <a:pt x="23" y="30"/>
+                    <a:pt x="23" y="30"/>
+                  </a:cubicBezTo>
+                  <a:cubicBezTo>
+                    <a:pt x="23" y="30"/>
+                    <a:pt x="23" y="30"/>
+                    <a:pt x="23" y="30"/>
+                  </a:cubicBezTo>
+                  <a:lnTo>
+                    <a:pt x="22" y="30"/>
+                  </a:lnTo>
+                  <a:close/>
+                  <a:moveTo>
+                    <a:pt x="25" y="29"/>
+                  </a:moveTo>
+                  <a:cubicBezTo>
+                    <a:pt x="25" y="29"/>
+                    <a:pt x="26" y="29"/>
+                    <a:pt x="26" y="29"/>
+                  </a:cubicBezTo>
+                  <a:cubicBezTo>
+                    <a:pt x="26" y="29"/>
+                    <a:pt x="25" y="30"/>
+                    <a:pt x="26" y="31"/>
+                  </a:cubicBezTo>
+                  <a:cubicBezTo>
+                    <a:pt x="28" y="32"/>
+                    <a:pt x="29" y="30"/>
+                    <a:pt x="29" y="28"/>
+                  </a:cubicBezTo>
+                  <a:cubicBezTo>
+                    <a:pt x="29" y="28"/>
+                    <a:pt x="29" y="28"/>
+                    <a:pt x="29" y="28"/>
+                  </a:cubicBezTo>
+                  <a:cubicBezTo>
+                    <a:pt x="29" y="30"/>
+                    <a:pt x="32" y="33"/>
+                    <a:pt x="33" y="29"/>
+                  </a:cubicBezTo>
+                  <a:cubicBezTo>
+                    <a:pt x="33" y="29"/>
+                    <a:pt x="33" y="28"/>
+                    <a:pt x="33" y="28"/>
+                  </a:cubicBezTo>
+                  <a:cubicBezTo>
+                    <a:pt x="33" y="28"/>
+                    <a:pt x="34" y="27"/>
+                    <a:pt x="34" y="27"/>
+                  </a:cubicBezTo>
+                  <a:cubicBezTo>
+                    <a:pt x="34" y="27"/>
+                    <a:pt x="35" y="27"/>
+                    <a:pt x="35" y="27"/>
+                  </a:cubicBezTo>
+                  <a:cubicBezTo>
+                    <a:pt x="34" y="29"/>
+                    <a:pt x="33" y="31"/>
+                    <a:pt x="36" y="31"/>
+                  </a:cubicBezTo>
+                  <a:cubicBezTo>
+                    <a:pt x="36" y="31"/>
+                    <a:pt x="37" y="31"/>
+                    <a:pt x="37" y="30"/>
+                  </a:cubicBezTo>
+                  <a:cubicBezTo>
+                    <a:pt x="37" y="31"/>
+                    <a:pt x="37" y="31"/>
+                    <a:pt x="37" y="31"/>
+                  </a:cubicBezTo>
+                  <a:cubicBezTo>
+                    <a:pt x="38" y="33"/>
+                    <a:pt x="41" y="30"/>
+                    <a:pt x="41" y="28"/>
+                  </a:cubicBezTo>
+                  <a:cubicBezTo>
+                    <a:pt x="41" y="28"/>
+                    <a:pt x="41" y="28"/>
+                    <a:pt x="42" y="28"/>
+                  </a:cubicBezTo>
+                  <a:cubicBezTo>
+                    <a:pt x="40" y="30"/>
+                    <a:pt x="41" y="31"/>
+                    <a:pt x="42" y="31"/>
+                  </a:cubicBezTo>
+                  <a:cubicBezTo>
+                    <a:pt x="33" y="56"/>
+                    <a:pt x="33" y="56"/>
+                    <a:pt x="33" y="56"/>
+                  </a:cubicBezTo>
+                  <a:cubicBezTo>
+                    <a:pt x="23" y="32"/>
+                    <a:pt x="23" y="32"/>
+                    <a:pt x="23" y="32"/>
+                  </a:cubicBezTo>
+                  <a:cubicBezTo>
+                    <a:pt x="25" y="32"/>
+                    <a:pt x="25" y="31"/>
+                    <a:pt x="25" y="29"/>
+                  </a:cubicBezTo>
+                  <a:close/>
+                  <a:moveTo>
+                    <a:pt x="38" y="28"/>
+                  </a:moveTo>
+                  <a:cubicBezTo>
+                    <a:pt x="37" y="28"/>
+                    <a:pt x="37" y="27"/>
+                    <a:pt x="37" y="27"/>
+                  </a:cubicBezTo>
+                  <a:cubicBezTo>
+                    <a:pt x="37" y="27"/>
+                    <a:pt x="38" y="27"/>
+                    <a:pt x="39" y="27"/>
+                  </a:cubicBezTo>
+                  <a:cubicBezTo>
+                    <a:pt x="38" y="27"/>
+                    <a:pt x="38" y="28"/>
+                    <a:pt x="38" y="28"/>
+                  </a:cubicBezTo>
+                  <a:close/>
+                  <a:moveTo>
+                    <a:pt x="51" y="57"/>
+                  </a:moveTo>
+                  <a:cubicBezTo>
+                    <a:pt x="49" y="59"/>
+                    <a:pt x="47" y="62"/>
+                    <a:pt x="46" y="66"/>
+                  </a:cubicBezTo>
+                  <a:cubicBezTo>
+                    <a:pt x="46" y="69"/>
+                    <a:pt x="45" y="71"/>
+                    <a:pt x="45" y="71"/>
+                  </a:cubicBezTo>
+                  <a:cubicBezTo>
+                    <a:pt x="45" y="71"/>
+                    <a:pt x="45" y="71"/>
+                    <a:pt x="45" y="71"/>
+                  </a:cubicBezTo>
+                  <a:cubicBezTo>
+                    <a:pt x="45" y="72"/>
+                    <a:pt x="45" y="72"/>
+                    <a:pt x="45" y="72"/>
+                  </a:cubicBezTo>
+                  <a:cubicBezTo>
+                    <a:pt x="45" y="73"/>
+                    <a:pt x="45" y="74"/>
+                    <a:pt x="44" y="75"/>
+                  </a:cubicBezTo>
+                  <a:cubicBezTo>
+                    <a:pt x="44" y="75"/>
+                    <a:pt x="44" y="75"/>
+                    <a:pt x="44" y="75"/>
+                  </a:cubicBezTo>
+                  <a:cubicBezTo>
+                    <a:pt x="41" y="76"/>
+                    <a:pt x="39" y="77"/>
+                    <a:pt x="37" y="77"/>
+                  </a:cubicBezTo>
+                  <a:cubicBezTo>
+                    <a:pt x="37" y="60"/>
+                    <a:pt x="37" y="60"/>
+                    <a:pt x="37" y="60"/>
+                  </a:cubicBezTo>
+                  <a:cubicBezTo>
+                    <a:pt x="37" y="59"/>
+                    <a:pt x="37" y="58"/>
+                    <a:pt x="36" y="58"/>
+                  </a:cubicBezTo>
+                  <a:cubicBezTo>
+                    <a:pt x="46" y="29"/>
+                    <a:pt x="46" y="29"/>
+                    <a:pt x="46" y="29"/>
+                  </a:cubicBezTo>
+                  <a:cubicBezTo>
+                    <a:pt x="45" y="29"/>
+                    <a:pt x="45" y="29"/>
+                    <a:pt x="45" y="29"/>
+                  </a:cubicBezTo>
+                  <a:cubicBezTo>
+                    <a:pt x="45" y="29"/>
+                    <a:pt x="45" y="29"/>
+                    <a:pt x="45" y="28"/>
+                  </a:cubicBezTo>
+                  <a:cubicBezTo>
+                    <a:pt x="45" y="26"/>
+                    <a:pt x="42" y="26"/>
+                    <a:pt x="41" y="26"/>
+                  </a:cubicBezTo>
+                  <a:cubicBezTo>
+                    <a:pt x="40" y="26"/>
+                    <a:pt x="40" y="26"/>
+                    <a:pt x="40" y="26"/>
+                  </a:cubicBezTo>
+                  <a:cubicBezTo>
+                    <a:pt x="39" y="24"/>
+                    <a:pt x="37" y="25"/>
+                    <a:pt x="36" y="26"/>
+                  </a:cubicBezTo>
+                  <a:cubicBezTo>
+                    <a:pt x="34" y="26"/>
+                    <a:pt x="33" y="26"/>
+                    <a:pt x="32" y="26"/>
+                  </a:cubicBezTo>
+                  <a:cubicBezTo>
+                    <a:pt x="31" y="26"/>
+                    <a:pt x="31" y="25"/>
+                    <a:pt x="30" y="26"/>
+                  </a:cubicBezTo>
+                  <a:cubicBezTo>
+                    <a:pt x="29" y="26"/>
+                    <a:pt x="29" y="26"/>
+                    <a:pt x="28" y="27"/>
+                  </a:cubicBezTo>
+                  <a:cubicBezTo>
+                    <a:pt x="27" y="27"/>
+                    <a:pt x="26" y="26"/>
+                    <a:pt x="25" y="27"/>
+                  </a:cubicBezTo>
+                  <a:cubicBezTo>
+                    <a:pt x="25" y="27"/>
+                    <a:pt x="24" y="27"/>
+                    <a:pt x="24" y="27"/>
+                  </a:cubicBezTo>
+                  <a:cubicBezTo>
+                    <a:pt x="22" y="25"/>
+                    <a:pt x="20" y="28"/>
+                    <a:pt x="20" y="30"/>
+                  </a:cubicBezTo>
+                  <a:cubicBezTo>
+                    <a:pt x="19" y="31"/>
+                    <a:pt x="19" y="31"/>
+                    <a:pt x="19" y="31"/>
+                  </a:cubicBezTo>
+                  <a:cubicBezTo>
+                    <a:pt x="31" y="58"/>
+                    <a:pt x="31" y="58"/>
+                    <a:pt x="31" y="58"/>
+                  </a:cubicBezTo>
+                  <a:cubicBezTo>
+                    <a:pt x="30" y="59"/>
+                    <a:pt x="30" y="59"/>
+                    <a:pt x="30" y="60"/>
+                  </a:cubicBezTo>
+                  <a:cubicBezTo>
+                    <a:pt x="31" y="77"/>
+                    <a:pt x="31" y="77"/>
+                    <a:pt x="31" y="77"/>
+                  </a:cubicBezTo>
+                  <a:cubicBezTo>
+                    <a:pt x="28" y="77"/>
+                    <a:pt x="25" y="76"/>
+                    <a:pt x="24" y="76"/>
+                  </a:cubicBezTo>
+                  <a:cubicBezTo>
+                    <a:pt x="24" y="76"/>
+                    <a:pt x="24" y="76"/>
+                    <a:pt x="24" y="76"/>
+                  </a:cubicBezTo>
+                  <a:cubicBezTo>
+                    <a:pt x="23" y="74"/>
+                    <a:pt x="23" y="74"/>
+                    <a:pt x="23" y="74"/>
+                  </a:cubicBezTo>
+                  <a:cubicBezTo>
+                    <a:pt x="23" y="74"/>
+                    <a:pt x="22" y="73"/>
+                    <a:pt x="22" y="71"/>
+                  </a:cubicBezTo>
+                  <a:cubicBezTo>
+                    <a:pt x="22" y="71"/>
+                    <a:pt x="22" y="71"/>
+                    <a:pt x="22" y="71"/>
+                  </a:cubicBezTo>
+                  <a:cubicBezTo>
+                    <a:pt x="22" y="71"/>
+                    <a:pt x="22" y="71"/>
+                    <a:pt x="22" y="71"/>
+                  </a:cubicBezTo>
+                  <a:cubicBezTo>
+                    <a:pt x="22" y="71"/>
+                    <a:pt x="22" y="69"/>
+                    <a:pt x="21" y="66"/>
+                  </a:cubicBezTo>
+                  <a:cubicBezTo>
+                    <a:pt x="20" y="62"/>
+                    <a:pt x="19" y="59"/>
+                    <a:pt x="17" y="57"/>
+                  </a:cubicBezTo>
+                  <a:cubicBezTo>
+                    <a:pt x="16" y="56"/>
+                    <a:pt x="14" y="52"/>
+                    <a:pt x="12" y="47"/>
+                  </a:cubicBezTo>
+                  <a:cubicBezTo>
+                    <a:pt x="10" y="43"/>
+                    <a:pt x="7" y="36"/>
+                    <a:pt x="9" y="30"/>
+                  </a:cubicBezTo>
+                  <a:cubicBezTo>
+                    <a:pt x="9" y="30"/>
+                    <a:pt x="9" y="30"/>
+                    <a:pt x="9" y="30"/>
+                  </a:cubicBezTo>
+                  <a:cubicBezTo>
+                    <a:pt x="9" y="30"/>
+                    <a:pt x="9" y="30"/>
+                    <a:pt x="9" y="30"/>
+                  </a:cubicBezTo>
+                  <a:cubicBezTo>
+                    <a:pt x="9" y="30"/>
+                    <a:pt x="10" y="24"/>
+                    <a:pt x="13" y="18"/>
+                  </a:cubicBezTo>
+                  <a:cubicBezTo>
+                    <a:pt x="18" y="11"/>
+                    <a:pt x="25" y="8"/>
+                    <a:pt x="34" y="8"/>
+                  </a:cubicBezTo>
+                  <a:cubicBezTo>
+                    <a:pt x="34" y="8"/>
+                    <a:pt x="34" y="8"/>
+                    <a:pt x="34" y="8"/>
+                  </a:cubicBezTo>
+                  <a:cubicBezTo>
+                    <a:pt x="34" y="8"/>
+                    <a:pt x="34" y="8"/>
+                    <a:pt x="34" y="8"/>
+                  </a:cubicBezTo>
+                  <a:cubicBezTo>
+                    <a:pt x="34" y="8"/>
+                    <a:pt x="34" y="8"/>
+                    <a:pt x="34" y="8"/>
+                  </a:cubicBezTo>
+                  <a:cubicBezTo>
+                    <a:pt x="34" y="8"/>
+                    <a:pt x="34" y="8"/>
+                    <a:pt x="34" y="8"/>
+                  </a:cubicBezTo>
+                  <a:cubicBezTo>
+                    <a:pt x="43" y="8"/>
+                    <a:pt x="50" y="11"/>
+                    <a:pt x="54" y="18"/>
+                  </a:cubicBezTo>
+                  <a:cubicBezTo>
+                    <a:pt x="58" y="24"/>
+                    <a:pt x="59" y="30"/>
+                    <a:pt x="59" y="30"/>
+                  </a:cubicBezTo>
+                  <a:cubicBezTo>
+                    <a:pt x="59" y="30"/>
+                    <a:pt x="59" y="30"/>
+                    <a:pt x="59" y="30"/>
+                  </a:cubicBezTo>
+                  <a:cubicBezTo>
+                    <a:pt x="61" y="41"/>
+                    <a:pt x="52" y="55"/>
+                    <a:pt x="51" y="57"/>
+                  </a:cubicBezTo>
+                  <a:close/>
+                </a:path>
+              </a:pathLst>
+            </a:custGeom>
+            <a:grpFill/>
+            <a:ln>
+              <a:noFill/>
+            </a:ln>
+            <a:extLst>
+              <a:ext uri="{91240B29-F687-4F45-9708-019B960494DF}">
+                <a14:hiddenLine xmlns:a14="http://schemas.microsoft.com/office/drawing/2010/main" w="9525">
+                  <a:solidFill>
+                    <a:srgbClr val="000000"/>
+                  </a:solidFill>
+                  <a:round/>
+                  <a:headEnd/>
+                  <a:tailEnd/>
+                </a14:hiddenLine>
+              </a:ext>
+            </a:extLst>
+          </p:spPr>
+          <p:txBody>
+            <a:bodyPr vert="horz" wrap="square" lIns="91440" tIns="45720" rIns="91440" bIns="45720" numCol="1" anchor="t" anchorCtr="0" compatLnSpc="1">
+              <a:prstTxWarp prst="textNoShape">
+                <a:avLst/>
+              </a:prstTxWarp>
+            </a:bodyPr>
+            <a:lstStyle/>
+            <a:p>
+              <a:endParaRPr lang="en-GB"/>
+            </a:p>
+          </p:txBody>
+        </p:sp>
+        <p:sp>
+          <p:nvSpPr>
+            <p:cNvPr id="186" name="Freeform 51"/>
+            <p:cNvSpPr>
+              <a:spLocks/>
+            </p:cNvSpPr>
+            <p:nvPr/>
+          </p:nvSpPr>
+          <p:spPr bwMode="auto">
+            <a:xfrm>
+              <a:off x="5962651" y="3502026"/>
+              <a:ext cx="60325" cy="61913"/>
+            </a:xfrm>
+            <a:custGeom>
+              <a:avLst/>
+              <a:gdLst>
+                <a:gd name="T0" fmla="*/ 18 w 22"/>
+                <a:gd name="T1" fmla="*/ 1 h 22"/>
+                <a:gd name="T2" fmla="*/ 0 w 22"/>
+                <a:gd name="T3" fmla="*/ 18 h 22"/>
+                <a:gd name="T4" fmla="*/ 0 w 22"/>
+                <a:gd name="T5" fmla="*/ 21 h 22"/>
+                <a:gd name="T6" fmla="*/ 4 w 22"/>
+                <a:gd name="T7" fmla="*/ 21 h 22"/>
+                <a:gd name="T8" fmla="*/ 21 w 22"/>
+                <a:gd name="T9" fmla="*/ 4 h 22"/>
+                <a:gd name="T10" fmla="*/ 21 w 22"/>
+                <a:gd name="T11" fmla="*/ 1 h 22"/>
+                <a:gd name="T12" fmla="*/ 18 w 22"/>
+                <a:gd name="T13" fmla="*/ 1 h 22"/>
+              </a:gdLst>
+              <a:ahLst/>
+              <a:cxnLst>
+                <a:cxn ang="0">
+                  <a:pos x="T0" y="T1"/>
+                </a:cxn>
+                <a:cxn ang="0">
+                  <a:pos x="T2" y="T3"/>
+                </a:cxn>
+                <a:cxn ang="0">
+                  <a:pos x="T4" y="T5"/>
+                </a:cxn>
+                <a:cxn ang="0">
+                  <a:pos x="T6" y="T7"/>
+                </a:cxn>
+                <a:cxn ang="0">
+                  <a:pos x="T8" y="T9"/>
+                </a:cxn>
+                <a:cxn ang="0">
+                  <a:pos x="T10" y="T11"/>
+                </a:cxn>
+                <a:cxn ang="0">
+                  <a:pos x="T12" y="T13"/>
+                </a:cxn>
+              </a:cxnLst>
+              <a:rect l="0" t="0" r="r" b="b"/>
+              <a:pathLst>
+                <a:path w="22" h="22">
+                  <a:moveTo>
+                    <a:pt x="18" y="1"/>
+                  </a:moveTo>
+                  <a:cubicBezTo>
+                    <a:pt x="0" y="18"/>
+                    <a:pt x="0" y="18"/>
+                    <a:pt x="0" y="18"/>
+                  </a:cubicBezTo>
+                  <a:cubicBezTo>
+                    <a:pt x="0" y="19"/>
+                    <a:pt x="0" y="20"/>
+                    <a:pt x="0" y="21"/>
+                  </a:cubicBezTo>
+                  <a:cubicBezTo>
+                    <a:pt x="1" y="22"/>
+                    <a:pt x="3" y="22"/>
+                    <a:pt x="4" y="21"/>
+                  </a:cubicBezTo>
+                  <a:cubicBezTo>
+                    <a:pt x="21" y="4"/>
+                    <a:pt x="21" y="4"/>
+                    <a:pt x="21" y="4"/>
+                  </a:cubicBezTo>
+                  <a:cubicBezTo>
+                    <a:pt x="22" y="3"/>
+                    <a:pt x="22" y="2"/>
+                    <a:pt x="21" y="1"/>
+                  </a:cubicBezTo>
+                  <a:cubicBezTo>
+                    <a:pt x="20" y="0"/>
+                    <a:pt x="18" y="0"/>
+                    <a:pt x="18" y="1"/>
+                  </a:cubicBezTo>
+                  <a:close/>
+                </a:path>
+              </a:pathLst>
+            </a:custGeom>
+            <a:grpFill/>
+            <a:ln>
+              <a:noFill/>
+            </a:ln>
+            <a:extLst>
+              <a:ext uri="{91240B29-F687-4F45-9708-019B960494DF}">
+                <a14:hiddenLine xmlns:a14="http://schemas.microsoft.com/office/drawing/2010/main" w="9525">
+                  <a:solidFill>
+                    <a:srgbClr val="000000"/>
+                  </a:solidFill>
+                  <a:round/>
+                  <a:headEnd/>
+                  <a:tailEnd/>
+                </a14:hiddenLine>
+              </a:ext>
+            </a:extLst>
+          </p:spPr>
+          <p:txBody>
+            <a:bodyPr vert="horz" wrap="square" lIns="91440" tIns="45720" rIns="91440" bIns="45720" numCol="1" anchor="t" anchorCtr="0" compatLnSpc="1">
+              <a:prstTxWarp prst="textNoShape">
+                <a:avLst/>
+              </a:prstTxWarp>
+            </a:bodyPr>
+            <a:lstStyle/>
+            <a:p>
+              <a:endParaRPr lang="en-GB"/>
+            </a:p>
+          </p:txBody>
+        </p:sp>
+        <p:sp>
+          <p:nvSpPr>
+            <p:cNvPr id="187" name="Freeform 52"/>
+            <p:cNvSpPr>
+              <a:spLocks/>
+            </p:cNvSpPr>
+            <p:nvPr/>
+          </p:nvSpPr>
+          <p:spPr bwMode="auto">
+            <a:xfrm>
+              <a:off x="6176963" y="3286126"/>
+              <a:ext cx="58738" cy="61913"/>
+            </a:xfrm>
+            <a:custGeom>
+              <a:avLst/>
+              <a:gdLst>
+                <a:gd name="T0" fmla="*/ 3 w 21"/>
+                <a:gd name="T1" fmla="*/ 21 h 22"/>
+                <a:gd name="T2" fmla="*/ 21 w 21"/>
+                <a:gd name="T3" fmla="*/ 4 h 22"/>
+                <a:gd name="T4" fmla="*/ 21 w 21"/>
+                <a:gd name="T5" fmla="*/ 1 h 22"/>
+                <a:gd name="T6" fmla="*/ 18 w 21"/>
+                <a:gd name="T7" fmla="*/ 1 h 22"/>
+                <a:gd name="T8" fmla="*/ 0 w 21"/>
+                <a:gd name="T9" fmla="*/ 18 h 22"/>
+                <a:gd name="T10" fmla="*/ 0 w 21"/>
+                <a:gd name="T11" fmla="*/ 21 h 22"/>
+                <a:gd name="T12" fmla="*/ 3 w 21"/>
+                <a:gd name="T13" fmla="*/ 21 h 22"/>
+              </a:gdLst>
+              <a:ahLst/>
+              <a:cxnLst>
+                <a:cxn ang="0">
+                  <a:pos x="T0" y="T1"/>
+                </a:cxn>
+                <a:cxn ang="0">
+                  <a:pos x="T2" y="T3"/>
+                </a:cxn>
+                <a:cxn ang="0">
+                  <a:pos x="T4" y="T5"/>
+                </a:cxn>
+                <a:cxn ang="0">
+                  <a:pos x="T6" y="T7"/>
+                </a:cxn>
+                <a:cxn ang="0">
+                  <a:pos x="T8" y="T9"/>
+                </a:cxn>
+                <a:cxn ang="0">
+                  <a:pos x="T10" y="T11"/>
+                </a:cxn>
+                <a:cxn ang="0">
+                  <a:pos x="T12" y="T13"/>
+                </a:cxn>
+              </a:cxnLst>
+              <a:rect l="0" t="0" r="r" b="b"/>
+              <a:pathLst>
+                <a:path w="21" h="22">
+                  <a:moveTo>
+                    <a:pt x="3" y="21"/>
+                  </a:moveTo>
+                  <a:cubicBezTo>
+                    <a:pt x="21" y="4"/>
+                    <a:pt x="21" y="4"/>
+                    <a:pt x="21" y="4"/>
+                  </a:cubicBezTo>
+                  <a:cubicBezTo>
+                    <a:pt x="21" y="3"/>
+                    <a:pt x="21" y="2"/>
+                    <a:pt x="21" y="1"/>
+                  </a:cubicBezTo>
+                  <a:cubicBezTo>
+                    <a:pt x="20" y="0"/>
+                    <a:pt x="18" y="0"/>
+                    <a:pt x="18" y="1"/>
+                  </a:cubicBezTo>
+                  <a:cubicBezTo>
+                    <a:pt x="0" y="18"/>
+                    <a:pt x="0" y="18"/>
+                    <a:pt x="0" y="18"/>
+                  </a:cubicBezTo>
+                  <a:cubicBezTo>
+                    <a:pt x="0" y="19"/>
+                    <a:pt x="0" y="20"/>
+                    <a:pt x="0" y="21"/>
+                  </a:cubicBezTo>
+                  <a:cubicBezTo>
+                    <a:pt x="1" y="22"/>
+                    <a:pt x="3" y="22"/>
+                    <a:pt x="3" y="21"/>
+                  </a:cubicBezTo>
+                  <a:close/>
+                </a:path>
+              </a:pathLst>
+            </a:custGeom>
+            <a:grpFill/>
+            <a:ln>
+              <a:noFill/>
+            </a:ln>
+            <a:extLst>
+              <a:ext uri="{91240B29-F687-4F45-9708-019B960494DF}">
+                <a14:hiddenLine xmlns:a14="http://schemas.microsoft.com/office/drawing/2010/main" w="9525">
+                  <a:solidFill>
+                    <a:srgbClr val="000000"/>
+                  </a:solidFill>
+                  <a:round/>
+                  <a:headEnd/>
+                  <a:tailEnd/>
+                </a14:hiddenLine>
+              </a:ext>
+            </a:extLst>
+          </p:spPr>
+          <p:txBody>
+            <a:bodyPr vert="horz" wrap="square" lIns="91440" tIns="45720" rIns="91440" bIns="45720" numCol="1" anchor="t" anchorCtr="0" compatLnSpc="1">
+              <a:prstTxWarp prst="textNoShape">
+                <a:avLst/>
+              </a:prstTxWarp>
+            </a:bodyPr>
+            <a:lstStyle/>
+            <a:p>
+              <a:endParaRPr lang="en-GB"/>
+            </a:p>
+          </p:txBody>
+        </p:sp>
+        <p:sp>
+          <p:nvSpPr>
+            <p:cNvPr id="188" name="Freeform 53"/>
+            <p:cNvSpPr>
+              <a:spLocks/>
+            </p:cNvSpPr>
+            <p:nvPr/>
+          </p:nvSpPr>
+          <p:spPr bwMode="auto">
+            <a:xfrm>
+              <a:off x="5954713" y="3292476"/>
+              <a:ext cx="63500" cy="60325"/>
+            </a:xfrm>
+            <a:custGeom>
+              <a:avLst/>
+              <a:gdLst>
+                <a:gd name="T0" fmla="*/ 19 w 23"/>
+                <a:gd name="T1" fmla="*/ 21 h 22"/>
+                <a:gd name="T2" fmla="*/ 22 w 23"/>
+                <a:gd name="T3" fmla="*/ 21 h 22"/>
+                <a:gd name="T4" fmla="*/ 22 w 23"/>
+                <a:gd name="T5" fmla="*/ 18 h 22"/>
+                <a:gd name="T6" fmla="*/ 4 w 23"/>
+                <a:gd name="T7" fmla="*/ 1 h 22"/>
+                <a:gd name="T8" fmla="*/ 1 w 23"/>
+                <a:gd name="T9" fmla="*/ 1 h 22"/>
+                <a:gd name="T10" fmla="*/ 1 w 23"/>
+                <a:gd name="T11" fmla="*/ 4 h 22"/>
+                <a:gd name="T12" fmla="*/ 19 w 23"/>
+                <a:gd name="T13" fmla="*/ 21 h 22"/>
+              </a:gdLst>
+              <a:ahLst/>
+              <a:cxnLst>
+                <a:cxn ang="0">
+                  <a:pos x="T0" y="T1"/>
+                </a:cxn>
+                <a:cxn ang="0">
+                  <a:pos x="T2" y="T3"/>
+                </a:cxn>
+                <a:cxn ang="0">
+                  <a:pos x="T4" y="T5"/>
+                </a:cxn>
+                <a:cxn ang="0">
+                  <a:pos x="T6" y="T7"/>
+                </a:cxn>
+                <a:cxn ang="0">
+                  <a:pos x="T8" y="T9"/>
+                </a:cxn>
+                <a:cxn ang="0">
+                  <a:pos x="T10" y="T11"/>
+                </a:cxn>
+                <a:cxn ang="0">
+                  <a:pos x="T12" y="T13"/>
+                </a:cxn>
+              </a:cxnLst>
+              <a:rect l="0" t="0" r="r" b="b"/>
+              <a:pathLst>
+                <a:path w="23" h="22">
+                  <a:moveTo>
+                    <a:pt x="19" y="21"/>
+                  </a:moveTo>
+                  <a:cubicBezTo>
+                    <a:pt x="20" y="22"/>
+                    <a:pt x="21" y="22"/>
+                    <a:pt x="22" y="21"/>
+                  </a:cubicBezTo>
+                  <a:cubicBezTo>
+                    <a:pt x="23" y="20"/>
+                    <a:pt x="23" y="18"/>
+                    <a:pt x="22" y="18"/>
+                  </a:cubicBezTo>
+                  <a:cubicBezTo>
+                    <a:pt x="4" y="1"/>
+                    <a:pt x="4" y="1"/>
+                    <a:pt x="4" y="1"/>
+                  </a:cubicBezTo>
+                  <a:cubicBezTo>
+                    <a:pt x="3" y="0"/>
+                    <a:pt x="2" y="0"/>
+                    <a:pt x="1" y="1"/>
+                  </a:cubicBezTo>
+                  <a:cubicBezTo>
+                    <a:pt x="0" y="2"/>
+                    <a:pt x="0" y="4"/>
+                    <a:pt x="1" y="4"/>
+                  </a:cubicBezTo>
+                  <a:lnTo>
+                    <a:pt x="19" y="21"/>
+                  </a:lnTo>
+                  <a:close/>
+                </a:path>
+              </a:pathLst>
+            </a:custGeom>
+            <a:grpFill/>
+            <a:ln>
+              <a:noFill/>
+            </a:ln>
+            <a:extLst>
+              <a:ext uri="{91240B29-F687-4F45-9708-019B960494DF}">
+                <a14:hiddenLine xmlns:a14="http://schemas.microsoft.com/office/drawing/2010/main" w="9525">
+                  <a:solidFill>
+                    <a:srgbClr val="000000"/>
+                  </a:solidFill>
+                  <a:round/>
+                  <a:headEnd/>
+                  <a:tailEnd/>
+                </a14:hiddenLine>
+              </a:ext>
+            </a:extLst>
+          </p:spPr>
+          <p:txBody>
+            <a:bodyPr vert="horz" wrap="square" lIns="91440" tIns="45720" rIns="91440" bIns="45720" numCol="1" anchor="t" anchorCtr="0" compatLnSpc="1">
+              <a:prstTxWarp prst="textNoShape">
+                <a:avLst/>
+              </a:prstTxWarp>
+            </a:bodyPr>
+            <a:lstStyle/>
+            <a:p>
+              <a:endParaRPr lang="en-GB"/>
+            </a:p>
+          </p:txBody>
+        </p:sp>
+        <p:sp>
+          <p:nvSpPr>
+            <p:cNvPr id="189" name="Freeform 54"/>
+            <p:cNvSpPr>
+              <a:spLocks/>
+            </p:cNvSpPr>
+            <p:nvPr/>
+          </p:nvSpPr>
+          <p:spPr bwMode="auto">
+            <a:xfrm>
+              <a:off x="6180138" y="3497263"/>
+              <a:ext cx="63500" cy="60325"/>
+            </a:xfrm>
+            <a:custGeom>
+              <a:avLst/>
+              <a:gdLst>
+                <a:gd name="T0" fmla="*/ 4 w 23"/>
+                <a:gd name="T1" fmla="*/ 1 h 22"/>
+                <a:gd name="T2" fmla="*/ 1 w 23"/>
+                <a:gd name="T3" fmla="*/ 1 h 22"/>
+                <a:gd name="T4" fmla="*/ 1 w 23"/>
+                <a:gd name="T5" fmla="*/ 4 h 22"/>
+                <a:gd name="T6" fmla="*/ 19 w 23"/>
+                <a:gd name="T7" fmla="*/ 21 h 22"/>
+                <a:gd name="T8" fmla="*/ 22 w 23"/>
+                <a:gd name="T9" fmla="*/ 21 h 22"/>
+                <a:gd name="T10" fmla="*/ 22 w 23"/>
+                <a:gd name="T11" fmla="*/ 17 h 22"/>
+                <a:gd name="T12" fmla="*/ 4 w 23"/>
+                <a:gd name="T13" fmla="*/ 1 h 22"/>
+              </a:gdLst>
+              <a:ahLst/>
+              <a:cxnLst>
+                <a:cxn ang="0">
+                  <a:pos x="T0" y="T1"/>
+                </a:cxn>
+                <a:cxn ang="0">
+                  <a:pos x="T2" y="T3"/>
+                </a:cxn>
+                <a:cxn ang="0">
+                  <a:pos x="T4" y="T5"/>
+                </a:cxn>
+                <a:cxn ang="0">
+                  <a:pos x="T6" y="T7"/>
+                </a:cxn>
+                <a:cxn ang="0">
+                  <a:pos x="T8" y="T9"/>
+                </a:cxn>
+                <a:cxn ang="0">
+                  <a:pos x="T10" y="T11"/>
+                </a:cxn>
+                <a:cxn ang="0">
+                  <a:pos x="T12" y="T13"/>
+                </a:cxn>
+              </a:cxnLst>
+              <a:rect l="0" t="0" r="r" b="b"/>
+              <a:pathLst>
+                <a:path w="23" h="22">
+                  <a:moveTo>
+                    <a:pt x="4" y="1"/>
+                  </a:moveTo>
+                  <a:cubicBezTo>
+                    <a:pt x="3" y="0"/>
+                    <a:pt x="2" y="0"/>
+                    <a:pt x="1" y="1"/>
+                  </a:cubicBezTo>
+                  <a:cubicBezTo>
+                    <a:pt x="0" y="2"/>
+                    <a:pt x="0" y="3"/>
+                    <a:pt x="1" y="4"/>
+                  </a:cubicBezTo>
+                  <a:cubicBezTo>
+                    <a:pt x="19" y="21"/>
+                    <a:pt x="19" y="21"/>
+                    <a:pt x="19" y="21"/>
+                  </a:cubicBezTo>
+                  <a:cubicBezTo>
+                    <a:pt x="20" y="22"/>
+                    <a:pt x="21" y="21"/>
+                    <a:pt x="22" y="21"/>
+                  </a:cubicBezTo>
+                  <a:cubicBezTo>
+                    <a:pt x="23" y="20"/>
+                    <a:pt x="23" y="18"/>
+                    <a:pt x="22" y="17"/>
+                  </a:cubicBezTo>
+                  <a:lnTo>
+                    <a:pt x="4" y="1"/>
+                  </a:lnTo>
+                  <a:close/>
+                </a:path>
+              </a:pathLst>
+            </a:custGeom>
+            <a:grpFill/>
+            <a:ln>
+              <a:noFill/>
+            </a:ln>
+            <a:extLst>
+              <a:ext uri="{91240B29-F687-4F45-9708-019B960494DF}">
+                <a14:hiddenLine xmlns:a14="http://schemas.microsoft.com/office/drawing/2010/main" w="9525">
+                  <a:solidFill>
+                    <a:srgbClr val="000000"/>
+                  </a:solidFill>
+                  <a:round/>
+                  <a:headEnd/>
+                  <a:tailEnd/>
+                </a14:hiddenLine>
+              </a:ext>
+            </a:extLst>
+          </p:spPr>
+          <p:txBody>
+            <a:bodyPr vert="horz" wrap="square" lIns="91440" tIns="45720" rIns="91440" bIns="45720" numCol="1" anchor="t" anchorCtr="0" compatLnSpc="1">
+              <a:prstTxWarp prst="textNoShape">
+                <a:avLst/>
+              </a:prstTxWarp>
+            </a:bodyPr>
+            <a:lstStyle/>
+            <a:p>
+              <a:endParaRPr lang="en-GB"/>
+            </a:p>
+          </p:txBody>
+        </p:sp>
+        <p:sp>
+          <p:nvSpPr>
+            <p:cNvPr id="190" name="Freeform 55"/>
+            <p:cNvSpPr>
+              <a:spLocks/>
+            </p:cNvSpPr>
+            <p:nvPr/>
+          </p:nvSpPr>
+          <p:spPr bwMode="auto">
+            <a:xfrm>
+              <a:off x="5907088" y="3419476"/>
+              <a:ext cx="80963" cy="11113"/>
+            </a:xfrm>
+            <a:custGeom>
+              <a:avLst/>
+              <a:gdLst>
+                <a:gd name="T0" fmla="*/ 29 w 29"/>
+                <a:gd name="T1" fmla="*/ 2 h 4"/>
+                <a:gd name="T2" fmla="*/ 26 w 29"/>
+                <a:gd name="T3" fmla="*/ 0 h 4"/>
+                <a:gd name="T4" fmla="*/ 2 w 29"/>
+                <a:gd name="T5" fmla="*/ 0 h 4"/>
+                <a:gd name="T6" fmla="*/ 0 w 29"/>
+                <a:gd name="T7" fmla="*/ 2 h 4"/>
+                <a:gd name="T8" fmla="*/ 2 w 29"/>
+                <a:gd name="T9" fmla="*/ 4 h 4"/>
+                <a:gd name="T10" fmla="*/ 26 w 29"/>
+                <a:gd name="T11" fmla="*/ 4 h 4"/>
+                <a:gd name="T12" fmla="*/ 29 w 29"/>
+                <a:gd name="T13" fmla="*/ 2 h 4"/>
+              </a:gdLst>
+              <a:ahLst/>
+              <a:cxnLst>
+                <a:cxn ang="0">
+                  <a:pos x="T0" y="T1"/>
+                </a:cxn>
+                <a:cxn ang="0">
+                  <a:pos x="T2" y="T3"/>
+                </a:cxn>
+                <a:cxn ang="0">
+                  <a:pos x="T4" y="T5"/>
+                </a:cxn>
+                <a:cxn ang="0">
+                  <a:pos x="T6" y="T7"/>
+                </a:cxn>
+                <a:cxn ang="0">
+                  <a:pos x="T8" y="T9"/>
+                </a:cxn>
+                <a:cxn ang="0">
+                  <a:pos x="T10" y="T11"/>
+                </a:cxn>
+                <a:cxn ang="0">
+                  <a:pos x="T12" y="T13"/>
+                </a:cxn>
+              </a:cxnLst>
+              <a:rect l="0" t="0" r="r" b="b"/>
+              <a:pathLst>
+                <a:path w="29" h="4">
+                  <a:moveTo>
+                    <a:pt x="29" y="2"/>
+                  </a:moveTo>
+                  <a:cubicBezTo>
+                    <a:pt x="29" y="1"/>
+                    <a:pt x="28" y="0"/>
+                    <a:pt x="26" y="0"/>
+                  </a:cubicBezTo>
+                  <a:cubicBezTo>
+                    <a:pt x="2" y="0"/>
+                    <a:pt x="2" y="0"/>
+                    <a:pt x="2" y="0"/>
+                  </a:cubicBezTo>
+                  <a:cubicBezTo>
+                    <a:pt x="1" y="0"/>
+                    <a:pt x="0" y="1"/>
+                    <a:pt x="0" y="2"/>
+                  </a:cubicBezTo>
+                  <a:cubicBezTo>
+                    <a:pt x="0" y="3"/>
+                    <a:pt x="1" y="4"/>
+                    <a:pt x="2" y="4"/>
+                  </a:cubicBezTo>
+                  <a:cubicBezTo>
+                    <a:pt x="26" y="4"/>
+                    <a:pt x="26" y="4"/>
+                    <a:pt x="26" y="4"/>
+                  </a:cubicBezTo>
+                  <a:cubicBezTo>
+                    <a:pt x="28" y="4"/>
+                    <a:pt x="29" y="3"/>
+                    <a:pt x="29" y="2"/>
+                  </a:cubicBezTo>
+                  <a:close/>
+                </a:path>
+              </a:pathLst>
+            </a:custGeom>
+            <a:grpFill/>
+            <a:ln>
+              <a:noFill/>
+            </a:ln>
+            <a:extLst>
+              <a:ext uri="{91240B29-F687-4F45-9708-019B960494DF}">
+                <a14:hiddenLine xmlns:a14="http://schemas.microsoft.com/office/drawing/2010/main" w="9525">
+                  <a:solidFill>
+                    <a:srgbClr val="000000"/>
+                  </a:solidFill>
+                  <a:round/>
+                  <a:headEnd/>
+                  <a:tailEnd/>
+                </a14:hiddenLine>
+              </a:ext>
+            </a:extLst>
+          </p:spPr>
+          <p:txBody>
+            <a:bodyPr vert="horz" wrap="square" lIns="91440" tIns="45720" rIns="91440" bIns="45720" numCol="1" anchor="t" anchorCtr="0" compatLnSpc="1">
+              <a:prstTxWarp prst="textNoShape">
+                <a:avLst/>
+              </a:prstTxWarp>
+            </a:bodyPr>
+            <a:lstStyle/>
+            <a:p>
+              <a:endParaRPr lang="en-GB"/>
+            </a:p>
+          </p:txBody>
+        </p:sp>
+        <p:sp>
+          <p:nvSpPr>
+            <p:cNvPr id="191" name="Freeform 56"/>
+            <p:cNvSpPr>
+              <a:spLocks/>
+            </p:cNvSpPr>
+            <p:nvPr/>
+          </p:nvSpPr>
+          <p:spPr bwMode="auto">
+            <a:xfrm>
+              <a:off x="6210301" y="3419476"/>
+              <a:ext cx="80963" cy="11113"/>
+            </a:xfrm>
+            <a:custGeom>
+              <a:avLst/>
+              <a:gdLst>
+                <a:gd name="T0" fmla="*/ 27 w 29"/>
+                <a:gd name="T1" fmla="*/ 0 h 4"/>
+                <a:gd name="T2" fmla="*/ 3 w 29"/>
+                <a:gd name="T3" fmla="*/ 0 h 4"/>
+                <a:gd name="T4" fmla="*/ 0 w 29"/>
+                <a:gd name="T5" fmla="*/ 2 h 4"/>
+                <a:gd name="T6" fmla="*/ 3 w 29"/>
+                <a:gd name="T7" fmla="*/ 4 h 4"/>
+                <a:gd name="T8" fmla="*/ 27 w 29"/>
+                <a:gd name="T9" fmla="*/ 4 h 4"/>
+                <a:gd name="T10" fmla="*/ 29 w 29"/>
+                <a:gd name="T11" fmla="*/ 2 h 4"/>
+                <a:gd name="T12" fmla="*/ 27 w 29"/>
+                <a:gd name="T13" fmla="*/ 0 h 4"/>
+              </a:gdLst>
+              <a:ahLst/>
+              <a:cxnLst>
+                <a:cxn ang="0">
+                  <a:pos x="T0" y="T1"/>
+                </a:cxn>
+                <a:cxn ang="0">
+                  <a:pos x="T2" y="T3"/>
+                </a:cxn>
+                <a:cxn ang="0">
+                  <a:pos x="T4" y="T5"/>
+                </a:cxn>
+                <a:cxn ang="0">
+                  <a:pos x="T6" y="T7"/>
+                </a:cxn>
+                <a:cxn ang="0">
+                  <a:pos x="T8" y="T9"/>
+                </a:cxn>
+                <a:cxn ang="0">
+                  <a:pos x="T10" y="T11"/>
+                </a:cxn>
+                <a:cxn ang="0">
+                  <a:pos x="T12" y="T13"/>
+                </a:cxn>
+              </a:cxnLst>
+              <a:rect l="0" t="0" r="r" b="b"/>
+              <a:pathLst>
+                <a:path w="29" h="4">
+                  <a:moveTo>
+                    <a:pt x="27" y="0"/>
+                  </a:moveTo>
+                  <a:cubicBezTo>
+                    <a:pt x="3" y="0"/>
+                    <a:pt x="3" y="0"/>
+                    <a:pt x="3" y="0"/>
+                  </a:cubicBezTo>
+                  <a:cubicBezTo>
+                    <a:pt x="1" y="0"/>
+                    <a:pt x="0" y="1"/>
+                    <a:pt x="0" y="2"/>
+                  </a:cubicBezTo>
+                  <a:cubicBezTo>
+                    <a:pt x="0" y="3"/>
+                    <a:pt x="1" y="4"/>
+                    <a:pt x="3" y="4"/>
+                  </a:cubicBezTo>
+                  <a:cubicBezTo>
+                    <a:pt x="27" y="4"/>
+                    <a:pt x="27" y="4"/>
+                    <a:pt x="27" y="4"/>
+                  </a:cubicBezTo>
+                  <a:cubicBezTo>
+                    <a:pt x="28" y="4"/>
+                    <a:pt x="29" y="3"/>
+                    <a:pt x="29" y="2"/>
+                  </a:cubicBezTo>
+                  <a:cubicBezTo>
+                    <a:pt x="29" y="1"/>
+                    <a:pt x="28" y="0"/>
+                    <a:pt x="27" y="0"/>
+                  </a:cubicBezTo>
+                  <a:close/>
+                </a:path>
+              </a:pathLst>
+            </a:custGeom>
+            <a:grpFill/>
+            <a:ln>
+              <a:noFill/>
+            </a:ln>
+            <a:extLst>
+              <a:ext uri="{91240B29-F687-4F45-9708-019B960494DF}">
+                <a14:hiddenLine xmlns:a14="http://schemas.microsoft.com/office/drawing/2010/main" w="9525">
+                  <a:solidFill>
+                    <a:srgbClr val="000000"/>
+                  </a:solidFill>
+                  <a:round/>
+                  <a:headEnd/>
+                  <a:tailEnd/>
+                </a14:hiddenLine>
+              </a:ext>
+            </a:extLst>
+          </p:spPr>
+          <p:txBody>
+            <a:bodyPr vert="horz" wrap="square" lIns="91440" tIns="45720" rIns="91440" bIns="45720" numCol="1" anchor="t" anchorCtr="0" compatLnSpc="1">
+              <a:prstTxWarp prst="textNoShape">
+                <a:avLst/>
+              </a:prstTxWarp>
+            </a:bodyPr>
+            <a:lstStyle/>
+            <a:p>
+              <a:endParaRPr lang="en-GB"/>
+            </a:p>
+          </p:txBody>
+        </p:sp>
+        <p:sp>
+          <p:nvSpPr>
+            <p:cNvPr id="192" name="Freeform 57"/>
+            <p:cNvSpPr>
+              <a:spLocks/>
+            </p:cNvSpPr>
+            <p:nvPr/>
+          </p:nvSpPr>
+          <p:spPr bwMode="auto">
+            <a:xfrm>
+              <a:off x="6092826" y="3236913"/>
+              <a:ext cx="11113" cy="79375"/>
+            </a:xfrm>
+            <a:custGeom>
+              <a:avLst/>
+              <a:gdLst>
+                <a:gd name="T0" fmla="*/ 2 w 4"/>
+                <a:gd name="T1" fmla="*/ 29 h 29"/>
+                <a:gd name="T2" fmla="*/ 4 w 4"/>
+                <a:gd name="T3" fmla="*/ 27 h 29"/>
+                <a:gd name="T4" fmla="*/ 4 w 4"/>
+                <a:gd name="T5" fmla="*/ 3 h 29"/>
+                <a:gd name="T6" fmla="*/ 2 w 4"/>
+                <a:gd name="T7" fmla="*/ 0 h 29"/>
+                <a:gd name="T8" fmla="*/ 0 w 4"/>
+                <a:gd name="T9" fmla="*/ 3 h 29"/>
+                <a:gd name="T10" fmla="*/ 0 w 4"/>
+                <a:gd name="T11" fmla="*/ 27 h 29"/>
+                <a:gd name="T12" fmla="*/ 2 w 4"/>
+                <a:gd name="T13" fmla="*/ 29 h 29"/>
+              </a:gdLst>
+              <a:ahLst/>
+              <a:cxnLst>
+                <a:cxn ang="0">
+                  <a:pos x="T0" y="T1"/>
+                </a:cxn>
+                <a:cxn ang="0">
+                  <a:pos x="T2" y="T3"/>
+                </a:cxn>
+                <a:cxn ang="0">
+                  <a:pos x="T4" y="T5"/>
+                </a:cxn>
+                <a:cxn ang="0">
+                  <a:pos x="T6" y="T7"/>
+                </a:cxn>
+                <a:cxn ang="0">
+                  <a:pos x="T8" y="T9"/>
+                </a:cxn>
+                <a:cxn ang="0">
+                  <a:pos x="T10" y="T11"/>
+                </a:cxn>
+                <a:cxn ang="0">
+                  <a:pos x="T12" y="T13"/>
+                </a:cxn>
+              </a:cxnLst>
+              <a:rect l="0" t="0" r="r" b="b"/>
+              <a:pathLst>
+                <a:path w="4" h="29">
+                  <a:moveTo>
+                    <a:pt x="2" y="29"/>
+                  </a:moveTo>
+                  <a:cubicBezTo>
+                    <a:pt x="3" y="29"/>
+                    <a:pt x="4" y="28"/>
+                    <a:pt x="4" y="27"/>
+                  </a:cubicBezTo>
+                  <a:cubicBezTo>
+                    <a:pt x="4" y="3"/>
+                    <a:pt x="4" y="3"/>
+                    <a:pt x="4" y="3"/>
+                  </a:cubicBezTo>
+                  <a:cubicBezTo>
+                    <a:pt x="4" y="1"/>
+                    <a:pt x="3" y="0"/>
+                    <a:pt x="2" y="0"/>
+                  </a:cubicBezTo>
+                  <a:cubicBezTo>
+                    <a:pt x="1" y="0"/>
+                    <a:pt x="0" y="1"/>
+                    <a:pt x="0" y="3"/>
+                  </a:cubicBezTo>
+                  <a:cubicBezTo>
+                    <a:pt x="0" y="27"/>
+                    <a:pt x="0" y="27"/>
+                    <a:pt x="0" y="27"/>
+                  </a:cubicBezTo>
+                  <a:cubicBezTo>
+                    <a:pt x="0" y="28"/>
+                    <a:pt x="1" y="29"/>
+                    <a:pt x="2" y="29"/>
+                  </a:cubicBezTo>
+                  <a:close/>
+                </a:path>
+              </a:pathLst>
+            </a:custGeom>
+            <a:grpFill/>
+            <a:ln>
+              <a:noFill/>
+            </a:ln>
+            <a:extLst>
+              <a:ext uri="{91240B29-F687-4F45-9708-019B960494DF}">
+                <a14:hiddenLine xmlns:a14="http://schemas.microsoft.com/office/drawing/2010/main" w="9525">
+                  <a:solidFill>
+                    <a:srgbClr val="000000"/>
+                  </a:solidFill>
+                  <a:round/>
+                  <a:headEnd/>
+                  <a:tailEnd/>
+                </a14:hiddenLine>
+              </a:ext>
+            </a:extLst>
+          </p:spPr>
+          <p:txBody>
+            <a:bodyPr vert="horz" wrap="square" lIns="91440" tIns="45720" rIns="91440" bIns="45720" numCol="1" anchor="t" anchorCtr="0" compatLnSpc="1">
+              <a:prstTxWarp prst="textNoShape">
+                <a:avLst/>
+              </a:prstTxWarp>
+            </a:bodyPr>
+            <a:lstStyle/>
+            <a:p>
+              <a:endParaRPr lang="en-GB"/>
+            </a:p>
+          </p:txBody>
+        </p:sp>
+      </p:grpSp>
     </p:spTree>
     <p:extLst>
       <p:ext uri="{BB962C8B-B14F-4D97-AF65-F5344CB8AC3E}">
@@ -29105,6 +30365,41 @@
                                   </p:childTnLst>
                                 </p:cTn>
                               </p:par>
+                              <p:par>
+                                <p:cTn id="153" presetID="10" presetClass="entr" presetSubtype="0" fill="hold" nodeType="withEffect">
+                                  <p:stCondLst>
+                                    <p:cond delay="0"/>
+                                  </p:stCondLst>
+                                  <p:childTnLst>
+                                    <p:set>
+                                      <p:cBhvr>
+                                        <p:cTn id="154" dur="1" fill="hold">
+                                          <p:stCondLst>
+                                            <p:cond delay="0"/>
+                                          </p:stCondLst>
+                                        </p:cTn>
+                                        <p:tgtEl>
+                                          <p:spTgt spid="180"/>
+                                        </p:tgtEl>
+                                        <p:attrNameLst>
+                                          <p:attrName>style.visibility</p:attrName>
+                                        </p:attrNameLst>
+                                      </p:cBhvr>
+                                      <p:to>
+                                        <p:strVal val="visible"/>
+                                      </p:to>
+                                    </p:set>
+                                    <p:animEffect transition="in" filter="fade">
+                                      <p:cBhvr>
+                                        <p:cTn id="155" dur="500"/>
+                                        <p:tgtEl>
+                                          <p:spTgt spid="180"/>
+                                        </p:tgtEl>
+                                      </p:cBhvr>
+                                    </p:animEffect>
+                                  </p:childTnLst>
+                                </p:cTn>
+                              </p:par>
                             </p:childTnLst>
                           </p:cTn>
                         </p:par>
